--- a/presentation/Kolloquium.pptx
+++ b/presentation/Kolloquium.pptx
@@ -5,29 +5,34 @@
     <p:sldMasterId id="2147483648" r:id="rId1"/>
   </p:sldMasterIdLst>
   <p:notesMasterIdLst>
-    <p:notesMasterId r:id="rId22"/>
+    <p:notesMasterId r:id="rId27"/>
   </p:notesMasterIdLst>
   <p:sldIdLst>
     <p:sldId id="257" r:id="rId2"/>
     <p:sldId id="258" r:id="rId3"/>
     <p:sldId id="259" r:id="rId4"/>
     <p:sldId id="260" r:id="rId5"/>
-    <p:sldId id="261" r:id="rId6"/>
-    <p:sldId id="263" r:id="rId7"/>
-    <p:sldId id="264" r:id="rId8"/>
-    <p:sldId id="270" r:id="rId9"/>
-    <p:sldId id="265" r:id="rId10"/>
-    <p:sldId id="271" r:id="rId11"/>
-    <p:sldId id="266" r:id="rId12"/>
-    <p:sldId id="272" r:id="rId13"/>
-    <p:sldId id="267" r:id="rId14"/>
-    <p:sldId id="273" r:id="rId15"/>
-    <p:sldId id="268" r:id="rId16"/>
-    <p:sldId id="274" r:id="rId17"/>
-    <p:sldId id="269" r:id="rId18"/>
-    <p:sldId id="275" r:id="rId19"/>
-    <p:sldId id="276" r:id="rId20"/>
-    <p:sldId id="277" r:id="rId21"/>
+    <p:sldId id="280" r:id="rId6"/>
+    <p:sldId id="261" r:id="rId7"/>
+    <p:sldId id="283" r:id="rId8"/>
+    <p:sldId id="281" r:id="rId9"/>
+    <p:sldId id="263" r:id="rId10"/>
+    <p:sldId id="264" r:id="rId11"/>
+    <p:sldId id="270" r:id="rId12"/>
+    <p:sldId id="265" r:id="rId13"/>
+    <p:sldId id="271" r:id="rId14"/>
+    <p:sldId id="266" r:id="rId15"/>
+    <p:sldId id="282" r:id="rId16"/>
+    <p:sldId id="267" r:id="rId17"/>
+    <p:sldId id="273" r:id="rId18"/>
+    <p:sldId id="268" r:id="rId19"/>
+    <p:sldId id="274" r:id="rId20"/>
+    <p:sldId id="269" r:id="rId21"/>
+    <p:sldId id="275" r:id="rId22"/>
+    <p:sldId id="276" r:id="rId23"/>
+    <p:sldId id="277" r:id="rId24"/>
+    <p:sldId id="279" r:id="rId25"/>
+    <p:sldId id="278" r:id="rId26"/>
   </p:sldIdLst>
   <p:sldSz cx="12192000" cy="6858000"/>
   <p:notesSz cx="6858000" cy="9144000"/>
@@ -476,6 +481,367 @@
     </a:lvl9pPr>
   </p:notesStyle>
 </p:notesMaster>
+</file>
+
+<file path=ppt/notesSlides/notesSlide1.xml><?xml version="1.0" encoding="utf-8"?>
+<p:notes xmlns:a="http://schemas.openxmlformats.org/drawingml/2006/main" xmlns:r="http://schemas.openxmlformats.org/officeDocument/2006/relationships" xmlns:p="http://schemas.openxmlformats.org/presentationml/2006/main">
+  <p:cSld>
+    <p:spTree>
+      <p:nvGrpSpPr>
+        <p:cNvPr id="1" name=""/>
+        <p:cNvGrpSpPr/>
+        <p:nvPr/>
+      </p:nvGrpSpPr>
+      <p:grpSpPr>
+        <a:xfrm>
+          <a:off x="0" y="0"/>
+          <a:ext cx="0" cy="0"/>
+          <a:chOff x="0" y="0"/>
+          <a:chExt cx="0" cy="0"/>
+        </a:xfrm>
+      </p:grpSpPr>
+      <p:sp>
+        <p:nvSpPr>
+          <p:cNvPr id="2" name="Folienbildplatzhalter 1"/>
+          <p:cNvSpPr>
+            <a:spLocks noGrp="1" noRot="1" noChangeAspect="1"/>
+          </p:cNvSpPr>
+          <p:nvPr>
+            <p:ph type="sldImg"/>
+          </p:nvPr>
+        </p:nvSpPr>
+        <p:spPr/>
+      </p:sp>
+      <p:sp>
+        <p:nvSpPr>
+          <p:cNvPr id="3" name="Notizenplatzhalter 2"/>
+          <p:cNvSpPr>
+            <a:spLocks noGrp="1"/>
+          </p:cNvSpPr>
+          <p:nvPr>
+            <p:ph type="body" idx="1"/>
+          </p:nvPr>
+        </p:nvSpPr>
+        <p:spPr/>
+        <p:txBody>
+          <a:bodyPr/>
+          <a:lstStyle/>
+          <a:p>
+            <a:pPr marL="0" marR="0" lvl="0" indent="0" algn="l" defTabSz="914400" rtl="0" eaLnBrk="1" fontAlgn="auto" latinLnBrk="0" hangingPunct="1">
+              <a:lnSpc>
+                <a:spcPct val="100000"/>
+              </a:lnSpc>
+              <a:spcBef>
+                <a:spcPts val="0"/>
+              </a:spcBef>
+              <a:spcAft>
+                <a:spcPts val="0"/>
+              </a:spcAft>
+              <a:buClrTx/>
+              <a:buSzTx/>
+              <a:buFontTx/>
+              <a:buNone/>
+              <a:tabLst/>
+              <a:defRPr/>
+            </a:pPr>
+            <a:r>
+              <a:rPr lang="en-US" dirty="0">
+                <a:latin typeface="Arial" panose="020B0604020202020204" pitchFamily="34" charset="0"/>
+                <a:cs typeface="Arial" panose="020B0604020202020204" pitchFamily="34" charset="0"/>
+                <a:sym typeface="Wingdings" pitchFamily="2" charset="2"/>
+              </a:rPr>
+              <a:t>Wang et al 2017b achieve better performance with sparse vectors while Chen et al. (2019) argues for dense vectors</a:t>
+            </a:r>
+          </a:p>
+          <a:p>
+            <a:endParaRPr lang="de-DE" dirty="0"/>
+          </a:p>
+        </p:txBody>
+      </p:sp>
+      <p:sp>
+        <p:nvSpPr>
+          <p:cNvPr id="4" name="Foliennummernplatzhalter 3"/>
+          <p:cNvSpPr>
+            <a:spLocks noGrp="1"/>
+          </p:cNvSpPr>
+          <p:nvPr>
+            <p:ph type="sldNum" sz="quarter" idx="5"/>
+          </p:nvPr>
+        </p:nvSpPr>
+        <p:spPr/>
+        <p:txBody>
+          <a:bodyPr/>
+          <a:lstStyle/>
+          <a:p>
+            <a:fld id="{1FF2C2A0-850C-7B4E-AC35-BEFBE78842C3}" type="slidenum">
+              <a:rPr lang="de-DE" smtClean="0"/>
+              <a:t>6</a:t>
+            </a:fld>
+            <a:endParaRPr lang="de-DE"/>
+          </a:p>
+        </p:txBody>
+      </p:sp>
+    </p:spTree>
+    <p:extLst>
+      <p:ext uri="{BB962C8B-B14F-4D97-AF65-F5344CB8AC3E}">
+        <p14:creationId xmlns:p14="http://schemas.microsoft.com/office/powerpoint/2010/main" val="862838018"/>
+      </p:ext>
+    </p:extLst>
+  </p:cSld>
+  <p:clrMapOvr>
+    <a:masterClrMapping/>
+  </p:clrMapOvr>
+</p:notes>
+</file>
+
+<file path=ppt/notesSlides/notesSlide2.xml><?xml version="1.0" encoding="utf-8"?>
+<p:notes xmlns:a="http://schemas.openxmlformats.org/drawingml/2006/main" xmlns:r="http://schemas.openxmlformats.org/officeDocument/2006/relationships" xmlns:p="http://schemas.openxmlformats.org/presentationml/2006/main">
+  <p:cSld>
+    <p:spTree>
+      <p:nvGrpSpPr>
+        <p:cNvPr id="1" name=""/>
+        <p:cNvGrpSpPr/>
+        <p:nvPr/>
+      </p:nvGrpSpPr>
+      <p:grpSpPr>
+        <a:xfrm>
+          <a:off x="0" y="0"/>
+          <a:ext cx="0" cy="0"/>
+          <a:chOff x="0" y="0"/>
+          <a:chExt cx="0" cy="0"/>
+        </a:xfrm>
+      </p:grpSpPr>
+      <p:sp>
+        <p:nvSpPr>
+          <p:cNvPr id="2" name="Folienbildplatzhalter 1"/>
+          <p:cNvSpPr>
+            <a:spLocks noGrp="1" noRot="1" noChangeAspect="1"/>
+          </p:cNvSpPr>
+          <p:nvPr>
+            <p:ph type="sldImg"/>
+          </p:nvPr>
+        </p:nvSpPr>
+        <p:spPr/>
+      </p:sp>
+      <p:sp>
+        <p:nvSpPr>
+          <p:cNvPr id="3" name="Notizenplatzhalter 2"/>
+          <p:cNvSpPr>
+            <a:spLocks noGrp="1"/>
+          </p:cNvSpPr>
+          <p:nvPr>
+            <p:ph type="body" idx="1"/>
+          </p:nvPr>
+        </p:nvSpPr>
+        <p:spPr/>
+        <p:txBody>
+          <a:bodyPr/>
+          <a:lstStyle/>
+          <a:p>
+            <a:pPr marL="0" marR="0" lvl="0" indent="0" algn="l" defTabSz="914400" rtl="0" eaLnBrk="1" fontAlgn="auto" latinLnBrk="0" hangingPunct="1">
+              <a:lnSpc>
+                <a:spcPct val="100000"/>
+              </a:lnSpc>
+              <a:spcBef>
+                <a:spcPts val="0"/>
+              </a:spcBef>
+              <a:spcAft>
+                <a:spcPts val="0"/>
+              </a:spcAft>
+              <a:buClrTx/>
+              <a:buSzTx/>
+              <a:buFontTx/>
+              <a:buNone/>
+              <a:tabLst/>
+              <a:defRPr/>
+            </a:pPr>
+            <a:r>
+              <a:rPr lang="en-US" dirty="0">
+                <a:latin typeface="Arial" panose="020B0604020202020204" pitchFamily="34" charset="0"/>
+                <a:cs typeface="Arial" panose="020B0604020202020204" pitchFamily="34" charset="0"/>
+                <a:sym typeface="Wingdings" pitchFamily="2" charset="2"/>
+              </a:rPr>
+              <a:t>Wang et al 2017b achieve better performance with sparse vectors while Chen et al. (2019) argues for dense vectors</a:t>
+            </a:r>
+          </a:p>
+          <a:p>
+            <a:endParaRPr lang="de-DE" dirty="0"/>
+          </a:p>
+        </p:txBody>
+      </p:sp>
+      <p:sp>
+        <p:nvSpPr>
+          <p:cNvPr id="4" name="Foliennummernplatzhalter 3"/>
+          <p:cNvSpPr>
+            <a:spLocks noGrp="1"/>
+          </p:cNvSpPr>
+          <p:nvPr>
+            <p:ph type="sldNum" sz="quarter" idx="5"/>
+          </p:nvPr>
+        </p:nvSpPr>
+        <p:spPr/>
+        <p:txBody>
+          <a:bodyPr/>
+          <a:lstStyle/>
+          <a:p>
+            <a:fld id="{1FF2C2A0-850C-7B4E-AC35-BEFBE78842C3}" type="slidenum">
+              <a:rPr lang="de-DE" smtClean="0"/>
+              <a:t>7</a:t>
+            </a:fld>
+            <a:endParaRPr lang="de-DE"/>
+          </a:p>
+        </p:txBody>
+      </p:sp>
+    </p:spTree>
+    <p:extLst>
+      <p:ext uri="{BB962C8B-B14F-4D97-AF65-F5344CB8AC3E}">
+        <p14:creationId xmlns:p14="http://schemas.microsoft.com/office/powerpoint/2010/main" val="1846668108"/>
+      </p:ext>
+    </p:extLst>
+  </p:cSld>
+  <p:clrMapOvr>
+    <a:masterClrMapping/>
+  </p:clrMapOvr>
+</p:notes>
+</file>
+
+<file path=ppt/notesSlides/notesSlide3.xml><?xml version="1.0" encoding="utf-8"?>
+<p:notes xmlns:a="http://schemas.openxmlformats.org/drawingml/2006/main" xmlns:r="http://schemas.openxmlformats.org/officeDocument/2006/relationships" xmlns:p="http://schemas.openxmlformats.org/presentationml/2006/main">
+  <p:cSld>
+    <p:spTree>
+      <p:nvGrpSpPr>
+        <p:cNvPr id="1" name=""/>
+        <p:cNvGrpSpPr/>
+        <p:nvPr/>
+      </p:nvGrpSpPr>
+      <p:grpSpPr>
+        <a:xfrm>
+          <a:off x="0" y="0"/>
+          <a:ext cx="0" cy="0"/>
+          <a:chOff x="0" y="0"/>
+          <a:chExt cx="0" cy="0"/>
+        </a:xfrm>
+      </p:grpSpPr>
+      <p:sp>
+        <p:nvSpPr>
+          <p:cNvPr id="2" name="Folienbildplatzhalter 1"/>
+          <p:cNvSpPr>
+            <a:spLocks noGrp="1" noRot="1" noChangeAspect="1"/>
+          </p:cNvSpPr>
+          <p:nvPr>
+            <p:ph type="sldImg"/>
+          </p:nvPr>
+        </p:nvSpPr>
+        <p:spPr/>
+      </p:sp>
+      <p:sp>
+        <p:nvSpPr>
+          <p:cNvPr id="3" name="Notizenplatzhalter 2"/>
+          <p:cNvSpPr>
+            <a:spLocks noGrp="1"/>
+          </p:cNvSpPr>
+          <p:nvPr>
+            <p:ph type="body" idx="1"/>
+          </p:nvPr>
+        </p:nvSpPr>
+        <p:spPr/>
+        <p:txBody>
+          <a:bodyPr/>
+          <a:lstStyle/>
+          <a:p>
+            <a:pPr marL="0" indent="0">
+              <a:lnSpc>
+                <a:spcPct val="170000"/>
+              </a:lnSpc>
+              <a:buNone/>
+            </a:pPr>
+            <a:r>
+              <a:rPr lang="en-US" dirty="0">
+                <a:latin typeface="Arial" panose="020B0604020202020204" pitchFamily="34" charset="0"/>
+                <a:cs typeface="Arial" panose="020B0604020202020204" pitchFamily="34" charset="0"/>
+              </a:rPr>
+              <a:t>KldB 2010 reflects current market trends </a:t>
+            </a:r>
+            <a:r>
+              <a:rPr lang="en-US" dirty="0">
+                <a:latin typeface="Arial" panose="020B0604020202020204" pitchFamily="34" charset="0"/>
+                <a:cs typeface="Arial" panose="020B0604020202020204" pitchFamily="34" charset="0"/>
+                <a:sym typeface="Wingdings" pitchFamily="2" charset="2"/>
+              </a:rPr>
+              <a:t>job portals use different categories for job titles </a:t>
+            </a:r>
+          </a:p>
+          <a:p>
+            <a:pPr marL="0" indent="0">
+              <a:lnSpc>
+                <a:spcPct val="170000"/>
+              </a:lnSpc>
+              <a:buNone/>
+            </a:pPr>
+            <a:r>
+              <a:rPr lang="en-US" dirty="0">
+                <a:latin typeface="Arial" panose="020B0604020202020204" pitchFamily="34" charset="0"/>
+                <a:cs typeface="Arial" panose="020B0604020202020204" pitchFamily="34" charset="0"/>
+                <a:sym typeface="Wingdings" pitchFamily="2" charset="2"/>
+              </a:rPr>
+              <a:t>KldB 2010 is based on ISCO (International Standard Classification of Occupation) </a:t>
+            </a:r>
+          </a:p>
+          <a:p>
+            <a:pPr marL="0" indent="0">
+              <a:lnSpc>
+                <a:spcPct val="220000"/>
+              </a:lnSpc>
+              <a:buNone/>
+            </a:pPr>
+            <a:r>
+              <a:rPr lang="en-US" dirty="0">
+                <a:latin typeface="Arial" panose="020B0604020202020204" pitchFamily="34" charset="0"/>
+                <a:cs typeface="Arial" panose="020B0604020202020204" pitchFamily="34" charset="0"/>
+                <a:sym typeface="Wingdings" pitchFamily="2" charset="2"/>
+              </a:rPr>
+              <a:t>could improve job search engines and recommendation systems in Germany </a:t>
+            </a:r>
+          </a:p>
+          <a:p>
+            <a:endParaRPr lang="de-DE" dirty="0"/>
+          </a:p>
+        </p:txBody>
+      </p:sp>
+      <p:sp>
+        <p:nvSpPr>
+          <p:cNvPr id="4" name="Foliennummernplatzhalter 3"/>
+          <p:cNvSpPr>
+            <a:spLocks noGrp="1"/>
+          </p:cNvSpPr>
+          <p:nvPr>
+            <p:ph type="sldNum" sz="quarter" idx="5"/>
+          </p:nvPr>
+        </p:nvSpPr>
+        <p:spPr/>
+        <p:txBody>
+          <a:bodyPr/>
+          <a:lstStyle/>
+          <a:p>
+            <a:fld id="{1FF2C2A0-850C-7B4E-AC35-BEFBE78842C3}" type="slidenum">
+              <a:rPr lang="de-DE" smtClean="0"/>
+              <a:t>8</a:t>
+            </a:fld>
+            <a:endParaRPr lang="de-DE"/>
+          </a:p>
+        </p:txBody>
+      </p:sp>
+    </p:spTree>
+    <p:extLst>
+      <p:ext uri="{BB962C8B-B14F-4D97-AF65-F5344CB8AC3E}">
+        <p14:creationId xmlns:p14="http://schemas.microsoft.com/office/powerpoint/2010/main" val="819891462"/>
+      </p:ext>
+    </p:extLst>
+  </p:cSld>
+  <p:clrMapOvr>
+    <a:masterClrMapping/>
+  </p:clrMapOvr>
+</p:notes>
 </file>
 
 <file path=ppt/slideLayouts/slideLayout1.xml><?xml version="1.0" encoding="utf-8"?>
@@ -3759,8 +4125,8 @@
               <a:buNone/>
             </a:pPr>
             <a:endParaRPr lang="en-US" dirty="0">
-              <a:latin typeface="Arial" panose="020B0604020202020204" pitchFamily="34" charset="0"/>
-              <a:cs typeface="Arial" panose="020B0604020202020204" pitchFamily="34" charset="0"/>
+              <a:latin typeface="Calibri" panose="020F0502020204030204" pitchFamily="34" charset="0"/>
+              <a:cs typeface="Calibri" panose="020F0502020204030204" pitchFamily="34" charset="0"/>
             </a:endParaRPr>
           </a:p>
           <a:p>
@@ -3769,8 +4135,8 @@
             </a:pPr>
             <a:r>
               <a:rPr lang="en-US" dirty="0">
-                <a:latin typeface="Arial" panose="020B0604020202020204" pitchFamily="34" charset="0"/>
-                <a:cs typeface="Arial" panose="020B0604020202020204" pitchFamily="34" charset="0"/>
+                <a:latin typeface="Calibri" panose="020F0502020204030204" pitchFamily="34" charset="0"/>
+                <a:cs typeface="Calibri" panose="020F0502020204030204" pitchFamily="34" charset="0"/>
               </a:rPr>
               <a:t>Rahkakavee Baskaran</a:t>
             </a:r>
@@ -3780,8 +4146,8 @@
               <a:buNone/>
             </a:pPr>
             <a:endParaRPr lang="en-US" sz="500" dirty="0">
-              <a:latin typeface="Arial" panose="020B0604020202020204" pitchFamily="34" charset="0"/>
-              <a:cs typeface="Arial" panose="020B0604020202020204" pitchFamily="34" charset="0"/>
+              <a:latin typeface="Calibri" panose="020F0502020204030204" pitchFamily="34" charset="0"/>
+              <a:cs typeface="Calibri" panose="020F0502020204030204" pitchFamily="34" charset="0"/>
             </a:endParaRPr>
           </a:p>
           <a:p>
@@ -3790,8 +4156,8 @@
             </a:pPr>
             <a:r>
               <a:rPr lang="en-US" dirty="0">
-                <a:latin typeface="Arial" panose="020B0604020202020204" pitchFamily="34" charset="0"/>
-                <a:cs typeface="Arial" panose="020B0604020202020204" pitchFamily="34" charset="0"/>
+                <a:latin typeface="Calibri" panose="020F0502020204030204" pitchFamily="34" charset="0"/>
+                <a:cs typeface="Calibri" panose="020F0502020204030204" pitchFamily="34" charset="0"/>
               </a:rPr>
               <a:t>Department of Economics</a:t>
             </a:r>
@@ -3801,8 +4167,8 @@
               <a:buNone/>
             </a:pPr>
             <a:endParaRPr lang="en-US" sz="500" dirty="0">
-              <a:latin typeface="Arial" panose="020B0604020202020204" pitchFamily="34" charset="0"/>
-              <a:cs typeface="Arial" panose="020B0604020202020204" pitchFamily="34" charset="0"/>
+              <a:latin typeface="Calibri" panose="020F0502020204030204" pitchFamily="34" charset="0"/>
+              <a:cs typeface="Calibri" panose="020F0502020204030204" pitchFamily="34" charset="0"/>
             </a:endParaRPr>
           </a:p>
           <a:p>
@@ -3811,8 +4177,8 @@
             </a:pPr>
             <a:r>
               <a:rPr lang="en-US" dirty="0">
-                <a:latin typeface="Arial" panose="020B0604020202020204" pitchFamily="34" charset="0"/>
-                <a:cs typeface="Arial" panose="020B0604020202020204" pitchFamily="34" charset="0"/>
+                <a:latin typeface="Calibri" panose="020F0502020204030204" pitchFamily="34" charset="0"/>
+                <a:cs typeface="Calibri" panose="020F0502020204030204" pitchFamily="34" charset="0"/>
               </a:rPr>
               <a:t>December 16, 2021</a:t>
             </a:r>
@@ -3822,8 +4188,8 @@
               <a:buNone/>
             </a:pPr>
             <a:endParaRPr lang="en-US" dirty="0">
-              <a:latin typeface="Arial" panose="020B0604020202020204" pitchFamily="34" charset="0"/>
-              <a:cs typeface="Arial" panose="020B0604020202020204" pitchFamily="34" charset="0"/>
+              <a:latin typeface="Calibri" panose="020F0502020204030204" pitchFamily="34" charset="0"/>
+              <a:cs typeface="Calibri" panose="020F0502020204030204" pitchFamily="34" charset="0"/>
             </a:endParaRPr>
           </a:p>
         </p:txBody>
@@ -3881,8 +4247,8 @@
                 <a:solidFill>
                   <a:schemeClr val="tx1"/>
                 </a:solidFill>
-                <a:latin typeface="Arial" panose="020B0604020202020204" pitchFamily="34" charset="0"/>
-                <a:cs typeface="Arial" panose="020B0604020202020204" pitchFamily="34" charset="0"/>
+                <a:latin typeface="Calibri" panose="020F0502020204030204" pitchFamily="34" charset="0"/>
+                <a:cs typeface="Calibri" panose="020F0502020204030204" pitchFamily="34" charset="0"/>
               </a:rPr>
               <a:t>Job Title Matching </a:t>
             </a:r>
@@ -3942,14 +4308,14 @@
           <a:p>
             <a:fld id="{224DF8BC-E337-3D43-A838-E92C1E5EB737}" type="datetime1">
               <a:rPr lang="en-US" smtClean="0">
-                <a:latin typeface="Arial" panose="020B0604020202020204" pitchFamily="34" charset="0"/>
-                <a:cs typeface="Arial" panose="020B0604020202020204" pitchFamily="34" charset="0"/>
+                <a:latin typeface="Calibri" panose="020F0502020204030204" pitchFamily="34" charset="0"/>
+                <a:cs typeface="Calibri" panose="020F0502020204030204" pitchFamily="34" charset="0"/>
               </a:rPr>
               <a:t>04.12.21</a:t>
             </a:fld>
             <a:endParaRPr lang="en-US">
-              <a:latin typeface="Arial" panose="020B0604020202020204" pitchFamily="34" charset="0"/>
-              <a:cs typeface="Arial" panose="020B0604020202020204" pitchFamily="34" charset="0"/>
+              <a:latin typeface="Calibri" panose="020F0502020204030204" pitchFamily="34" charset="0"/>
+              <a:cs typeface="Calibri" panose="020F0502020204030204" pitchFamily="34" charset="0"/>
             </a:endParaRPr>
           </a:p>
         </p:txBody>
@@ -3977,8 +4343,8 @@
           <a:p>
             <a:r>
               <a:rPr lang="en-US">
-                <a:latin typeface="Arial" panose="020B0604020202020204" pitchFamily="34" charset="0"/>
-                <a:cs typeface="Arial" panose="020B0604020202020204" pitchFamily="34" charset="0"/>
+                <a:latin typeface="Calibri" panose="020F0502020204030204" pitchFamily="34" charset="0"/>
+                <a:cs typeface="Calibri" panose="020F0502020204030204" pitchFamily="34" charset="0"/>
               </a:rPr>
               <a:t>Job Title Matching</a:t>
             </a:r>
@@ -4008,14 +4374,14 @@
           <a:p>
             <a:fld id="{27B3030E-9675-7D44-A4BE-C7E44D426E4F}" type="slidenum">
               <a:rPr lang="en-US" smtClean="0">
-                <a:latin typeface="Arial" panose="020B0604020202020204" pitchFamily="34" charset="0"/>
-                <a:cs typeface="Arial" panose="020B0604020202020204" pitchFamily="34" charset="0"/>
+                <a:latin typeface="Calibri" panose="020F0502020204030204" pitchFamily="34" charset="0"/>
+                <a:cs typeface="Calibri" panose="020F0502020204030204" pitchFamily="34" charset="0"/>
               </a:rPr>
               <a:t>1</a:t>
             </a:fld>
             <a:endParaRPr lang="en-US">
-              <a:latin typeface="Arial" panose="020B0604020202020204" pitchFamily="34" charset="0"/>
-              <a:cs typeface="Arial" panose="020B0604020202020204" pitchFamily="34" charset="0"/>
+              <a:latin typeface="Calibri" panose="020F0502020204030204" pitchFamily="34" charset="0"/>
+              <a:cs typeface="Calibri" panose="020F0502020204030204" pitchFamily="34" charset="0"/>
             </a:endParaRPr>
           </a:p>
         </p:txBody>
@@ -4089,7 +4455,7 @@
                 <a:latin typeface="Arial" panose="020B0604020202020204" pitchFamily="34" charset="0"/>
                 <a:cs typeface="Arial" panose="020B0604020202020204" pitchFamily="34" charset="0"/>
               </a:rPr>
-              <a:t>Short </a:t>
+              <a:t> </a:t>
             </a:r>
           </a:p>
         </p:txBody>
@@ -4149,7 +4515,7 @@
                 <a:latin typeface="Arial" panose="020B0604020202020204" pitchFamily="34" charset="0"/>
                 <a:cs typeface="Arial" panose="020B0604020202020204" pitchFamily="34" charset="0"/>
               </a:rPr>
-              <a:t>   Target Data</a:t>
+              <a:t>   Method</a:t>
             </a:r>
           </a:p>
         </p:txBody>
@@ -4255,10 +4621,124 @@
           </a:p>
         </p:txBody>
       </p:sp>
+      <p:sp>
+        <p:nvSpPr>
+          <p:cNvPr id="6" name="Textfeld 5">
+            <a:extLst>
+              <a:ext uri="{FF2B5EF4-FFF2-40B4-BE49-F238E27FC236}">
+                <a16:creationId xmlns:a16="http://schemas.microsoft.com/office/drawing/2014/main" id="{684EC650-C4B0-7047-959B-DC7DB94E2731}"/>
+              </a:ext>
+            </a:extLst>
+          </p:cNvPr>
+          <p:cNvSpPr txBox="1"/>
+          <p:nvPr/>
+        </p:nvSpPr>
+        <p:spPr>
+          <a:xfrm>
+            <a:off x="3657600" y="4042611"/>
+            <a:ext cx="184731" cy="369332"/>
+          </a:xfrm>
+          <a:prstGeom prst="rect">
+            <a:avLst/>
+          </a:prstGeom>
+          <a:noFill/>
+        </p:spPr>
+        <p:txBody>
+          <a:bodyPr wrap="none" rtlCol="0">
+            <a:spAutoFit/>
+          </a:bodyPr>
+          <a:lstStyle/>
+          <a:p>
+            <a:endParaRPr lang="de-DE" dirty="0"/>
+          </a:p>
+        </p:txBody>
+      </p:sp>
+      <p:pic>
+        <p:nvPicPr>
+          <p:cNvPr id="12" name="Grafik 11">
+            <a:extLst>
+              <a:ext uri="{FF2B5EF4-FFF2-40B4-BE49-F238E27FC236}">
+                <a16:creationId xmlns:a16="http://schemas.microsoft.com/office/drawing/2014/main" id="{55D5FBEB-0E13-8F4F-B0EF-807DDFF6C7F6}"/>
+              </a:ext>
+            </a:extLst>
+          </p:cNvPr>
+          <p:cNvPicPr>
+            <a:picLocks noChangeAspect="1"/>
+          </p:cNvPicPr>
+          <p:nvPr/>
+        </p:nvPicPr>
+        <p:blipFill>
+          <a:blip r:embed="rId2"/>
+          <a:stretch>
+            <a:fillRect/>
+          </a:stretch>
+        </p:blipFill>
+        <p:spPr>
+          <a:xfrm>
+            <a:off x="1656460" y="1611747"/>
+            <a:ext cx="8879080" cy="4679516"/>
+          </a:xfrm>
+          <a:prstGeom prst="rect">
+            <a:avLst/>
+          </a:prstGeom>
+        </p:spPr>
+      </p:pic>
+      <p:sp>
+        <p:nvSpPr>
+          <p:cNvPr id="10" name="Abgerundetes Rechteck 9">
+            <a:extLst>
+              <a:ext uri="{FF2B5EF4-FFF2-40B4-BE49-F238E27FC236}">
+                <a16:creationId xmlns:a16="http://schemas.microsoft.com/office/drawing/2014/main" id="{A78660FC-969B-3B4C-AFD9-9BC8D95D294C}"/>
+              </a:ext>
+            </a:extLst>
+          </p:cNvPr>
+          <p:cNvSpPr/>
+          <p:nvPr/>
+        </p:nvSpPr>
+        <p:spPr>
+          <a:xfrm>
+            <a:off x="1648933" y="2685164"/>
+            <a:ext cx="1462755" cy="716556"/>
+          </a:xfrm>
+          <a:prstGeom prst="roundRect">
+            <a:avLst/>
+          </a:prstGeom>
+          <a:noFill/>
+          <a:ln w="38100">
+            <a:solidFill>
+              <a:srgbClr val="0070C0"/>
+            </a:solidFill>
+          </a:ln>
+        </p:spPr>
+        <p:style>
+          <a:lnRef idx="2">
+            <a:schemeClr val="accent1">
+              <a:shade val="50000"/>
+            </a:schemeClr>
+          </a:lnRef>
+          <a:fillRef idx="1">
+            <a:schemeClr val="accent1"/>
+          </a:fillRef>
+          <a:effectRef idx="0">
+            <a:schemeClr val="accent1"/>
+          </a:effectRef>
+          <a:fontRef idx="minor">
+            <a:schemeClr val="lt1"/>
+          </a:fontRef>
+        </p:style>
+        <p:txBody>
+          <a:bodyPr rtlCol="0" anchor="ctr"/>
+          <a:lstStyle/>
+          <a:p>
+            <a:pPr algn="ctr"/>
+            <a:endParaRPr lang="de-DE"/>
+          </a:p>
+        </p:txBody>
+      </p:sp>
     </p:spTree>
     <p:extLst>
       <p:ext uri="{BB962C8B-B14F-4D97-AF65-F5344CB8AC3E}">
-        <p14:creationId xmlns:p14="http://schemas.microsoft.com/office/powerpoint/2010/main" val="1235555649"/>
+        <p14:creationId xmlns:p14="http://schemas.microsoft.com/office/powerpoint/2010/main" val="2506868670"/>
       </p:ext>
     </p:extLst>
   </p:cSld>
@@ -4303,8 +4783,8 @@
         </p:nvSpPr>
         <p:spPr>
           <a:xfrm>
-            <a:off x="501316" y="1939925"/>
-            <a:ext cx="10515600" cy="4351338"/>
+            <a:off x="501316" y="1939924"/>
+            <a:ext cx="10515600" cy="4416425"/>
           </a:xfrm>
         </p:spPr>
         <p:txBody>
@@ -4313,18 +4793,59 @@
           </a:bodyPr>
           <a:lstStyle/>
           <a:p>
-            <a:pPr marL="0" indent="0">
+            <a:pPr>
               <a:lnSpc>
-                <a:spcPct val="210000"/>
+                <a:spcPct val="100000"/>
               </a:lnSpc>
-              <a:buNone/>
             </a:pPr>
             <a:r>
               <a:rPr lang="en-US" dirty="0">
                 <a:latin typeface="Arial" panose="020B0604020202020204" pitchFamily="34" charset="0"/>
                 <a:cs typeface="Arial" panose="020B0604020202020204" pitchFamily="34" charset="0"/>
               </a:rPr>
-              <a:t> </a:t>
+              <a:t>data from the job portal of the ”Bundesagentur für Arbeit” (BA): </a:t>
+            </a:r>
+          </a:p>
+          <a:p>
+            <a:pPr lvl="1">
+              <a:lnSpc>
+                <a:spcPct val="100000"/>
+              </a:lnSpc>
+            </a:pPr>
+            <a:r>
+              <a:rPr lang="en-US" dirty="0">
+                <a:latin typeface="Arial" panose="020B0604020202020204" pitchFamily="34" charset="0"/>
+                <a:cs typeface="Arial" panose="020B0604020202020204" pitchFamily="34" charset="0"/>
+              </a:rPr>
+              <a:t>job title </a:t>
+            </a:r>
+          </a:p>
+          <a:p>
+            <a:pPr lvl="1">
+              <a:lnSpc>
+                <a:spcPct val="100000"/>
+              </a:lnSpc>
+            </a:pPr>
+            <a:r>
+              <a:rPr lang="en-US" dirty="0">
+                <a:latin typeface="Arial" panose="020B0604020202020204" pitchFamily="34" charset="0"/>
+                <a:cs typeface="Arial" panose="020B0604020202020204" pitchFamily="34" charset="0"/>
+              </a:rPr>
+              <a:t>Dokumentationskennziffer (Dkz) </a:t>
+            </a:r>
+          </a:p>
+          <a:p>
+            <a:pPr>
+              <a:lnSpc>
+                <a:spcPct val="100000"/>
+              </a:lnSpc>
+            </a:pPr>
+            <a:r>
+              <a:rPr lang="en-US" dirty="0">
+                <a:latin typeface="Arial" panose="020B0604020202020204" pitchFamily="34" charset="0"/>
+                <a:cs typeface="Arial" panose="020B0604020202020204" pitchFamily="34" charset="0"/>
+              </a:rPr>
+              <a:t>KldB Taxonomy 2010</a:t>
             </a:r>
           </a:p>
         </p:txBody>
@@ -4384,6 +4905,361 @@
                 <a:latin typeface="Arial" panose="020B0604020202020204" pitchFamily="34" charset="0"/>
                 <a:cs typeface="Arial" panose="020B0604020202020204" pitchFamily="34" charset="0"/>
               </a:rPr>
+              <a:t>   Data </a:t>
+            </a:r>
+          </a:p>
+        </p:txBody>
+      </p:sp>
+      <p:sp>
+        <p:nvSpPr>
+          <p:cNvPr id="7" name="Datumsplatzhalter 6">
+            <a:extLst>
+              <a:ext uri="{FF2B5EF4-FFF2-40B4-BE49-F238E27FC236}">
+                <a16:creationId xmlns:a16="http://schemas.microsoft.com/office/drawing/2014/main" id="{2A152AE2-5324-114B-88A4-F99CB344B8DF}"/>
+              </a:ext>
+            </a:extLst>
+          </p:cNvPr>
+          <p:cNvSpPr>
+            <a:spLocks noGrp="1"/>
+          </p:cNvSpPr>
+          <p:nvPr>
+            <p:ph type="dt" sz="half" idx="10"/>
+          </p:nvPr>
+        </p:nvSpPr>
+        <p:spPr/>
+        <p:txBody>
+          <a:bodyPr/>
+          <a:lstStyle/>
+          <a:p>
+            <a:fld id="{224DF8BC-E337-3D43-A838-E92C1E5EB737}" type="datetime1">
+              <a:rPr lang="en-US" smtClean="0">
+                <a:latin typeface="Arial" panose="020B0604020202020204" pitchFamily="34" charset="0"/>
+                <a:cs typeface="Arial" panose="020B0604020202020204" pitchFamily="34" charset="0"/>
+              </a:rPr>
+              <a:t>12/6/21</a:t>
+            </a:fld>
+            <a:endParaRPr lang="en-US">
+              <a:latin typeface="Arial" panose="020B0604020202020204" pitchFamily="34" charset="0"/>
+              <a:cs typeface="Arial" panose="020B0604020202020204" pitchFamily="34" charset="0"/>
+            </a:endParaRPr>
+          </a:p>
+        </p:txBody>
+      </p:sp>
+      <p:sp>
+        <p:nvSpPr>
+          <p:cNvPr id="8" name="Fußzeilenplatzhalter 7">
+            <a:extLst>
+              <a:ext uri="{FF2B5EF4-FFF2-40B4-BE49-F238E27FC236}">
+                <a16:creationId xmlns:a16="http://schemas.microsoft.com/office/drawing/2014/main" id="{913C50C9-A33D-4041-AB1A-D4A8B33F9554}"/>
+              </a:ext>
+            </a:extLst>
+          </p:cNvPr>
+          <p:cNvSpPr>
+            <a:spLocks noGrp="1"/>
+          </p:cNvSpPr>
+          <p:nvPr>
+            <p:ph type="ftr" sz="quarter" idx="11"/>
+          </p:nvPr>
+        </p:nvSpPr>
+        <p:spPr/>
+        <p:txBody>
+          <a:bodyPr/>
+          <a:lstStyle/>
+          <a:p>
+            <a:r>
+              <a:rPr lang="en-US">
+                <a:latin typeface="Arial" panose="020B0604020202020204" pitchFamily="34" charset="0"/>
+                <a:cs typeface="Arial" panose="020B0604020202020204" pitchFamily="34" charset="0"/>
+              </a:rPr>
+              <a:t>Job Title Matching</a:t>
+            </a:r>
+          </a:p>
+        </p:txBody>
+      </p:sp>
+      <p:sp>
+        <p:nvSpPr>
+          <p:cNvPr id="9" name="Foliennummernplatzhalter 8">
+            <a:extLst>
+              <a:ext uri="{FF2B5EF4-FFF2-40B4-BE49-F238E27FC236}">
+                <a16:creationId xmlns:a16="http://schemas.microsoft.com/office/drawing/2014/main" id="{12340E6D-B84A-A64B-8D5D-D8F188CD5B48}"/>
+              </a:ext>
+            </a:extLst>
+          </p:cNvPr>
+          <p:cNvSpPr>
+            <a:spLocks noGrp="1"/>
+          </p:cNvSpPr>
+          <p:nvPr>
+            <p:ph type="sldNum" sz="quarter" idx="12"/>
+          </p:nvPr>
+        </p:nvSpPr>
+        <p:spPr/>
+        <p:txBody>
+          <a:bodyPr/>
+          <a:lstStyle/>
+          <a:p>
+            <a:fld id="{27B3030E-9675-7D44-A4BE-C7E44D426E4F}" type="slidenum">
+              <a:rPr lang="en-US" smtClean="0">
+                <a:latin typeface="Arial" panose="020B0604020202020204" pitchFamily="34" charset="0"/>
+                <a:cs typeface="Arial" panose="020B0604020202020204" pitchFamily="34" charset="0"/>
+              </a:rPr>
+              <a:t>11</a:t>
+            </a:fld>
+            <a:endParaRPr lang="en-US">
+              <a:latin typeface="Arial" panose="020B0604020202020204" pitchFamily="34" charset="0"/>
+              <a:cs typeface="Arial" panose="020B0604020202020204" pitchFamily="34" charset="0"/>
+            </a:endParaRPr>
+          </a:p>
+        </p:txBody>
+      </p:sp>
+      <p:pic>
+        <p:nvPicPr>
+          <p:cNvPr id="5" name="Grafik 4">
+            <a:extLst>
+              <a:ext uri="{FF2B5EF4-FFF2-40B4-BE49-F238E27FC236}">
+                <a16:creationId xmlns:a16="http://schemas.microsoft.com/office/drawing/2014/main" id="{9BA39E96-1D6F-9C46-A0F9-D81E8ACA15EF}"/>
+              </a:ext>
+            </a:extLst>
+          </p:cNvPr>
+          <p:cNvPicPr>
+            <a:picLocks noChangeAspect="1"/>
+          </p:cNvPicPr>
+          <p:nvPr/>
+        </p:nvPicPr>
+        <p:blipFill>
+          <a:blip r:embed="rId2"/>
+          <a:stretch>
+            <a:fillRect/>
+          </a:stretch>
+        </p:blipFill>
+        <p:spPr>
+          <a:xfrm>
+            <a:off x="263889" y="3843542"/>
+            <a:ext cx="11089911" cy="2138158"/>
+          </a:xfrm>
+          <a:prstGeom prst="rect">
+            <a:avLst/>
+          </a:prstGeom>
+        </p:spPr>
+      </p:pic>
+      <p:sp>
+        <p:nvSpPr>
+          <p:cNvPr id="6" name="Rechteck 5">
+            <a:extLst>
+              <a:ext uri="{FF2B5EF4-FFF2-40B4-BE49-F238E27FC236}">
+                <a16:creationId xmlns:a16="http://schemas.microsoft.com/office/drawing/2014/main" id="{F9878809-AB8E-CE47-98B7-1618C2F4889F}"/>
+              </a:ext>
+            </a:extLst>
+          </p:cNvPr>
+          <p:cNvSpPr/>
+          <p:nvPr/>
+        </p:nvSpPr>
+        <p:spPr>
+          <a:xfrm>
+            <a:off x="933784" y="5373691"/>
+            <a:ext cx="10083132" cy="780412"/>
+          </a:xfrm>
+          <a:prstGeom prst="rect">
+            <a:avLst/>
+          </a:prstGeom>
+          <a:ln>
+            <a:noFill/>
+          </a:ln>
+        </p:spPr>
+        <p:style>
+          <a:lnRef idx="2">
+            <a:schemeClr val="accent6"/>
+          </a:lnRef>
+          <a:fillRef idx="1">
+            <a:schemeClr val="lt1"/>
+          </a:fillRef>
+          <a:effectRef idx="0">
+            <a:schemeClr val="accent6"/>
+          </a:effectRef>
+          <a:fontRef idx="minor">
+            <a:schemeClr val="dk1"/>
+          </a:fontRef>
+        </p:style>
+        <p:txBody>
+          <a:bodyPr rtlCol="0" anchor="t"/>
+          <a:lstStyle/>
+          <a:p>
+            <a:pPr algn="r"/>
+            <a:r>
+              <a:rPr lang="de-DE" dirty="0"/>
+              <a:t>		             			</a:t>
+            </a:r>
+            <a:r>
+              <a:rPr lang="de-DE" sz="1200" dirty="0">
+                <a:solidFill>
+                  <a:schemeClr val="tx1"/>
+                </a:solidFill>
+              </a:rPr>
+              <a:t>Overview </a:t>
+            </a:r>
+            <a:r>
+              <a:rPr lang="de-DE" sz="1200" dirty="0" err="1">
+                <a:solidFill>
+                  <a:schemeClr val="tx1"/>
+                </a:solidFill>
+              </a:rPr>
+              <a:t>of</a:t>
+            </a:r>
+            <a:r>
+              <a:rPr lang="de-DE" sz="1200" dirty="0">
+                <a:solidFill>
+                  <a:schemeClr val="tx1"/>
+                </a:solidFill>
+              </a:rPr>
+              <a:t> KldB (</a:t>
+            </a:r>
+            <a:r>
+              <a:rPr lang="de-DE" sz="1200" dirty="0" err="1">
+                <a:solidFill>
+                  <a:schemeClr val="tx1"/>
+                </a:solidFill>
+              </a:rPr>
+              <a:t>edited</a:t>
+            </a:r>
+            <a:r>
+              <a:rPr lang="de-DE" sz="1200" dirty="0">
+                <a:solidFill>
+                  <a:schemeClr val="tx1"/>
+                </a:solidFill>
+              </a:rPr>
+              <a:t> after (Bundesagentur für Arbeit, 2011b) </a:t>
+            </a:r>
+          </a:p>
+        </p:txBody>
+      </p:sp>
+    </p:spTree>
+    <p:extLst>
+      <p:ext uri="{BB962C8B-B14F-4D97-AF65-F5344CB8AC3E}">
+        <p14:creationId xmlns:p14="http://schemas.microsoft.com/office/powerpoint/2010/main" val="3289629726"/>
+      </p:ext>
+    </p:extLst>
+  </p:cSld>
+  <p:clrMapOvr>
+    <a:masterClrMapping/>
+  </p:clrMapOvr>
+</p:sld>
+</file>
+
+<file path=ppt/slides/slide12.xml><?xml version="1.0" encoding="utf-8"?>
+<p:sld xmlns:a="http://schemas.openxmlformats.org/drawingml/2006/main" xmlns:r="http://schemas.openxmlformats.org/officeDocument/2006/relationships" xmlns:p="http://schemas.openxmlformats.org/presentationml/2006/main">
+  <p:cSld>
+    <p:spTree>
+      <p:nvGrpSpPr>
+        <p:cNvPr id="1" name=""/>
+        <p:cNvGrpSpPr/>
+        <p:nvPr/>
+      </p:nvGrpSpPr>
+      <p:grpSpPr>
+        <a:xfrm>
+          <a:off x="0" y="0"/>
+          <a:ext cx="0" cy="0"/>
+          <a:chOff x="0" y="0"/>
+          <a:chExt cx="0" cy="0"/>
+        </a:xfrm>
+      </p:grpSpPr>
+      <p:sp>
+        <p:nvSpPr>
+          <p:cNvPr id="3" name="Inhaltsplatzhalter 2">
+            <a:extLst>
+              <a:ext uri="{FF2B5EF4-FFF2-40B4-BE49-F238E27FC236}">
+                <a16:creationId xmlns:a16="http://schemas.microsoft.com/office/drawing/2014/main" id="{82447E3F-1B07-F74A-8D5D-86F34EA8FDCF}"/>
+              </a:ext>
+            </a:extLst>
+          </p:cNvPr>
+          <p:cNvSpPr>
+            <a:spLocks noGrp="1"/>
+          </p:cNvSpPr>
+          <p:nvPr>
+            <p:ph idx="1"/>
+          </p:nvPr>
+        </p:nvSpPr>
+        <p:spPr>
+          <a:xfrm>
+            <a:off x="501316" y="1939925"/>
+            <a:ext cx="10515600" cy="4351338"/>
+          </a:xfrm>
+        </p:spPr>
+        <p:txBody>
+          <a:bodyPr>
+            <a:normAutofit/>
+          </a:bodyPr>
+          <a:lstStyle/>
+          <a:p>
+            <a:pPr marL="0" indent="0">
+              <a:lnSpc>
+                <a:spcPct val="210000"/>
+              </a:lnSpc>
+              <a:buNone/>
+            </a:pPr>
+            <a:r>
+              <a:rPr lang="en-US" dirty="0">
+                <a:latin typeface="Arial" panose="020B0604020202020204" pitchFamily="34" charset="0"/>
+                <a:cs typeface="Arial" panose="020B0604020202020204" pitchFamily="34" charset="0"/>
+              </a:rPr>
+              <a:t> </a:t>
+            </a:r>
+          </a:p>
+        </p:txBody>
+      </p:sp>
+      <p:sp>
+        <p:nvSpPr>
+          <p:cNvPr id="4" name="Rechteck 3">
+            <a:extLst>
+              <a:ext uri="{FF2B5EF4-FFF2-40B4-BE49-F238E27FC236}">
+                <a16:creationId xmlns:a16="http://schemas.microsoft.com/office/drawing/2014/main" id="{3D453608-4FEF-6F4A-AC80-3124CE49AE26}"/>
+              </a:ext>
+            </a:extLst>
+          </p:cNvPr>
+          <p:cNvSpPr/>
+          <p:nvPr/>
+        </p:nvSpPr>
+        <p:spPr>
+          <a:xfrm>
+            <a:off x="0" y="703897"/>
+            <a:ext cx="12192000" cy="884271"/>
+          </a:xfrm>
+          <a:prstGeom prst="rect">
+            <a:avLst/>
+          </a:prstGeom>
+          <a:solidFill>
+            <a:srgbClr val="01ACE8"/>
+          </a:solidFill>
+          <a:ln>
+            <a:noFill/>
+          </a:ln>
+        </p:spPr>
+        <p:style>
+          <a:lnRef idx="2">
+            <a:schemeClr val="accent1">
+              <a:shade val="50000"/>
+            </a:schemeClr>
+          </a:lnRef>
+          <a:fillRef idx="1">
+            <a:schemeClr val="accent1"/>
+          </a:fillRef>
+          <a:effectRef idx="0">
+            <a:schemeClr val="accent1"/>
+          </a:effectRef>
+          <a:fontRef idx="minor">
+            <a:schemeClr val="lt1"/>
+          </a:fontRef>
+        </p:style>
+        <p:txBody>
+          <a:bodyPr rtlCol="0" anchor="ctr"/>
+          <a:lstStyle/>
+          <a:p>
+            <a:r>
+              <a:rPr lang="en-US" sz="4000" dirty="0">
+                <a:solidFill>
+                  <a:schemeClr val="tx1"/>
+                </a:solidFill>
+                <a:latin typeface="Arial" panose="020B0604020202020204" pitchFamily="34" charset="0"/>
+                <a:cs typeface="Arial" panose="020B0604020202020204" pitchFamily="34" charset="0"/>
+              </a:rPr>
               <a:t>   Method</a:t>
             </a:r>
           </a:p>
@@ -4481,7 +5357,658 @@
                 <a:latin typeface="Arial" panose="020B0604020202020204" pitchFamily="34" charset="0"/>
                 <a:cs typeface="Arial" panose="020B0604020202020204" pitchFamily="34" charset="0"/>
               </a:rPr>
-              <a:t>11</a:t>
+              <a:t>12</a:t>
+            </a:fld>
+            <a:endParaRPr lang="en-US">
+              <a:latin typeface="Arial" panose="020B0604020202020204" pitchFamily="34" charset="0"/>
+              <a:cs typeface="Arial" panose="020B0604020202020204" pitchFamily="34" charset="0"/>
+            </a:endParaRPr>
+          </a:p>
+        </p:txBody>
+      </p:sp>
+      <p:sp>
+        <p:nvSpPr>
+          <p:cNvPr id="6" name="Textfeld 5">
+            <a:extLst>
+              <a:ext uri="{FF2B5EF4-FFF2-40B4-BE49-F238E27FC236}">
+                <a16:creationId xmlns:a16="http://schemas.microsoft.com/office/drawing/2014/main" id="{684EC650-C4B0-7047-959B-DC7DB94E2731}"/>
+              </a:ext>
+            </a:extLst>
+          </p:cNvPr>
+          <p:cNvSpPr txBox="1"/>
+          <p:nvPr/>
+        </p:nvSpPr>
+        <p:spPr>
+          <a:xfrm>
+            <a:off x="3657600" y="4042611"/>
+            <a:ext cx="184731" cy="369332"/>
+          </a:xfrm>
+          <a:prstGeom prst="rect">
+            <a:avLst/>
+          </a:prstGeom>
+          <a:noFill/>
+        </p:spPr>
+        <p:txBody>
+          <a:bodyPr wrap="none" rtlCol="0">
+            <a:spAutoFit/>
+          </a:bodyPr>
+          <a:lstStyle/>
+          <a:p>
+            <a:endParaRPr lang="de-DE" dirty="0"/>
+          </a:p>
+        </p:txBody>
+      </p:sp>
+      <p:pic>
+        <p:nvPicPr>
+          <p:cNvPr id="12" name="Grafik 11">
+            <a:extLst>
+              <a:ext uri="{FF2B5EF4-FFF2-40B4-BE49-F238E27FC236}">
+                <a16:creationId xmlns:a16="http://schemas.microsoft.com/office/drawing/2014/main" id="{55D5FBEB-0E13-8F4F-B0EF-807DDFF6C7F6}"/>
+              </a:ext>
+            </a:extLst>
+          </p:cNvPr>
+          <p:cNvPicPr>
+            <a:picLocks noChangeAspect="1"/>
+          </p:cNvPicPr>
+          <p:nvPr/>
+        </p:nvPicPr>
+        <p:blipFill>
+          <a:blip r:embed="rId2"/>
+          <a:stretch>
+            <a:fillRect/>
+          </a:stretch>
+        </p:blipFill>
+        <p:spPr>
+          <a:xfrm>
+            <a:off x="1656460" y="1611747"/>
+            <a:ext cx="8879080" cy="4679516"/>
+          </a:xfrm>
+          <a:prstGeom prst="rect">
+            <a:avLst/>
+          </a:prstGeom>
+        </p:spPr>
+      </p:pic>
+      <p:sp>
+        <p:nvSpPr>
+          <p:cNvPr id="10" name="Abgerundetes Rechteck 9">
+            <a:extLst>
+              <a:ext uri="{FF2B5EF4-FFF2-40B4-BE49-F238E27FC236}">
+                <a16:creationId xmlns:a16="http://schemas.microsoft.com/office/drawing/2014/main" id="{548BAC53-0F91-EF4F-81A0-A428FE010344}"/>
+              </a:ext>
+            </a:extLst>
+          </p:cNvPr>
+          <p:cNvSpPr/>
+          <p:nvPr/>
+        </p:nvSpPr>
+        <p:spPr>
+          <a:xfrm>
+            <a:off x="4522762" y="2696116"/>
+            <a:ext cx="1462755" cy="716556"/>
+          </a:xfrm>
+          <a:prstGeom prst="roundRect">
+            <a:avLst/>
+          </a:prstGeom>
+          <a:noFill/>
+          <a:ln w="38100">
+            <a:solidFill>
+              <a:srgbClr val="0070C0"/>
+            </a:solidFill>
+          </a:ln>
+        </p:spPr>
+        <p:style>
+          <a:lnRef idx="2">
+            <a:schemeClr val="accent1">
+              <a:shade val="50000"/>
+            </a:schemeClr>
+          </a:lnRef>
+          <a:fillRef idx="1">
+            <a:schemeClr val="accent1"/>
+          </a:fillRef>
+          <a:effectRef idx="0">
+            <a:schemeClr val="accent1"/>
+          </a:effectRef>
+          <a:fontRef idx="minor">
+            <a:schemeClr val="lt1"/>
+          </a:fontRef>
+        </p:style>
+        <p:txBody>
+          <a:bodyPr rtlCol="0" anchor="ctr"/>
+          <a:lstStyle/>
+          <a:p>
+            <a:pPr algn="ctr"/>
+            <a:endParaRPr lang="de-DE"/>
+          </a:p>
+        </p:txBody>
+      </p:sp>
+    </p:spTree>
+    <p:extLst>
+      <p:ext uri="{BB962C8B-B14F-4D97-AF65-F5344CB8AC3E}">
+        <p14:creationId xmlns:p14="http://schemas.microsoft.com/office/powerpoint/2010/main" val="3817733264"/>
+      </p:ext>
+    </p:extLst>
+  </p:cSld>
+  <p:clrMapOvr>
+    <a:masterClrMapping/>
+  </p:clrMapOvr>
+</p:sld>
+</file>
+
+<file path=ppt/slides/slide13.xml><?xml version="1.0" encoding="utf-8"?>
+<p:sld xmlns:a="http://schemas.openxmlformats.org/drawingml/2006/main" xmlns:r="http://schemas.openxmlformats.org/officeDocument/2006/relationships" xmlns:p="http://schemas.openxmlformats.org/presentationml/2006/main">
+  <p:cSld>
+    <p:spTree>
+      <p:nvGrpSpPr>
+        <p:cNvPr id="1" name=""/>
+        <p:cNvGrpSpPr/>
+        <p:nvPr/>
+      </p:nvGrpSpPr>
+      <p:grpSpPr>
+        <a:xfrm>
+          <a:off x="0" y="0"/>
+          <a:ext cx="0" cy="0"/>
+          <a:chOff x="0" y="0"/>
+          <a:chExt cx="0" cy="0"/>
+        </a:xfrm>
+      </p:grpSpPr>
+      <p:sp>
+        <p:nvSpPr>
+          <p:cNvPr id="3" name="Inhaltsplatzhalter 2">
+            <a:extLst>
+              <a:ext uri="{FF2B5EF4-FFF2-40B4-BE49-F238E27FC236}">
+                <a16:creationId xmlns:a16="http://schemas.microsoft.com/office/drawing/2014/main" id="{82447E3F-1B07-F74A-8D5D-86F34EA8FDCF}"/>
+              </a:ext>
+            </a:extLst>
+          </p:cNvPr>
+          <p:cNvSpPr>
+            <a:spLocks noGrp="1"/>
+          </p:cNvSpPr>
+          <p:nvPr>
+            <p:ph idx="1"/>
+          </p:nvPr>
+        </p:nvSpPr>
+        <p:spPr>
+          <a:xfrm>
+            <a:off x="501316" y="1939925"/>
+            <a:ext cx="10515600" cy="4351338"/>
+          </a:xfrm>
+        </p:spPr>
+        <p:txBody>
+          <a:bodyPr>
+            <a:normAutofit/>
+          </a:bodyPr>
+          <a:lstStyle/>
+          <a:p>
+            <a:pPr>
+              <a:lnSpc>
+                <a:spcPct val="150000"/>
+              </a:lnSpc>
+            </a:pPr>
+            <a:r>
+              <a:rPr lang="en-US" dirty="0">
+                <a:latin typeface="Arial" panose="020B0604020202020204" pitchFamily="34" charset="0"/>
+                <a:cs typeface="Arial" panose="020B0604020202020204" pitchFamily="34" charset="0"/>
+              </a:rPr>
+              <a:t>the ”Dkz” id from the “BA” can be matched with the KldB id</a:t>
+            </a:r>
+          </a:p>
+          <a:p>
+            <a:pPr>
+              <a:lnSpc>
+                <a:spcPct val="150000"/>
+              </a:lnSpc>
+            </a:pPr>
+            <a:r>
+              <a:rPr lang="en-US" dirty="0">
+                <a:latin typeface="Arial" panose="020B0604020202020204" pitchFamily="34" charset="0"/>
+                <a:cs typeface="Arial" panose="020B0604020202020204" pitchFamily="34" charset="0"/>
+              </a:rPr>
+              <a:t>Input data example: </a:t>
+            </a:r>
+          </a:p>
+          <a:p>
+            <a:pPr marL="0" indent="0">
+              <a:lnSpc>
+                <a:spcPct val="150000"/>
+              </a:lnSpc>
+              <a:buNone/>
+            </a:pPr>
+            <a:endParaRPr lang="en-US" dirty="0">
+              <a:latin typeface="Arial" panose="020B0604020202020204" pitchFamily="34" charset="0"/>
+              <a:cs typeface="Arial" panose="020B0604020202020204" pitchFamily="34" charset="0"/>
+            </a:endParaRPr>
+          </a:p>
+          <a:p>
+            <a:pPr marL="0" indent="0">
+              <a:lnSpc>
+                <a:spcPct val="150000"/>
+              </a:lnSpc>
+              <a:buNone/>
+            </a:pPr>
+            <a:endParaRPr lang="en-US" dirty="0">
+              <a:latin typeface="Arial" panose="020B0604020202020204" pitchFamily="34" charset="0"/>
+              <a:cs typeface="Arial" panose="020B0604020202020204" pitchFamily="34" charset="0"/>
+            </a:endParaRPr>
+          </a:p>
+        </p:txBody>
+      </p:sp>
+      <p:sp>
+        <p:nvSpPr>
+          <p:cNvPr id="4" name="Rechteck 3">
+            <a:extLst>
+              <a:ext uri="{FF2B5EF4-FFF2-40B4-BE49-F238E27FC236}">
+                <a16:creationId xmlns:a16="http://schemas.microsoft.com/office/drawing/2014/main" id="{3D453608-4FEF-6F4A-AC80-3124CE49AE26}"/>
+              </a:ext>
+            </a:extLst>
+          </p:cNvPr>
+          <p:cNvSpPr/>
+          <p:nvPr/>
+        </p:nvSpPr>
+        <p:spPr>
+          <a:xfrm>
+            <a:off x="0" y="703897"/>
+            <a:ext cx="12192000" cy="884271"/>
+          </a:xfrm>
+          <a:prstGeom prst="rect">
+            <a:avLst/>
+          </a:prstGeom>
+          <a:solidFill>
+            <a:srgbClr val="01ACE8"/>
+          </a:solidFill>
+          <a:ln>
+            <a:noFill/>
+          </a:ln>
+        </p:spPr>
+        <p:style>
+          <a:lnRef idx="2">
+            <a:schemeClr val="accent1">
+              <a:shade val="50000"/>
+            </a:schemeClr>
+          </a:lnRef>
+          <a:fillRef idx="1">
+            <a:schemeClr val="accent1"/>
+          </a:fillRef>
+          <a:effectRef idx="0">
+            <a:schemeClr val="accent1"/>
+          </a:effectRef>
+          <a:fontRef idx="minor">
+            <a:schemeClr val="lt1"/>
+          </a:fontRef>
+        </p:style>
+        <p:txBody>
+          <a:bodyPr rtlCol="0" anchor="ctr"/>
+          <a:lstStyle/>
+          <a:p>
+            <a:r>
+              <a:rPr lang="en-US" sz="4000" dirty="0">
+                <a:solidFill>
+                  <a:schemeClr val="tx1"/>
+                </a:solidFill>
+                <a:latin typeface="Arial" panose="020B0604020202020204" pitchFamily="34" charset="0"/>
+                <a:cs typeface="Arial" panose="020B0604020202020204" pitchFamily="34" charset="0"/>
+              </a:rPr>
+              <a:t>   Target Data</a:t>
+            </a:r>
+          </a:p>
+        </p:txBody>
+      </p:sp>
+      <p:sp>
+        <p:nvSpPr>
+          <p:cNvPr id="7" name="Datumsplatzhalter 6">
+            <a:extLst>
+              <a:ext uri="{FF2B5EF4-FFF2-40B4-BE49-F238E27FC236}">
+                <a16:creationId xmlns:a16="http://schemas.microsoft.com/office/drawing/2014/main" id="{2A152AE2-5324-114B-88A4-F99CB344B8DF}"/>
+              </a:ext>
+            </a:extLst>
+          </p:cNvPr>
+          <p:cNvSpPr>
+            <a:spLocks noGrp="1"/>
+          </p:cNvSpPr>
+          <p:nvPr>
+            <p:ph type="dt" sz="half" idx="10"/>
+          </p:nvPr>
+        </p:nvSpPr>
+        <p:spPr/>
+        <p:txBody>
+          <a:bodyPr/>
+          <a:lstStyle/>
+          <a:p>
+            <a:fld id="{224DF8BC-E337-3D43-A838-E92C1E5EB737}" type="datetime1">
+              <a:rPr lang="en-US" smtClean="0">
+                <a:latin typeface="Arial" panose="020B0604020202020204" pitchFamily="34" charset="0"/>
+                <a:cs typeface="Arial" panose="020B0604020202020204" pitchFamily="34" charset="0"/>
+              </a:rPr>
+              <a:t>12/4/21</a:t>
+            </a:fld>
+            <a:endParaRPr lang="en-US">
+              <a:latin typeface="Arial" panose="020B0604020202020204" pitchFamily="34" charset="0"/>
+              <a:cs typeface="Arial" panose="020B0604020202020204" pitchFamily="34" charset="0"/>
+            </a:endParaRPr>
+          </a:p>
+        </p:txBody>
+      </p:sp>
+      <p:sp>
+        <p:nvSpPr>
+          <p:cNvPr id="8" name="Fußzeilenplatzhalter 7">
+            <a:extLst>
+              <a:ext uri="{FF2B5EF4-FFF2-40B4-BE49-F238E27FC236}">
+                <a16:creationId xmlns:a16="http://schemas.microsoft.com/office/drawing/2014/main" id="{913C50C9-A33D-4041-AB1A-D4A8B33F9554}"/>
+              </a:ext>
+            </a:extLst>
+          </p:cNvPr>
+          <p:cNvSpPr>
+            <a:spLocks noGrp="1"/>
+          </p:cNvSpPr>
+          <p:nvPr>
+            <p:ph type="ftr" sz="quarter" idx="11"/>
+          </p:nvPr>
+        </p:nvSpPr>
+        <p:spPr/>
+        <p:txBody>
+          <a:bodyPr/>
+          <a:lstStyle/>
+          <a:p>
+            <a:r>
+              <a:rPr lang="en-US">
+                <a:latin typeface="Arial" panose="020B0604020202020204" pitchFamily="34" charset="0"/>
+                <a:cs typeface="Arial" panose="020B0604020202020204" pitchFamily="34" charset="0"/>
+              </a:rPr>
+              <a:t>Job Title Matching</a:t>
+            </a:r>
+          </a:p>
+        </p:txBody>
+      </p:sp>
+      <p:sp>
+        <p:nvSpPr>
+          <p:cNvPr id="9" name="Foliennummernplatzhalter 8">
+            <a:extLst>
+              <a:ext uri="{FF2B5EF4-FFF2-40B4-BE49-F238E27FC236}">
+                <a16:creationId xmlns:a16="http://schemas.microsoft.com/office/drawing/2014/main" id="{12340E6D-B84A-A64B-8D5D-D8F188CD5B48}"/>
+              </a:ext>
+            </a:extLst>
+          </p:cNvPr>
+          <p:cNvSpPr>
+            <a:spLocks noGrp="1"/>
+          </p:cNvSpPr>
+          <p:nvPr>
+            <p:ph type="sldNum" sz="quarter" idx="12"/>
+          </p:nvPr>
+        </p:nvSpPr>
+        <p:spPr/>
+        <p:txBody>
+          <a:bodyPr/>
+          <a:lstStyle/>
+          <a:p>
+            <a:fld id="{27B3030E-9675-7D44-A4BE-C7E44D426E4F}" type="slidenum">
+              <a:rPr lang="en-US" smtClean="0">
+                <a:latin typeface="Arial" panose="020B0604020202020204" pitchFamily="34" charset="0"/>
+                <a:cs typeface="Arial" panose="020B0604020202020204" pitchFamily="34" charset="0"/>
+              </a:rPr>
+              <a:t>13</a:t>
+            </a:fld>
+            <a:endParaRPr lang="en-US">
+              <a:latin typeface="Arial" panose="020B0604020202020204" pitchFamily="34" charset="0"/>
+              <a:cs typeface="Arial" panose="020B0604020202020204" pitchFamily="34" charset="0"/>
+            </a:endParaRPr>
+          </a:p>
+        </p:txBody>
+      </p:sp>
+      <p:pic>
+        <p:nvPicPr>
+          <p:cNvPr id="2" name="Grafik 1">
+            <a:extLst>
+              <a:ext uri="{FF2B5EF4-FFF2-40B4-BE49-F238E27FC236}">
+                <a16:creationId xmlns:a16="http://schemas.microsoft.com/office/drawing/2014/main" id="{A367818E-DA89-DC41-9870-54ADEB8034B0}"/>
+              </a:ext>
+            </a:extLst>
+          </p:cNvPr>
+          <p:cNvPicPr>
+            <a:picLocks noChangeAspect="1"/>
+          </p:cNvPicPr>
+          <p:nvPr/>
+        </p:nvPicPr>
+        <p:blipFill>
+          <a:blip r:embed="rId2"/>
+          <a:stretch>
+            <a:fillRect/>
+          </a:stretch>
+        </p:blipFill>
+        <p:spPr>
+          <a:xfrm>
+            <a:off x="838199" y="3441700"/>
+            <a:ext cx="10515601" cy="1554480"/>
+          </a:xfrm>
+          <a:prstGeom prst="rect">
+            <a:avLst/>
+          </a:prstGeom>
+        </p:spPr>
+      </p:pic>
+    </p:spTree>
+    <p:extLst>
+      <p:ext uri="{BB962C8B-B14F-4D97-AF65-F5344CB8AC3E}">
+        <p14:creationId xmlns:p14="http://schemas.microsoft.com/office/powerpoint/2010/main" val="1235555649"/>
+      </p:ext>
+    </p:extLst>
+  </p:cSld>
+  <p:clrMapOvr>
+    <a:masterClrMapping/>
+  </p:clrMapOvr>
+</p:sld>
+</file>
+
+<file path=ppt/slides/slide14.xml><?xml version="1.0" encoding="utf-8"?>
+<p:sld xmlns:a="http://schemas.openxmlformats.org/drawingml/2006/main" xmlns:r="http://schemas.openxmlformats.org/officeDocument/2006/relationships" xmlns:p="http://schemas.openxmlformats.org/presentationml/2006/main">
+  <p:cSld>
+    <p:spTree>
+      <p:nvGrpSpPr>
+        <p:cNvPr id="1" name=""/>
+        <p:cNvGrpSpPr/>
+        <p:nvPr/>
+      </p:nvGrpSpPr>
+      <p:grpSpPr>
+        <a:xfrm>
+          <a:off x="0" y="0"/>
+          <a:ext cx="0" cy="0"/>
+          <a:chOff x="0" y="0"/>
+          <a:chExt cx="0" cy="0"/>
+        </a:xfrm>
+      </p:grpSpPr>
+      <p:sp>
+        <p:nvSpPr>
+          <p:cNvPr id="3" name="Inhaltsplatzhalter 2">
+            <a:extLst>
+              <a:ext uri="{FF2B5EF4-FFF2-40B4-BE49-F238E27FC236}">
+                <a16:creationId xmlns:a16="http://schemas.microsoft.com/office/drawing/2014/main" id="{82447E3F-1B07-F74A-8D5D-86F34EA8FDCF}"/>
+              </a:ext>
+            </a:extLst>
+          </p:cNvPr>
+          <p:cNvSpPr>
+            <a:spLocks noGrp="1"/>
+          </p:cNvSpPr>
+          <p:nvPr>
+            <p:ph idx="1"/>
+          </p:nvPr>
+        </p:nvSpPr>
+        <p:spPr>
+          <a:xfrm>
+            <a:off x="501316" y="1939925"/>
+            <a:ext cx="10515600" cy="4351338"/>
+          </a:xfrm>
+        </p:spPr>
+        <p:txBody>
+          <a:bodyPr>
+            <a:normAutofit/>
+          </a:bodyPr>
+          <a:lstStyle/>
+          <a:p>
+            <a:pPr marL="0" indent="0">
+              <a:lnSpc>
+                <a:spcPct val="210000"/>
+              </a:lnSpc>
+              <a:buNone/>
+            </a:pPr>
+            <a:r>
+              <a:rPr lang="en-US" dirty="0">
+                <a:latin typeface="Arial" panose="020B0604020202020204" pitchFamily="34" charset="0"/>
+                <a:cs typeface="Arial" panose="020B0604020202020204" pitchFamily="34" charset="0"/>
+              </a:rPr>
+              <a:t> </a:t>
+            </a:r>
+          </a:p>
+        </p:txBody>
+      </p:sp>
+      <p:sp>
+        <p:nvSpPr>
+          <p:cNvPr id="4" name="Rechteck 3">
+            <a:extLst>
+              <a:ext uri="{FF2B5EF4-FFF2-40B4-BE49-F238E27FC236}">
+                <a16:creationId xmlns:a16="http://schemas.microsoft.com/office/drawing/2014/main" id="{3D453608-4FEF-6F4A-AC80-3124CE49AE26}"/>
+              </a:ext>
+            </a:extLst>
+          </p:cNvPr>
+          <p:cNvSpPr/>
+          <p:nvPr/>
+        </p:nvSpPr>
+        <p:spPr>
+          <a:xfrm>
+            <a:off x="0" y="703897"/>
+            <a:ext cx="12192000" cy="884271"/>
+          </a:xfrm>
+          <a:prstGeom prst="rect">
+            <a:avLst/>
+          </a:prstGeom>
+          <a:solidFill>
+            <a:srgbClr val="01ACE8"/>
+          </a:solidFill>
+          <a:ln>
+            <a:noFill/>
+          </a:ln>
+        </p:spPr>
+        <p:style>
+          <a:lnRef idx="2">
+            <a:schemeClr val="accent1">
+              <a:shade val="50000"/>
+            </a:schemeClr>
+          </a:lnRef>
+          <a:fillRef idx="1">
+            <a:schemeClr val="accent1"/>
+          </a:fillRef>
+          <a:effectRef idx="0">
+            <a:schemeClr val="accent1"/>
+          </a:effectRef>
+          <a:fontRef idx="minor">
+            <a:schemeClr val="lt1"/>
+          </a:fontRef>
+        </p:style>
+        <p:txBody>
+          <a:bodyPr rtlCol="0" anchor="ctr"/>
+          <a:lstStyle/>
+          <a:p>
+            <a:r>
+              <a:rPr lang="en-US" sz="4000" dirty="0">
+                <a:solidFill>
+                  <a:schemeClr val="tx1"/>
+                </a:solidFill>
+                <a:latin typeface="Arial" panose="020B0604020202020204" pitchFamily="34" charset="0"/>
+                <a:cs typeface="Arial" panose="020B0604020202020204" pitchFamily="34" charset="0"/>
+              </a:rPr>
+              <a:t>   Method</a:t>
+            </a:r>
+          </a:p>
+        </p:txBody>
+      </p:sp>
+      <p:sp>
+        <p:nvSpPr>
+          <p:cNvPr id="7" name="Datumsplatzhalter 6">
+            <a:extLst>
+              <a:ext uri="{FF2B5EF4-FFF2-40B4-BE49-F238E27FC236}">
+                <a16:creationId xmlns:a16="http://schemas.microsoft.com/office/drawing/2014/main" id="{2A152AE2-5324-114B-88A4-F99CB344B8DF}"/>
+              </a:ext>
+            </a:extLst>
+          </p:cNvPr>
+          <p:cNvSpPr>
+            <a:spLocks noGrp="1"/>
+          </p:cNvSpPr>
+          <p:nvPr>
+            <p:ph type="dt" sz="half" idx="10"/>
+          </p:nvPr>
+        </p:nvSpPr>
+        <p:spPr/>
+        <p:txBody>
+          <a:bodyPr/>
+          <a:lstStyle/>
+          <a:p>
+            <a:fld id="{224DF8BC-E337-3D43-A838-E92C1E5EB737}" type="datetime1">
+              <a:rPr lang="en-US" smtClean="0">
+                <a:latin typeface="Arial" panose="020B0604020202020204" pitchFamily="34" charset="0"/>
+                <a:cs typeface="Arial" panose="020B0604020202020204" pitchFamily="34" charset="0"/>
+              </a:rPr>
+              <a:t>12/4/21</a:t>
+            </a:fld>
+            <a:endParaRPr lang="en-US">
+              <a:latin typeface="Arial" panose="020B0604020202020204" pitchFamily="34" charset="0"/>
+              <a:cs typeface="Arial" panose="020B0604020202020204" pitchFamily="34" charset="0"/>
+            </a:endParaRPr>
+          </a:p>
+        </p:txBody>
+      </p:sp>
+      <p:sp>
+        <p:nvSpPr>
+          <p:cNvPr id="8" name="Fußzeilenplatzhalter 7">
+            <a:extLst>
+              <a:ext uri="{FF2B5EF4-FFF2-40B4-BE49-F238E27FC236}">
+                <a16:creationId xmlns:a16="http://schemas.microsoft.com/office/drawing/2014/main" id="{913C50C9-A33D-4041-AB1A-D4A8B33F9554}"/>
+              </a:ext>
+            </a:extLst>
+          </p:cNvPr>
+          <p:cNvSpPr>
+            <a:spLocks noGrp="1"/>
+          </p:cNvSpPr>
+          <p:nvPr>
+            <p:ph type="ftr" sz="quarter" idx="11"/>
+          </p:nvPr>
+        </p:nvSpPr>
+        <p:spPr/>
+        <p:txBody>
+          <a:bodyPr/>
+          <a:lstStyle/>
+          <a:p>
+            <a:r>
+              <a:rPr lang="en-US">
+                <a:latin typeface="Arial" panose="020B0604020202020204" pitchFamily="34" charset="0"/>
+                <a:cs typeface="Arial" panose="020B0604020202020204" pitchFamily="34" charset="0"/>
+              </a:rPr>
+              <a:t>Job Title Matching</a:t>
+            </a:r>
+          </a:p>
+        </p:txBody>
+      </p:sp>
+      <p:sp>
+        <p:nvSpPr>
+          <p:cNvPr id="9" name="Foliennummernplatzhalter 8">
+            <a:extLst>
+              <a:ext uri="{FF2B5EF4-FFF2-40B4-BE49-F238E27FC236}">
+                <a16:creationId xmlns:a16="http://schemas.microsoft.com/office/drawing/2014/main" id="{12340E6D-B84A-A64B-8D5D-D8F188CD5B48}"/>
+              </a:ext>
+            </a:extLst>
+          </p:cNvPr>
+          <p:cNvSpPr>
+            <a:spLocks noGrp="1"/>
+          </p:cNvSpPr>
+          <p:nvPr>
+            <p:ph type="sldNum" sz="quarter" idx="12"/>
+          </p:nvPr>
+        </p:nvSpPr>
+        <p:spPr/>
+        <p:txBody>
+          <a:bodyPr/>
+          <a:lstStyle/>
+          <a:p>
+            <a:fld id="{27B3030E-9675-7D44-A4BE-C7E44D426E4F}" type="slidenum">
+              <a:rPr lang="en-US" smtClean="0">
+                <a:latin typeface="Arial" panose="020B0604020202020204" pitchFamily="34" charset="0"/>
+                <a:cs typeface="Arial" panose="020B0604020202020204" pitchFamily="34" charset="0"/>
+              </a:rPr>
+              <a:t>14</a:t>
             </a:fld>
             <a:endParaRPr lang="en-US">
               <a:latin typeface="Arial" panose="020B0604020202020204" pitchFamily="34" charset="0"/>
@@ -4617,7 +6144,7 @@
 </p:sld>
 </file>
 
-<file path=ppt/slides/slide12.xml><?xml version="1.0" encoding="utf-8"?>
+<file path=ppt/slides/slide15.xml><?xml version="1.0" encoding="utf-8"?>
 <p:sld xmlns:a="http://schemas.openxmlformats.org/drawingml/2006/main" xmlns:r="http://schemas.openxmlformats.org/officeDocument/2006/relationships" xmlns:p="http://schemas.openxmlformats.org/presentationml/2006/main">
   <p:cSld>
     <p:spTree>
@@ -4662,19 +6189,103 @@
           </a:bodyPr>
           <a:lstStyle/>
           <a:p>
+            <a:pPr>
+              <a:lnSpc>
+                <a:spcPct val="150000"/>
+              </a:lnSpc>
+            </a:pPr>
+            <a:r>
+              <a:rPr lang="en-US" dirty="0">
+                <a:latin typeface="Arial" panose="020B0604020202020204" pitchFamily="34" charset="0"/>
+                <a:cs typeface="Arial" panose="020B0604020202020204" pitchFamily="34" charset="0"/>
+              </a:rPr>
+              <a:t>removed </a:t>
+            </a:r>
+            <a:r>
+              <a:rPr lang="en-US" dirty="0" err="1">
+                <a:latin typeface="Arial" panose="020B0604020202020204" pitchFamily="34" charset="0"/>
+                <a:cs typeface="Arial" panose="020B0604020202020204" pitchFamily="34" charset="0"/>
+              </a:rPr>
+              <a:t>stopwords</a:t>
+            </a:r>
+            <a:r>
+              <a:rPr lang="en-US" dirty="0">
+                <a:latin typeface="Arial" panose="020B0604020202020204" pitchFamily="34" charset="0"/>
+                <a:cs typeface="Arial" panose="020B0604020202020204" pitchFamily="34" charset="0"/>
+              </a:rPr>
+              <a:t>, special characters</a:t>
+            </a:r>
+          </a:p>
+          <a:p>
+            <a:pPr>
+              <a:lnSpc>
+                <a:spcPct val="150000"/>
+              </a:lnSpc>
+            </a:pPr>
+            <a:r>
+              <a:rPr lang="en-US" dirty="0" err="1">
+                <a:latin typeface="Arial" panose="020B0604020202020204" pitchFamily="34" charset="0"/>
+                <a:cs typeface="Arial" panose="020B0604020202020204" pitchFamily="34" charset="0"/>
+              </a:rPr>
+              <a:t>Zipf’s</a:t>
+            </a:r>
+            <a:r>
+              <a:rPr lang="en-US" dirty="0">
+                <a:latin typeface="Arial" panose="020B0604020202020204" pitchFamily="34" charset="0"/>
+                <a:cs typeface="Arial" panose="020B0604020202020204" pitchFamily="34" charset="0"/>
+              </a:rPr>
+              <a:t> law: most frequent words </a:t>
+            </a:r>
+            <a:r>
+              <a:rPr lang="en-US" dirty="0">
+                <a:latin typeface="Arial" panose="020B0604020202020204" pitchFamily="34" charset="0"/>
+                <a:cs typeface="Arial" panose="020B0604020202020204" pitchFamily="34" charset="0"/>
+                <a:sym typeface="Wingdings" pitchFamily="2" charset="2"/>
+              </a:rPr>
+              <a:t> get a list of special words  removed from title </a:t>
+            </a:r>
+            <a:endParaRPr lang="en-US" dirty="0">
+              <a:latin typeface="Arial" panose="020B0604020202020204" pitchFamily="34" charset="0"/>
+              <a:cs typeface="Arial" panose="020B0604020202020204" pitchFamily="34" charset="0"/>
+            </a:endParaRPr>
+          </a:p>
+          <a:p>
+            <a:pPr>
+              <a:lnSpc>
+                <a:spcPct val="150000"/>
+              </a:lnSpc>
+            </a:pPr>
+            <a:r>
+              <a:rPr lang="en-US" dirty="0">
+                <a:latin typeface="Arial" panose="020B0604020202020204" pitchFamily="34" charset="0"/>
+                <a:cs typeface="Arial" panose="020B0604020202020204" pitchFamily="34" charset="0"/>
+              </a:rPr>
+              <a:t>Input data example: </a:t>
+            </a:r>
+          </a:p>
+          <a:p>
             <a:pPr marL="0" indent="0">
               <a:lnSpc>
-                <a:spcPct val="210000"/>
+                <a:spcPct val="150000"/>
               </a:lnSpc>
               <a:buNone/>
             </a:pPr>
-            <a:r>
-              <a:rPr lang="en-US" dirty="0">
-                <a:latin typeface="Arial" panose="020B0604020202020204" pitchFamily="34" charset="0"/>
-                <a:cs typeface="Arial" panose="020B0604020202020204" pitchFamily="34" charset="0"/>
-              </a:rPr>
-              <a:t>Short </a:t>
-            </a:r>
+            <a:endParaRPr lang="en-US" dirty="0">
+              <a:latin typeface="Arial" panose="020B0604020202020204" pitchFamily="34" charset="0"/>
+              <a:cs typeface="Arial" panose="020B0604020202020204" pitchFamily="34" charset="0"/>
+            </a:endParaRPr>
+          </a:p>
+          <a:p>
+            <a:pPr marL="0" indent="0">
+              <a:lnSpc>
+                <a:spcPct val="150000"/>
+              </a:lnSpc>
+              <a:buNone/>
+            </a:pPr>
+            <a:endParaRPr lang="en-US" dirty="0">
+              <a:latin typeface="Arial" panose="020B0604020202020204" pitchFamily="34" charset="0"/>
+              <a:cs typeface="Arial" panose="020B0604020202020204" pitchFamily="34" charset="0"/>
+            </a:endParaRPr>
           </a:p>
         </p:txBody>
       </p:sp>
@@ -4764,7 +6375,7 @@
                 <a:latin typeface="Arial" panose="020B0604020202020204" pitchFamily="34" charset="0"/>
                 <a:cs typeface="Arial" panose="020B0604020202020204" pitchFamily="34" charset="0"/>
               </a:rPr>
-              <a:t>12/4/21</a:t>
+              <a:t>12/6/21</a:t>
             </a:fld>
             <a:endParaRPr lang="en-US">
               <a:latin typeface="Arial" panose="020B0604020202020204" pitchFamily="34" charset="0"/>
@@ -4830,7 +6441,7 @@
                 <a:latin typeface="Arial" panose="020B0604020202020204" pitchFamily="34" charset="0"/>
                 <a:cs typeface="Arial" panose="020B0604020202020204" pitchFamily="34" charset="0"/>
               </a:rPr>
-              <a:t>12</a:t>
+              <a:t>15</a:t>
             </a:fld>
             <a:endParaRPr lang="en-US">
               <a:latin typeface="Arial" panose="020B0604020202020204" pitchFamily="34" charset="0"/>
@@ -4839,10 +6450,40 @@
           </a:p>
         </p:txBody>
       </p:sp>
+      <p:pic>
+        <p:nvPicPr>
+          <p:cNvPr id="5" name="Grafik 4">
+            <a:extLst>
+              <a:ext uri="{FF2B5EF4-FFF2-40B4-BE49-F238E27FC236}">
+                <a16:creationId xmlns:a16="http://schemas.microsoft.com/office/drawing/2014/main" id="{4248CFD0-1BE0-554D-98A7-27A415326560}"/>
+              </a:ext>
+            </a:extLst>
+          </p:cNvPr>
+          <p:cNvPicPr>
+            <a:picLocks noChangeAspect="1"/>
+          </p:cNvPicPr>
+          <p:nvPr/>
+        </p:nvPicPr>
+        <p:blipFill>
+          <a:blip r:embed="rId2"/>
+          <a:stretch>
+            <a:fillRect/>
+          </a:stretch>
+        </p:blipFill>
+        <p:spPr>
+          <a:xfrm>
+            <a:off x="838200" y="4795087"/>
+            <a:ext cx="8610600" cy="1561263"/>
+          </a:xfrm>
+          <a:prstGeom prst="rect">
+            <a:avLst/>
+          </a:prstGeom>
+        </p:spPr>
+      </p:pic>
     </p:spTree>
     <p:extLst>
       <p:ext uri="{BB962C8B-B14F-4D97-AF65-F5344CB8AC3E}">
-        <p14:creationId xmlns:p14="http://schemas.microsoft.com/office/powerpoint/2010/main" val="3896078474"/>
+        <p14:creationId xmlns:p14="http://schemas.microsoft.com/office/powerpoint/2010/main" val="93653170"/>
       </p:ext>
     </p:extLst>
   </p:cSld>
@@ -4852,7 +6493,7 @@
 </p:sld>
 </file>
 
-<file path=ppt/slides/slide13.xml><?xml version="1.0" encoding="utf-8"?>
+<file path=ppt/slides/slide16.xml><?xml version="1.0" encoding="utf-8"?>
 <p:sld xmlns:a="http://schemas.openxmlformats.org/drawingml/2006/main" xmlns:r="http://schemas.openxmlformats.org/officeDocument/2006/relationships" xmlns:p="http://schemas.openxmlformats.org/presentationml/2006/main">
   <p:cSld>
     <p:spTree>
@@ -5065,7 +6706,7 @@
                 <a:latin typeface="Arial" panose="020B0604020202020204" pitchFamily="34" charset="0"/>
                 <a:cs typeface="Arial" panose="020B0604020202020204" pitchFamily="34" charset="0"/>
               </a:rPr>
-              <a:t>13</a:t>
+              <a:t>16</a:t>
             </a:fld>
             <a:endParaRPr lang="en-US">
               <a:latin typeface="Arial" panose="020B0604020202020204" pitchFamily="34" charset="0"/>
@@ -5201,7 +6842,7 @@
 </p:sld>
 </file>
 
-<file path=ppt/slides/slide14.xml><?xml version="1.0" encoding="utf-8"?>
+<file path=ppt/slides/slide17.xml><?xml version="1.0" encoding="utf-8"?>
 <p:sld xmlns:a="http://schemas.openxmlformats.org/drawingml/2006/main" xmlns:r="http://schemas.openxmlformats.org/officeDocument/2006/relationships" xmlns:p="http://schemas.openxmlformats.org/presentationml/2006/main">
   <p:cSld>
     <p:spTree>
@@ -5246,18 +6887,73 @@
           </a:bodyPr>
           <a:lstStyle/>
           <a:p>
-            <a:pPr marL="0" indent="0">
+            <a:pPr>
+              <a:lnSpc>
+                <a:spcPct val="150000"/>
+              </a:lnSpc>
+            </a:pPr>
+            <a:r>
+              <a:rPr lang="en-US" dirty="0">
+                <a:latin typeface="Arial" panose="020B0604020202020204" pitchFamily="34" charset="0"/>
+                <a:cs typeface="Arial" panose="020B0604020202020204" pitchFamily="34" charset="0"/>
+              </a:rPr>
+              <a:t>baselines: count vectorizer and tf-idf vectorizer</a:t>
+            </a:r>
+          </a:p>
+          <a:p>
+            <a:pPr>
               <a:lnSpc>
                 <a:spcPct val="210000"/>
               </a:lnSpc>
-              <a:buNone/>
             </a:pPr>
             <a:r>
               <a:rPr lang="en-US" dirty="0">
                 <a:latin typeface="Arial" panose="020B0604020202020204" pitchFamily="34" charset="0"/>
                 <a:cs typeface="Arial" panose="020B0604020202020204" pitchFamily="34" charset="0"/>
               </a:rPr>
-              <a:t>Short </a:t>
+              <a:t>approaches for improvement:</a:t>
+            </a:r>
+          </a:p>
+          <a:p>
+            <a:pPr lvl="1">
+              <a:lnSpc>
+                <a:spcPct val="210000"/>
+              </a:lnSpc>
+            </a:pPr>
+            <a:r>
+              <a:rPr lang="en-US" dirty="0">
+                <a:latin typeface="Arial" panose="020B0604020202020204" pitchFamily="34" charset="0"/>
+                <a:cs typeface="Arial" panose="020B0604020202020204" pitchFamily="34" charset="0"/>
+              </a:rPr>
+              <a:t>word2vec with and without prior knowledge</a:t>
+            </a:r>
+          </a:p>
+          <a:p>
+            <a:pPr lvl="1">
+              <a:lnSpc>
+                <a:spcPct val="210000"/>
+              </a:lnSpc>
+            </a:pPr>
+            <a:r>
+              <a:rPr lang="en-US" dirty="0">
+                <a:latin typeface="Arial" panose="020B0604020202020204" pitchFamily="34" charset="0"/>
+                <a:cs typeface="Arial" panose="020B0604020202020204" pitchFamily="34" charset="0"/>
+              </a:rPr>
+              <a:t>doc2vec with and without prior knowledge</a:t>
+            </a:r>
+          </a:p>
+          <a:p>
+            <a:pPr lvl="1">
+              <a:lnSpc>
+                <a:spcPct val="210000"/>
+              </a:lnSpc>
+            </a:pPr>
+            <a:r>
+              <a:rPr lang="en-US" dirty="0">
+                <a:latin typeface="Arial" panose="020B0604020202020204" pitchFamily="34" charset="0"/>
+                <a:cs typeface="Arial" panose="020B0604020202020204" pitchFamily="34" charset="0"/>
+              </a:rPr>
+              <a:t>BERT with and without prior knowledge </a:t>
             </a:r>
           </a:p>
         </p:txBody>
@@ -5414,7 +7110,7 @@
                 <a:latin typeface="Arial" panose="020B0604020202020204" pitchFamily="34" charset="0"/>
                 <a:cs typeface="Arial" panose="020B0604020202020204" pitchFamily="34" charset="0"/>
               </a:rPr>
-              <a:t>14</a:t>
+              <a:t>17</a:t>
             </a:fld>
             <a:endParaRPr lang="en-US">
               <a:latin typeface="Arial" panose="020B0604020202020204" pitchFamily="34" charset="0"/>
@@ -5436,7 +7132,7 @@
 </p:sld>
 </file>
 
-<file path=ppt/slides/slide15.xml><?xml version="1.0" encoding="utf-8"?>
+<file path=ppt/slides/slide18.xml><?xml version="1.0" encoding="utf-8"?>
 <p:sld xmlns:a="http://schemas.openxmlformats.org/drawingml/2006/main" xmlns:r="http://schemas.openxmlformats.org/officeDocument/2006/relationships" xmlns:p="http://schemas.openxmlformats.org/presentationml/2006/main">
   <p:cSld>
     <p:spTree>
@@ -5649,7 +7345,7 @@
                 <a:latin typeface="Arial" panose="020B0604020202020204" pitchFamily="34" charset="0"/>
                 <a:cs typeface="Arial" panose="020B0604020202020204" pitchFamily="34" charset="0"/>
               </a:rPr>
-              <a:t>15</a:t>
+              <a:t>18</a:t>
             </a:fld>
             <a:endParaRPr lang="en-US">
               <a:latin typeface="Arial" panose="020B0604020202020204" pitchFamily="34" charset="0"/>
@@ -5785,7 +7481,7 @@
 </p:sld>
 </file>
 
-<file path=ppt/slides/slide16.xml><?xml version="1.0" encoding="utf-8"?>
+<file path=ppt/slides/slide19.xml><?xml version="1.0" encoding="utf-8"?>
 <p:sld xmlns:a="http://schemas.openxmlformats.org/drawingml/2006/main" xmlns:r="http://schemas.openxmlformats.org/officeDocument/2006/relationships" xmlns:p="http://schemas.openxmlformats.org/presentationml/2006/main">
   <p:cSld>
     <p:spTree>
@@ -5832,7 +7528,7 @@
           <a:p>
             <a:pPr marL="0" indent="0">
               <a:lnSpc>
-                <a:spcPct val="210000"/>
+                <a:spcPct val="150000"/>
               </a:lnSpc>
               <a:buNone/>
             </a:pPr>
@@ -5841,7 +7537,35 @@
                 <a:latin typeface="Arial" panose="020B0604020202020204" pitchFamily="34" charset="0"/>
                 <a:cs typeface="Arial" panose="020B0604020202020204" pitchFamily="34" charset="0"/>
               </a:rPr>
-              <a:t>Short </a:t>
+              <a:t>Principal component Analysis (PCA) </a:t>
+            </a:r>
+          </a:p>
+          <a:p>
+            <a:pPr>
+              <a:lnSpc>
+                <a:spcPct val="150000"/>
+              </a:lnSpc>
+            </a:pPr>
+            <a:r>
+              <a:rPr lang="en-US" dirty="0">
+                <a:latin typeface="Arial" panose="020B0604020202020204" pitchFamily="34" charset="0"/>
+                <a:cs typeface="Arial" panose="020B0604020202020204" pitchFamily="34" charset="0"/>
+              </a:rPr>
+              <a:t>reduces features to n_components to speed up the classifiers</a:t>
+            </a:r>
+          </a:p>
+          <a:p>
+            <a:pPr>
+              <a:lnSpc>
+                <a:spcPct val="150000"/>
+              </a:lnSpc>
+            </a:pPr>
+            <a:r>
+              <a:rPr lang="en-US" dirty="0">
+                <a:latin typeface="Arial" panose="020B0604020202020204" pitchFamily="34" charset="0"/>
+                <a:cs typeface="Arial" panose="020B0604020202020204" pitchFamily="34" charset="0"/>
+              </a:rPr>
+              <a:t>choose n_components such that the explained variance ratio is approx. 0.95</a:t>
             </a:r>
           </a:p>
         </p:txBody>
@@ -5998,7 +7722,7 @@
                 <a:latin typeface="Arial" panose="020B0604020202020204" pitchFamily="34" charset="0"/>
                 <a:cs typeface="Arial" panose="020B0604020202020204" pitchFamily="34" charset="0"/>
               </a:rPr>
-              <a:t>16</a:t>
+              <a:t>19</a:t>
             </a:fld>
             <a:endParaRPr lang="en-US">
               <a:latin typeface="Arial" panose="020B0604020202020204" pitchFamily="34" charset="0"/>
@@ -6020,7 +7744,7 @@
 </p:sld>
 </file>
 
-<file path=ppt/slides/slide17.xml><?xml version="1.0" encoding="utf-8"?>
+<file path=ppt/slides/slide2.xml><?xml version="1.0" encoding="utf-8"?>
 <p:sld xmlns:a="http://schemas.openxmlformats.org/drawingml/2006/main" xmlns:r="http://schemas.openxmlformats.org/officeDocument/2006/relationships" xmlns:p="http://schemas.openxmlformats.org/presentationml/2006/main">
   <p:cSld>
     <p:spTree>
@@ -6073,10 +7797,55 @@
             </a:pPr>
             <a:r>
               <a:rPr lang="en-US" dirty="0">
-                <a:latin typeface="Arial" panose="020B0604020202020204" pitchFamily="34" charset="0"/>
-                <a:cs typeface="Arial" panose="020B0604020202020204" pitchFamily="34" charset="0"/>
-              </a:rPr>
-              <a:t> </a:t>
+                <a:latin typeface="Calibri" panose="020F0502020204030204" pitchFamily="34" charset="0"/>
+                <a:cs typeface="Calibri" panose="020F0502020204030204" pitchFamily="34" charset="0"/>
+              </a:rPr>
+              <a:t>Research task</a:t>
+            </a:r>
+          </a:p>
+          <a:p>
+            <a:pPr marL="0" indent="0">
+              <a:lnSpc>
+                <a:spcPct val="210000"/>
+              </a:lnSpc>
+              <a:buNone/>
+            </a:pPr>
+            <a:r>
+              <a:rPr lang="en-US" dirty="0">
+                <a:latin typeface="Calibri" panose="020F0502020204030204" pitchFamily="34" charset="0"/>
+                <a:cs typeface="Calibri" panose="020F0502020204030204" pitchFamily="34" charset="0"/>
+              </a:rPr>
+              <a:t>Related work and research gap</a:t>
+            </a:r>
+          </a:p>
+          <a:p>
+            <a:pPr marL="0" indent="0">
+              <a:lnSpc>
+                <a:spcPct val="210000"/>
+              </a:lnSpc>
+              <a:buNone/>
+            </a:pPr>
+            <a:r>
+              <a:rPr lang="en-US" dirty="0">
+                <a:latin typeface="Calibri" panose="020F0502020204030204" pitchFamily="34" charset="0"/>
+                <a:cs typeface="Calibri" panose="020F0502020204030204" pitchFamily="34" charset="0"/>
+              </a:rPr>
+              <a:t>Method</a:t>
+            </a:r>
+          </a:p>
+          <a:p>
+            <a:pPr marL="0" indent="0">
+              <a:lnSpc>
+                <a:spcPct val="210000"/>
+              </a:lnSpc>
+              <a:buNone/>
+            </a:pPr>
+            <a:r>
+              <a:rPr lang="en-US" dirty="0">
+                <a:latin typeface="Calibri" panose="020F0502020204030204" pitchFamily="34" charset="0"/>
+                <a:cs typeface="Calibri" panose="020F0502020204030204" pitchFamily="34" charset="0"/>
+              </a:rPr>
+              <a:t>First results and discussion</a:t>
             </a:r>
           </a:p>
         </p:txBody>
@@ -6133,6 +7902,241 @@
                 <a:solidFill>
                   <a:schemeClr val="tx1"/>
                 </a:solidFill>
+                <a:latin typeface="Calibri" panose="020F0502020204030204" pitchFamily="34" charset="0"/>
+                <a:cs typeface="Calibri" panose="020F0502020204030204" pitchFamily="34" charset="0"/>
+              </a:rPr>
+              <a:t>   Table of Contents</a:t>
+            </a:r>
+          </a:p>
+        </p:txBody>
+      </p:sp>
+      <p:sp>
+        <p:nvSpPr>
+          <p:cNvPr id="7" name="Datumsplatzhalter 6">
+            <a:extLst>
+              <a:ext uri="{FF2B5EF4-FFF2-40B4-BE49-F238E27FC236}">
+                <a16:creationId xmlns:a16="http://schemas.microsoft.com/office/drawing/2014/main" id="{2A152AE2-5324-114B-88A4-F99CB344B8DF}"/>
+              </a:ext>
+            </a:extLst>
+          </p:cNvPr>
+          <p:cNvSpPr>
+            <a:spLocks noGrp="1"/>
+          </p:cNvSpPr>
+          <p:nvPr>
+            <p:ph type="dt" sz="half" idx="10"/>
+          </p:nvPr>
+        </p:nvSpPr>
+        <p:spPr/>
+        <p:txBody>
+          <a:bodyPr/>
+          <a:lstStyle/>
+          <a:p>
+            <a:fld id="{224DF8BC-E337-3D43-A838-E92C1E5EB737}" type="datetime1">
+              <a:rPr lang="en-US" smtClean="0">
+                <a:latin typeface="Calibri" panose="020F0502020204030204" pitchFamily="34" charset="0"/>
+                <a:cs typeface="Calibri" panose="020F0502020204030204" pitchFamily="34" charset="0"/>
+              </a:rPr>
+              <a:t>12/4/21</a:t>
+            </a:fld>
+            <a:endParaRPr lang="en-US">
+              <a:latin typeface="Calibri" panose="020F0502020204030204" pitchFamily="34" charset="0"/>
+              <a:cs typeface="Calibri" panose="020F0502020204030204" pitchFamily="34" charset="0"/>
+            </a:endParaRPr>
+          </a:p>
+        </p:txBody>
+      </p:sp>
+      <p:sp>
+        <p:nvSpPr>
+          <p:cNvPr id="8" name="Fußzeilenplatzhalter 7">
+            <a:extLst>
+              <a:ext uri="{FF2B5EF4-FFF2-40B4-BE49-F238E27FC236}">
+                <a16:creationId xmlns:a16="http://schemas.microsoft.com/office/drawing/2014/main" id="{913C50C9-A33D-4041-AB1A-D4A8B33F9554}"/>
+              </a:ext>
+            </a:extLst>
+          </p:cNvPr>
+          <p:cNvSpPr>
+            <a:spLocks noGrp="1"/>
+          </p:cNvSpPr>
+          <p:nvPr>
+            <p:ph type="ftr" sz="quarter" idx="11"/>
+          </p:nvPr>
+        </p:nvSpPr>
+        <p:spPr/>
+        <p:txBody>
+          <a:bodyPr/>
+          <a:lstStyle/>
+          <a:p>
+            <a:r>
+              <a:rPr lang="en-US">
+                <a:latin typeface="Calibri" panose="020F0502020204030204" pitchFamily="34" charset="0"/>
+                <a:cs typeface="Calibri" panose="020F0502020204030204" pitchFamily="34" charset="0"/>
+              </a:rPr>
+              <a:t>Job Title Matching</a:t>
+            </a:r>
+          </a:p>
+        </p:txBody>
+      </p:sp>
+      <p:sp>
+        <p:nvSpPr>
+          <p:cNvPr id="9" name="Foliennummernplatzhalter 8">
+            <a:extLst>
+              <a:ext uri="{FF2B5EF4-FFF2-40B4-BE49-F238E27FC236}">
+                <a16:creationId xmlns:a16="http://schemas.microsoft.com/office/drawing/2014/main" id="{12340E6D-B84A-A64B-8D5D-D8F188CD5B48}"/>
+              </a:ext>
+            </a:extLst>
+          </p:cNvPr>
+          <p:cNvSpPr>
+            <a:spLocks noGrp="1"/>
+          </p:cNvSpPr>
+          <p:nvPr>
+            <p:ph type="sldNum" sz="quarter" idx="12"/>
+          </p:nvPr>
+        </p:nvSpPr>
+        <p:spPr/>
+        <p:txBody>
+          <a:bodyPr/>
+          <a:lstStyle/>
+          <a:p>
+            <a:fld id="{27B3030E-9675-7D44-A4BE-C7E44D426E4F}" type="slidenum">
+              <a:rPr lang="en-US" smtClean="0">
+                <a:latin typeface="Calibri" panose="020F0502020204030204" pitchFamily="34" charset="0"/>
+                <a:cs typeface="Calibri" panose="020F0502020204030204" pitchFamily="34" charset="0"/>
+              </a:rPr>
+              <a:t>2</a:t>
+            </a:fld>
+            <a:endParaRPr lang="en-US">
+              <a:latin typeface="Calibri" panose="020F0502020204030204" pitchFamily="34" charset="0"/>
+              <a:cs typeface="Calibri" panose="020F0502020204030204" pitchFamily="34" charset="0"/>
+            </a:endParaRPr>
+          </a:p>
+        </p:txBody>
+      </p:sp>
+    </p:spTree>
+    <p:extLst>
+      <p:ext uri="{BB962C8B-B14F-4D97-AF65-F5344CB8AC3E}">
+        <p14:creationId xmlns:p14="http://schemas.microsoft.com/office/powerpoint/2010/main" val="2748573143"/>
+      </p:ext>
+    </p:extLst>
+  </p:cSld>
+  <p:clrMapOvr>
+    <a:masterClrMapping/>
+  </p:clrMapOvr>
+</p:sld>
+</file>
+
+<file path=ppt/slides/slide20.xml><?xml version="1.0" encoding="utf-8"?>
+<p:sld xmlns:a="http://schemas.openxmlformats.org/drawingml/2006/main" xmlns:r="http://schemas.openxmlformats.org/officeDocument/2006/relationships" xmlns:p="http://schemas.openxmlformats.org/presentationml/2006/main">
+  <p:cSld>
+    <p:spTree>
+      <p:nvGrpSpPr>
+        <p:cNvPr id="1" name=""/>
+        <p:cNvGrpSpPr/>
+        <p:nvPr/>
+      </p:nvGrpSpPr>
+      <p:grpSpPr>
+        <a:xfrm>
+          <a:off x="0" y="0"/>
+          <a:ext cx="0" cy="0"/>
+          <a:chOff x="0" y="0"/>
+          <a:chExt cx="0" cy="0"/>
+        </a:xfrm>
+      </p:grpSpPr>
+      <p:sp>
+        <p:nvSpPr>
+          <p:cNvPr id="3" name="Inhaltsplatzhalter 2">
+            <a:extLst>
+              <a:ext uri="{FF2B5EF4-FFF2-40B4-BE49-F238E27FC236}">
+                <a16:creationId xmlns:a16="http://schemas.microsoft.com/office/drawing/2014/main" id="{82447E3F-1B07-F74A-8D5D-86F34EA8FDCF}"/>
+              </a:ext>
+            </a:extLst>
+          </p:cNvPr>
+          <p:cNvSpPr>
+            <a:spLocks noGrp="1"/>
+          </p:cNvSpPr>
+          <p:nvPr>
+            <p:ph idx="1"/>
+          </p:nvPr>
+        </p:nvSpPr>
+        <p:spPr>
+          <a:xfrm>
+            <a:off x="501316" y="1939925"/>
+            <a:ext cx="10515600" cy="4351338"/>
+          </a:xfrm>
+        </p:spPr>
+        <p:txBody>
+          <a:bodyPr>
+            <a:normAutofit/>
+          </a:bodyPr>
+          <a:lstStyle/>
+          <a:p>
+            <a:pPr marL="0" indent="0">
+              <a:lnSpc>
+                <a:spcPct val="210000"/>
+              </a:lnSpc>
+              <a:buNone/>
+            </a:pPr>
+            <a:r>
+              <a:rPr lang="en-US" dirty="0">
+                <a:latin typeface="Arial" panose="020B0604020202020204" pitchFamily="34" charset="0"/>
+                <a:cs typeface="Arial" panose="020B0604020202020204" pitchFamily="34" charset="0"/>
+              </a:rPr>
+              <a:t> </a:t>
+            </a:r>
+          </a:p>
+        </p:txBody>
+      </p:sp>
+      <p:sp>
+        <p:nvSpPr>
+          <p:cNvPr id="4" name="Rechteck 3">
+            <a:extLst>
+              <a:ext uri="{FF2B5EF4-FFF2-40B4-BE49-F238E27FC236}">
+                <a16:creationId xmlns:a16="http://schemas.microsoft.com/office/drawing/2014/main" id="{3D453608-4FEF-6F4A-AC80-3124CE49AE26}"/>
+              </a:ext>
+            </a:extLst>
+          </p:cNvPr>
+          <p:cNvSpPr/>
+          <p:nvPr/>
+        </p:nvSpPr>
+        <p:spPr>
+          <a:xfrm>
+            <a:off x="0" y="703897"/>
+            <a:ext cx="12192000" cy="884271"/>
+          </a:xfrm>
+          <a:prstGeom prst="rect">
+            <a:avLst/>
+          </a:prstGeom>
+          <a:solidFill>
+            <a:srgbClr val="01ACE8"/>
+          </a:solidFill>
+          <a:ln>
+            <a:noFill/>
+          </a:ln>
+        </p:spPr>
+        <p:style>
+          <a:lnRef idx="2">
+            <a:schemeClr val="accent1">
+              <a:shade val="50000"/>
+            </a:schemeClr>
+          </a:lnRef>
+          <a:fillRef idx="1">
+            <a:schemeClr val="accent1"/>
+          </a:fillRef>
+          <a:effectRef idx="0">
+            <a:schemeClr val="accent1"/>
+          </a:effectRef>
+          <a:fontRef idx="minor">
+            <a:schemeClr val="lt1"/>
+          </a:fontRef>
+        </p:style>
+        <p:txBody>
+          <a:bodyPr rtlCol="0" anchor="ctr"/>
+          <a:lstStyle/>
+          <a:p>
+            <a:r>
+              <a:rPr lang="en-US" sz="4000" dirty="0">
+                <a:solidFill>
+                  <a:schemeClr val="tx1"/>
+                </a:solidFill>
                 <a:latin typeface="Arial" panose="020B0604020202020204" pitchFamily="34" charset="0"/>
                 <a:cs typeface="Arial" panose="020B0604020202020204" pitchFamily="34" charset="0"/>
               </a:rPr>
@@ -6233,7 +8237,7 @@
                 <a:latin typeface="Arial" panose="020B0604020202020204" pitchFamily="34" charset="0"/>
                 <a:cs typeface="Arial" panose="020B0604020202020204" pitchFamily="34" charset="0"/>
               </a:rPr>
-              <a:t>17</a:t>
+              <a:t>20</a:t>
             </a:fld>
             <a:endParaRPr lang="en-US">
               <a:latin typeface="Arial" panose="020B0604020202020204" pitchFamily="34" charset="0"/>
@@ -6369,7 +8373,7 @@
 </p:sld>
 </file>
 
-<file path=ppt/slides/slide18.xml><?xml version="1.0" encoding="utf-8"?>
+<file path=ppt/slides/slide21.xml><?xml version="1.0" encoding="utf-8"?>
 <p:sld xmlns:a="http://schemas.openxmlformats.org/drawingml/2006/main" xmlns:r="http://schemas.openxmlformats.org/officeDocument/2006/relationships" xmlns:p="http://schemas.openxmlformats.org/presentationml/2006/main">
   <p:cSld>
     <p:spTree>
@@ -6425,7 +8429,7 @@
                 <a:latin typeface="Arial" panose="020B0604020202020204" pitchFamily="34" charset="0"/>
                 <a:cs typeface="Arial" panose="020B0604020202020204" pitchFamily="34" charset="0"/>
               </a:rPr>
-              <a:t>Short </a:t>
+              <a:t> </a:t>
             </a:r>
           </a:p>
         </p:txBody>
@@ -6582,7 +8586,7 @@
                 <a:latin typeface="Arial" panose="020B0604020202020204" pitchFamily="34" charset="0"/>
                 <a:cs typeface="Arial" panose="020B0604020202020204" pitchFamily="34" charset="0"/>
               </a:rPr>
-              <a:t>18</a:t>
+              <a:t>21</a:t>
             </a:fld>
             <a:endParaRPr lang="en-US">
               <a:latin typeface="Arial" panose="020B0604020202020204" pitchFamily="34" charset="0"/>
@@ -6604,7 +8608,7 @@
 </p:sld>
 </file>
 
-<file path=ppt/slides/slide19.xml><?xml version="1.0" encoding="utf-8"?>
+<file path=ppt/slides/slide22.xml><?xml version="1.0" encoding="utf-8"?>
 <p:sld xmlns:a="http://schemas.openxmlformats.org/drawingml/2006/main" xmlns:r="http://schemas.openxmlformats.org/officeDocument/2006/relationships" xmlns:p="http://schemas.openxmlformats.org/presentationml/2006/main">
   <p:cSld>
     <p:spTree>
@@ -6817,7 +8821,7 @@
                 <a:latin typeface="Arial" panose="020B0604020202020204" pitchFamily="34" charset="0"/>
                 <a:cs typeface="Arial" panose="020B0604020202020204" pitchFamily="34" charset="0"/>
               </a:rPr>
-              <a:t>19</a:t>
+              <a:t>22</a:t>
             </a:fld>
             <a:endParaRPr lang="en-US">
               <a:latin typeface="Arial" panose="020B0604020202020204" pitchFamily="34" charset="0"/>
@@ -7158,7 +9162,7 @@
 </p:sld>
 </file>
 
-<file path=ppt/slides/slide2.xml><?xml version="1.0" encoding="utf-8"?>
+<file path=ppt/slides/slide23.xml><?xml version="1.0" encoding="utf-8"?>
 <p:sld xmlns:a="http://schemas.openxmlformats.org/drawingml/2006/main" xmlns:r="http://schemas.openxmlformats.org/officeDocument/2006/relationships" xmlns:p="http://schemas.openxmlformats.org/presentationml/2006/main">
   <p:cSld>
     <p:spTree>
@@ -7210,56 +9214,11 @@
               <a:buNone/>
             </a:pPr>
             <a:r>
-              <a:rPr lang="en-US" dirty="0">
+              <a:rPr lang="en-GB">
                 <a:latin typeface="Arial" panose="020B0604020202020204" pitchFamily="34" charset="0"/>
                 <a:cs typeface="Arial" panose="020B0604020202020204" pitchFamily="34" charset="0"/>
               </a:rPr>
-              <a:t>Research task</a:t>
-            </a:r>
-          </a:p>
-          <a:p>
-            <a:pPr marL="0" indent="0">
-              <a:lnSpc>
-                <a:spcPct val="210000"/>
-              </a:lnSpc>
-              <a:buNone/>
-            </a:pPr>
-            <a:r>
-              <a:rPr lang="en-US" dirty="0">
-                <a:latin typeface="Arial" panose="020B0604020202020204" pitchFamily="34" charset="0"/>
-                <a:cs typeface="Arial" panose="020B0604020202020204" pitchFamily="34" charset="0"/>
-              </a:rPr>
-              <a:t>Related work and research gap</a:t>
-            </a:r>
-          </a:p>
-          <a:p>
-            <a:pPr marL="0" indent="0">
-              <a:lnSpc>
-                <a:spcPct val="210000"/>
-              </a:lnSpc>
-              <a:buNone/>
-            </a:pPr>
-            <a:r>
-              <a:rPr lang="en-US" dirty="0">
-                <a:latin typeface="Arial" panose="020B0604020202020204" pitchFamily="34" charset="0"/>
-                <a:cs typeface="Arial" panose="020B0604020202020204" pitchFamily="34" charset="0"/>
-              </a:rPr>
-              <a:t>Method</a:t>
-            </a:r>
-          </a:p>
-          <a:p>
-            <a:pPr marL="0" indent="0">
-              <a:lnSpc>
-                <a:spcPct val="210000"/>
-              </a:lnSpc>
-              <a:buNone/>
-            </a:pPr>
-            <a:r>
-              <a:rPr lang="en-US" dirty="0">
-                <a:latin typeface="Arial" panose="020B0604020202020204" pitchFamily="34" charset="0"/>
-                <a:cs typeface="Arial" panose="020B0604020202020204" pitchFamily="34" charset="0"/>
-              </a:rPr>
-              <a:t>First results and discussion</a:t>
+              <a:t> </a:t>
             </a:r>
           </a:p>
         </p:txBody>
@@ -7312,241 +9271,6 @@
           <a:lstStyle/>
           <a:p>
             <a:r>
-              <a:rPr lang="en-US" sz="4000" dirty="0">
-                <a:solidFill>
-                  <a:schemeClr val="tx1"/>
-                </a:solidFill>
-                <a:latin typeface="Arial" panose="020B0604020202020204" pitchFamily="34" charset="0"/>
-                <a:cs typeface="Arial" panose="020B0604020202020204" pitchFamily="34" charset="0"/>
-              </a:rPr>
-              <a:t>   Table of Contents</a:t>
-            </a:r>
-          </a:p>
-        </p:txBody>
-      </p:sp>
-      <p:sp>
-        <p:nvSpPr>
-          <p:cNvPr id="7" name="Datumsplatzhalter 6">
-            <a:extLst>
-              <a:ext uri="{FF2B5EF4-FFF2-40B4-BE49-F238E27FC236}">
-                <a16:creationId xmlns:a16="http://schemas.microsoft.com/office/drawing/2014/main" id="{2A152AE2-5324-114B-88A4-F99CB344B8DF}"/>
-              </a:ext>
-            </a:extLst>
-          </p:cNvPr>
-          <p:cNvSpPr>
-            <a:spLocks noGrp="1"/>
-          </p:cNvSpPr>
-          <p:nvPr>
-            <p:ph type="dt" sz="half" idx="10"/>
-          </p:nvPr>
-        </p:nvSpPr>
-        <p:spPr/>
-        <p:txBody>
-          <a:bodyPr/>
-          <a:lstStyle/>
-          <a:p>
-            <a:fld id="{224DF8BC-E337-3D43-A838-E92C1E5EB737}" type="datetime1">
-              <a:rPr lang="en-US" smtClean="0">
-                <a:latin typeface="Arial" panose="020B0604020202020204" pitchFamily="34" charset="0"/>
-                <a:cs typeface="Arial" panose="020B0604020202020204" pitchFamily="34" charset="0"/>
-              </a:rPr>
-              <a:t>12/4/21</a:t>
-            </a:fld>
-            <a:endParaRPr lang="en-US">
-              <a:latin typeface="Arial" panose="020B0604020202020204" pitchFamily="34" charset="0"/>
-              <a:cs typeface="Arial" panose="020B0604020202020204" pitchFamily="34" charset="0"/>
-            </a:endParaRPr>
-          </a:p>
-        </p:txBody>
-      </p:sp>
-      <p:sp>
-        <p:nvSpPr>
-          <p:cNvPr id="8" name="Fußzeilenplatzhalter 7">
-            <a:extLst>
-              <a:ext uri="{FF2B5EF4-FFF2-40B4-BE49-F238E27FC236}">
-                <a16:creationId xmlns:a16="http://schemas.microsoft.com/office/drawing/2014/main" id="{913C50C9-A33D-4041-AB1A-D4A8B33F9554}"/>
-              </a:ext>
-            </a:extLst>
-          </p:cNvPr>
-          <p:cNvSpPr>
-            <a:spLocks noGrp="1"/>
-          </p:cNvSpPr>
-          <p:nvPr>
-            <p:ph type="ftr" sz="quarter" idx="11"/>
-          </p:nvPr>
-        </p:nvSpPr>
-        <p:spPr/>
-        <p:txBody>
-          <a:bodyPr/>
-          <a:lstStyle/>
-          <a:p>
-            <a:r>
-              <a:rPr lang="en-US">
-                <a:latin typeface="Arial" panose="020B0604020202020204" pitchFamily="34" charset="0"/>
-                <a:cs typeface="Arial" panose="020B0604020202020204" pitchFamily="34" charset="0"/>
-              </a:rPr>
-              <a:t>Job Title Matching</a:t>
-            </a:r>
-          </a:p>
-        </p:txBody>
-      </p:sp>
-      <p:sp>
-        <p:nvSpPr>
-          <p:cNvPr id="9" name="Foliennummernplatzhalter 8">
-            <a:extLst>
-              <a:ext uri="{FF2B5EF4-FFF2-40B4-BE49-F238E27FC236}">
-                <a16:creationId xmlns:a16="http://schemas.microsoft.com/office/drawing/2014/main" id="{12340E6D-B84A-A64B-8D5D-D8F188CD5B48}"/>
-              </a:ext>
-            </a:extLst>
-          </p:cNvPr>
-          <p:cNvSpPr>
-            <a:spLocks noGrp="1"/>
-          </p:cNvSpPr>
-          <p:nvPr>
-            <p:ph type="sldNum" sz="quarter" idx="12"/>
-          </p:nvPr>
-        </p:nvSpPr>
-        <p:spPr/>
-        <p:txBody>
-          <a:bodyPr/>
-          <a:lstStyle/>
-          <a:p>
-            <a:fld id="{27B3030E-9675-7D44-A4BE-C7E44D426E4F}" type="slidenum">
-              <a:rPr lang="en-US" smtClean="0">
-                <a:latin typeface="Arial" panose="020B0604020202020204" pitchFamily="34" charset="0"/>
-                <a:cs typeface="Arial" panose="020B0604020202020204" pitchFamily="34" charset="0"/>
-              </a:rPr>
-              <a:t>2</a:t>
-            </a:fld>
-            <a:endParaRPr lang="en-US">
-              <a:latin typeface="Arial" panose="020B0604020202020204" pitchFamily="34" charset="0"/>
-              <a:cs typeface="Arial" panose="020B0604020202020204" pitchFamily="34" charset="0"/>
-            </a:endParaRPr>
-          </a:p>
-        </p:txBody>
-      </p:sp>
-    </p:spTree>
-    <p:extLst>
-      <p:ext uri="{BB962C8B-B14F-4D97-AF65-F5344CB8AC3E}">
-        <p14:creationId xmlns:p14="http://schemas.microsoft.com/office/powerpoint/2010/main" val="2748573143"/>
-      </p:ext>
-    </p:extLst>
-  </p:cSld>
-  <p:clrMapOvr>
-    <a:masterClrMapping/>
-  </p:clrMapOvr>
-</p:sld>
-</file>
-
-<file path=ppt/slides/slide20.xml><?xml version="1.0" encoding="utf-8"?>
-<p:sld xmlns:a="http://schemas.openxmlformats.org/drawingml/2006/main" xmlns:r="http://schemas.openxmlformats.org/officeDocument/2006/relationships" xmlns:p="http://schemas.openxmlformats.org/presentationml/2006/main">
-  <p:cSld>
-    <p:spTree>
-      <p:nvGrpSpPr>
-        <p:cNvPr id="1" name=""/>
-        <p:cNvGrpSpPr/>
-        <p:nvPr/>
-      </p:nvGrpSpPr>
-      <p:grpSpPr>
-        <a:xfrm>
-          <a:off x="0" y="0"/>
-          <a:ext cx="0" cy="0"/>
-          <a:chOff x="0" y="0"/>
-          <a:chExt cx="0" cy="0"/>
-        </a:xfrm>
-      </p:grpSpPr>
-      <p:sp>
-        <p:nvSpPr>
-          <p:cNvPr id="3" name="Inhaltsplatzhalter 2">
-            <a:extLst>
-              <a:ext uri="{FF2B5EF4-FFF2-40B4-BE49-F238E27FC236}">
-                <a16:creationId xmlns:a16="http://schemas.microsoft.com/office/drawing/2014/main" id="{82447E3F-1B07-F74A-8D5D-86F34EA8FDCF}"/>
-              </a:ext>
-            </a:extLst>
-          </p:cNvPr>
-          <p:cNvSpPr>
-            <a:spLocks noGrp="1"/>
-          </p:cNvSpPr>
-          <p:nvPr>
-            <p:ph idx="1"/>
-          </p:nvPr>
-        </p:nvSpPr>
-        <p:spPr>
-          <a:xfrm>
-            <a:off x="501316" y="1939925"/>
-            <a:ext cx="10515600" cy="4351338"/>
-          </a:xfrm>
-        </p:spPr>
-        <p:txBody>
-          <a:bodyPr>
-            <a:normAutofit/>
-          </a:bodyPr>
-          <a:lstStyle/>
-          <a:p>
-            <a:pPr marL="0" indent="0">
-              <a:lnSpc>
-                <a:spcPct val="210000"/>
-              </a:lnSpc>
-              <a:buNone/>
-            </a:pPr>
-            <a:r>
-              <a:rPr lang="en-GB">
-                <a:latin typeface="Arial" panose="020B0604020202020204" pitchFamily="34" charset="0"/>
-                <a:cs typeface="Arial" panose="020B0604020202020204" pitchFamily="34" charset="0"/>
-              </a:rPr>
-              <a:t> </a:t>
-            </a:r>
-          </a:p>
-        </p:txBody>
-      </p:sp>
-      <p:sp>
-        <p:nvSpPr>
-          <p:cNvPr id="4" name="Rechteck 3">
-            <a:extLst>
-              <a:ext uri="{FF2B5EF4-FFF2-40B4-BE49-F238E27FC236}">
-                <a16:creationId xmlns:a16="http://schemas.microsoft.com/office/drawing/2014/main" id="{3D453608-4FEF-6F4A-AC80-3124CE49AE26}"/>
-              </a:ext>
-            </a:extLst>
-          </p:cNvPr>
-          <p:cNvSpPr/>
-          <p:nvPr/>
-        </p:nvSpPr>
-        <p:spPr>
-          <a:xfrm>
-            <a:off x="0" y="703897"/>
-            <a:ext cx="12192000" cy="884271"/>
-          </a:xfrm>
-          <a:prstGeom prst="rect">
-            <a:avLst/>
-          </a:prstGeom>
-          <a:solidFill>
-            <a:srgbClr val="01ACE8"/>
-          </a:solidFill>
-          <a:ln>
-            <a:noFill/>
-          </a:ln>
-        </p:spPr>
-        <p:style>
-          <a:lnRef idx="2">
-            <a:schemeClr val="accent1">
-              <a:shade val="50000"/>
-            </a:schemeClr>
-          </a:lnRef>
-          <a:fillRef idx="1">
-            <a:schemeClr val="accent1"/>
-          </a:fillRef>
-          <a:effectRef idx="0">
-            <a:schemeClr val="accent1"/>
-          </a:effectRef>
-          <a:fontRef idx="minor">
-            <a:schemeClr val="lt1"/>
-          </a:fontRef>
-        </p:style>
-        <p:txBody>
-          <a:bodyPr rtlCol="0" anchor="ctr"/>
-          <a:lstStyle/>
-          <a:p>
-            <a:r>
               <a:rPr lang="en-GB" sz="4000">
                 <a:solidFill>
                   <a:schemeClr val="tx1"/>
@@ -7651,7 +9375,7 @@
                 <a:latin typeface="Arial" panose="020B0604020202020204" pitchFamily="34" charset="0"/>
                 <a:cs typeface="Arial" panose="020B0604020202020204" pitchFamily="34" charset="0"/>
               </a:rPr>
-              <a:t>20</a:t>
+              <a:t>23</a:t>
             </a:fld>
             <a:endParaRPr lang="en-GB">
               <a:latin typeface="Arial" panose="020B0604020202020204" pitchFamily="34" charset="0"/>
@@ -8251,7 +9975,7 @@
 </p:sld>
 </file>
 
-<file path=ppt/slides/slide3.xml><?xml version="1.0" encoding="utf-8"?>
+<file path=ppt/slides/slide24.xml><?xml version="1.0" encoding="utf-8"?>
 <p:sld xmlns:a="http://schemas.openxmlformats.org/drawingml/2006/main" xmlns:r="http://schemas.openxmlformats.org/officeDocument/2006/relationships" xmlns:p="http://schemas.openxmlformats.org/presentationml/2006/main">
   <p:cSld>
     <p:spTree>
@@ -8292,7 +10016,7 @@
         </p:spPr>
         <p:txBody>
           <a:bodyPr>
-            <a:normAutofit/>
+            <a:normAutofit fontScale="70000" lnSpcReduction="20000"/>
           </a:bodyPr>
           <a:lstStyle/>
           <a:p>
@@ -8303,11 +10027,68 @@
               <a:buNone/>
             </a:pPr>
             <a:r>
+              <a:rPr lang="en-US" dirty="0"/>
+              <a:t>Zhu et al 2017</a:t>
+            </a:r>
+          </a:p>
+          <a:p>
+            <a:pPr marL="0" indent="0">
+              <a:lnSpc>
+                <a:spcPct val="210000"/>
+              </a:lnSpc>
+              <a:buNone/>
+            </a:pPr>
+            <a:r>
+              <a:rPr lang="en-US" dirty="0"/>
+              <a:t>Neculoiu et al 2016, </a:t>
+            </a:r>
+          </a:p>
+          <a:p>
+            <a:pPr marL="0" indent="0">
+              <a:lnSpc>
+                <a:spcPct val="210000"/>
+              </a:lnSpc>
+              <a:buNone/>
+            </a:pPr>
+            <a:r>
+              <a:rPr lang="en-US" dirty="0"/>
+              <a:t>Wang et al (2019)</a:t>
+            </a:r>
+          </a:p>
+          <a:p>
+            <a:pPr marL="0" indent="0">
+              <a:lnSpc>
+                <a:spcPct val="210000"/>
+              </a:lnSpc>
+              <a:buNone/>
+            </a:pPr>
+            <a:r>
+              <a:rPr lang="en-US" dirty="0"/>
+              <a:t>Decorte et al. 2021</a:t>
+            </a:r>
+          </a:p>
+          <a:p>
+            <a:pPr marL="0" indent="0">
+              <a:lnSpc>
+                <a:spcPct val="210000"/>
+              </a:lnSpc>
+              <a:buNone/>
+            </a:pPr>
+            <a:endParaRPr lang="de-DE" dirty="0"/>
+          </a:p>
+          <a:p>
+            <a:pPr marL="0" indent="0">
+              <a:lnSpc>
+                <a:spcPct val="210000"/>
+              </a:lnSpc>
+              <a:buNone/>
+            </a:pPr>
+            <a:r>
               <a:rPr lang="en-US" dirty="0">
                 <a:latin typeface="Arial" panose="020B0604020202020204" pitchFamily="34" charset="0"/>
                 <a:cs typeface="Arial" panose="020B0604020202020204" pitchFamily="34" charset="0"/>
               </a:rPr>
-              <a:t>Short </a:t>
+              <a:t> </a:t>
             </a:r>
           </a:p>
         </p:txBody>
@@ -8367,7 +10148,7 @@
                 <a:latin typeface="Arial" panose="020B0604020202020204" pitchFamily="34" charset="0"/>
                 <a:cs typeface="Arial" panose="020B0604020202020204" pitchFamily="34" charset="0"/>
               </a:rPr>
-              <a:t>   Research Task</a:t>
+              <a:t>   Literature </a:t>
             </a:r>
           </a:p>
         </p:txBody>
@@ -8398,7 +10179,7 @@
                 <a:latin typeface="Arial" panose="020B0604020202020204" pitchFamily="34" charset="0"/>
                 <a:cs typeface="Arial" panose="020B0604020202020204" pitchFamily="34" charset="0"/>
               </a:rPr>
-              <a:t>12/4/21</a:t>
+              <a:t>12/5/21</a:t>
             </a:fld>
             <a:endParaRPr lang="en-US">
               <a:latin typeface="Arial" panose="020B0604020202020204" pitchFamily="34" charset="0"/>
@@ -8464,7 +10245,7 @@
                 <a:latin typeface="Arial" panose="020B0604020202020204" pitchFamily="34" charset="0"/>
                 <a:cs typeface="Arial" panose="020B0604020202020204" pitchFamily="34" charset="0"/>
               </a:rPr>
-              <a:t>3</a:t>
+              <a:t>24</a:t>
             </a:fld>
             <a:endParaRPr lang="en-US">
               <a:latin typeface="Arial" panose="020B0604020202020204" pitchFamily="34" charset="0"/>
@@ -8476,7 +10257,7 @@
     </p:spTree>
     <p:extLst>
       <p:ext uri="{BB962C8B-B14F-4D97-AF65-F5344CB8AC3E}">
-        <p14:creationId xmlns:p14="http://schemas.microsoft.com/office/powerpoint/2010/main" val="1234065962"/>
+        <p14:creationId xmlns:p14="http://schemas.microsoft.com/office/powerpoint/2010/main" val="3867153626"/>
       </p:ext>
     </p:extLst>
   </p:cSld>
@@ -8486,7 +10267,7 @@
 </p:sld>
 </file>
 
-<file path=ppt/slides/slide4.xml><?xml version="1.0" encoding="utf-8"?>
+<file path=ppt/slides/slide25.xml><?xml version="1.0" encoding="utf-8"?>
 <p:sld xmlns:a="http://schemas.openxmlformats.org/drawingml/2006/main" xmlns:r="http://schemas.openxmlformats.org/officeDocument/2006/relationships" xmlns:p="http://schemas.openxmlformats.org/presentationml/2006/main">
   <p:cSld>
     <p:spTree>
@@ -8505,6 +10286,173 @@
       </p:grpSpPr>
       <p:sp>
         <p:nvSpPr>
+          <p:cNvPr id="2" name="Titel 1">
+            <a:extLst>
+              <a:ext uri="{FF2B5EF4-FFF2-40B4-BE49-F238E27FC236}">
+                <a16:creationId xmlns:a16="http://schemas.microsoft.com/office/drawing/2014/main" id="{162EDD02-516F-2D49-9EFC-7911BB53C168}"/>
+              </a:ext>
+            </a:extLst>
+          </p:cNvPr>
+          <p:cNvSpPr>
+            <a:spLocks noGrp="1"/>
+          </p:cNvSpPr>
+          <p:nvPr>
+            <p:ph type="title"/>
+          </p:nvPr>
+        </p:nvSpPr>
+        <p:spPr/>
+        <p:txBody>
+          <a:bodyPr/>
+          <a:lstStyle/>
+          <a:p>
+            <a:endParaRPr lang="de-DE"/>
+          </a:p>
+        </p:txBody>
+      </p:sp>
+      <p:sp>
+        <p:nvSpPr>
+          <p:cNvPr id="3" name="Inhaltsplatzhalter 2">
+            <a:extLst>
+              <a:ext uri="{FF2B5EF4-FFF2-40B4-BE49-F238E27FC236}">
+                <a16:creationId xmlns:a16="http://schemas.microsoft.com/office/drawing/2014/main" id="{1375C732-F6B6-AC4D-A703-C7AE9691F0B6}"/>
+              </a:ext>
+            </a:extLst>
+          </p:cNvPr>
+          <p:cNvSpPr>
+            <a:spLocks noGrp="1"/>
+          </p:cNvSpPr>
+          <p:nvPr>
+            <p:ph idx="1"/>
+          </p:nvPr>
+        </p:nvSpPr>
+        <p:spPr/>
+        <p:txBody>
+          <a:bodyPr/>
+          <a:lstStyle/>
+          <a:p>
+            <a:endParaRPr lang="de-DE" dirty="0"/>
+          </a:p>
+        </p:txBody>
+      </p:sp>
+      <p:sp>
+        <p:nvSpPr>
+          <p:cNvPr id="4" name="Datumsplatzhalter 3">
+            <a:extLst>
+              <a:ext uri="{FF2B5EF4-FFF2-40B4-BE49-F238E27FC236}">
+                <a16:creationId xmlns:a16="http://schemas.microsoft.com/office/drawing/2014/main" id="{5F03508E-925A-764A-A44F-3FD83981BA26}"/>
+              </a:ext>
+            </a:extLst>
+          </p:cNvPr>
+          <p:cNvSpPr>
+            <a:spLocks noGrp="1"/>
+          </p:cNvSpPr>
+          <p:nvPr>
+            <p:ph type="dt" sz="half" idx="10"/>
+          </p:nvPr>
+        </p:nvSpPr>
+        <p:spPr/>
+        <p:txBody>
+          <a:bodyPr/>
+          <a:lstStyle/>
+          <a:p>
+            <a:fld id="{AF5AF4E6-E201-4643-B5C8-FBE0D9994D9F}" type="datetime1">
+              <a:rPr lang="de-DE" smtClean="0"/>
+              <a:t>05.12.21</a:t>
+            </a:fld>
+            <a:endParaRPr lang="de-DE"/>
+          </a:p>
+        </p:txBody>
+      </p:sp>
+      <p:sp>
+        <p:nvSpPr>
+          <p:cNvPr id="5" name="Fußzeilenplatzhalter 4">
+            <a:extLst>
+              <a:ext uri="{FF2B5EF4-FFF2-40B4-BE49-F238E27FC236}">
+                <a16:creationId xmlns:a16="http://schemas.microsoft.com/office/drawing/2014/main" id="{7C3CB843-33A0-F947-9977-5D3F2C24447A}"/>
+              </a:ext>
+            </a:extLst>
+          </p:cNvPr>
+          <p:cNvSpPr>
+            <a:spLocks noGrp="1"/>
+          </p:cNvSpPr>
+          <p:nvPr>
+            <p:ph type="ftr" sz="quarter" idx="11"/>
+          </p:nvPr>
+        </p:nvSpPr>
+        <p:spPr/>
+        <p:txBody>
+          <a:bodyPr/>
+          <a:lstStyle/>
+          <a:p>
+            <a:r>
+              <a:rPr lang="de-DE"/>
+              <a:t>Job Title Matching</a:t>
+            </a:r>
+            <a:endParaRPr lang="de-DE" dirty="0"/>
+          </a:p>
+        </p:txBody>
+      </p:sp>
+      <p:sp>
+        <p:nvSpPr>
+          <p:cNvPr id="6" name="Foliennummernplatzhalter 5">
+            <a:extLst>
+              <a:ext uri="{FF2B5EF4-FFF2-40B4-BE49-F238E27FC236}">
+                <a16:creationId xmlns:a16="http://schemas.microsoft.com/office/drawing/2014/main" id="{965BB3C5-EFD1-CD4E-8CAF-7E8A54B287D0}"/>
+              </a:ext>
+            </a:extLst>
+          </p:cNvPr>
+          <p:cNvSpPr>
+            <a:spLocks noGrp="1"/>
+          </p:cNvSpPr>
+          <p:nvPr>
+            <p:ph type="sldNum" sz="quarter" idx="12"/>
+          </p:nvPr>
+        </p:nvSpPr>
+        <p:spPr/>
+        <p:txBody>
+          <a:bodyPr/>
+          <a:lstStyle/>
+          <a:p>
+            <a:fld id="{27B3030E-9675-7D44-A4BE-C7E44D426E4F}" type="slidenum">
+              <a:rPr lang="de-DE" smtClean="0"/>
+              <a:t>25</a:t>
+            </a:fld>
+            <a:endParaRPr lang="de-DE"/>
+          </a:p>
+        </p:txBody>
+      </p:sp>
+    </p:spTree>
+    <p:extLst>
+      <p:ext uri="{BB962C8B-B14F-4D97-AF65-F5344CB8AC3E}">
+        <p14:creationId xmlns:p14="http://schemas.microsoft.com/office/powerpoint/2010/main" val="323386167"/>
+      </p:ext>
+    </p:extLst>
+  </p:cSld>
+  <p:clrMapOvr>
+    <a:masterClrMapping/>
+  </p:clrMapOvr>
+</p:sld>
+</file>
+
+<file path=ppt/slides/slide3.xml><?xml version="1.0" encoding="utf-8"?>
+<p:sld xmlns:a="http://schemas.openxmlformats.org/drawingml/2006/main" xmlns:r="http://schemas.openxmlformats.org/officeDocument/2006/relationships" xmlns:p="http://schemas.openxmlformats.org/presentationml/2006/main">
+  <p:cSld>
+    <p:spTree>
+      <p:nvGrpSpPr>
+        <p:cNvPr id="1" name=""/>
+        <p:cNvGrpSpPr/>
+        <p:nvPr/>
+      </p:nvGrpSpPr>
+      <p:grpSpPr>
+        <a:xfrm>
+          <a:off x="0" y="0"/>
+          <a:ext cx="0" cy="0"/>
+          <a:chOff x="0" y="0"/>
+          <a:chExt cx="0" cy="0"/>
+        </a:xfrm>
+      </p:grpSpPr>
+      <p:sp>
+        <p:nvSpPr>
           <p:cNvPr id="3" name="Inhaltsplatzhalter 2">
             <a:extLst>
               <a:ext uri="{FF2B5EF4-FFF2-40B4-BE49-F238E27FC236}">
@@ -8539,10 +10487,10 @@
             </a:pPr>
             <a:r>
               <a:rPr lang="en-US" dirty="0">
-                <a:latin typeface="Arial" panose="020B0604020202020204" pitchFamily="34" charset="0"/>
-                <a:cs typeface="Arial" panose="020B0604020202020204" pitchFamily="34" charset="0"/>
-              </a:rPr>
-              <a:t>Short </a:t>
+                <a:latin typeface="Calibri" panose="020F0502020204030204" pitchFamily="34" charset="0"/>
+                <a:cs typeface="Calibri" panose="020F0502020204030204" pitchFamily="34" charset="0"/>
+              </a:rPr>
+              <a:t>Improve the classification of job titles of German job postings with the Taxonomy KldB 2010 with different vectorization techniques based on the challenges of short text classification.  </a:t>
             </a:r>
           </a:p>
         </p:txBody>
@@ -8599,10 +10547,10 @@
                 <a:solidFill>
                   <a:schemeClr val="tx1"/>
                 </a:solidFill>
-                <a:latin typeface="Arial" panose="020B0604020202020204" pitchFamily="34" charset="0"/>
-                <a:cs typeface="Arial" panose="020B0604020202020204" pitchFamily="34" charset="0"/>
-              </a:rPr>
-              <a:t>   Related Work</a:t>
+                <a:latin typeface="Calibri" panose="020F0502020204030204" pitchFamily="34" charset="0"/>
+                <a:cs typeface="Calibri" panose="020F0502020204030204" pitchFamily="34" charset="0"/>
+              </a:rPr>
+              <a:t>   Research Task</a:t>
             </a:r>
           </a:p>
         </p:txBody>
@@ -8630,14 +10578,14 @@
           <a:p>
             <a:fld id="{224DF8BC-E337-3D43-A838-E92C1E5EB737}" type="datetime1">
               <a:rPr lang="en-US" smtClean="0">
-                <a:latin typeface="Arial" panose="020B0604020202020204" pitchFamily="34" charset="0"/>
-                <a:cs typeface="Arial" panose="020B0604020202020204" pitchFamily="34" charset="0"/>
+                <a:latin typeface="Calibri" panose="020F0502020204030204" pitchFamily="34" charset="0"/>
+                <a:cs typeface="Calibri" panose="020F0502020204030204" pitchFamily="34" charset="0"/>
               </a:rPr>
               <a:t>12/4/21</a:t>
             </a:fld>
             <a:endParaRPr lang="en-US">
-              <a:latin typeface="Arial" panose="020B0604020202020204" pitchFamily="34" charset="0"/>
-              <a:cs typeface="Arial" panose="020B0604020202020204" pitchFamily="34" charset="0"/>
+              <a:latin typeface="Calibri" panose="020F0502020204030204" pitchFamily="34" charset="0"/>
+              <a:cs typeface="Calibri" panose="020F0502020204030204" pitchFamily="34" charset="0"/>
             </a:endParaRPr>
           </a:p>
         </p:txBody>
@@ -8665,8 +10613,8 @@
           <a:p>
             <a:r>
               <a:rPr lang="en-US">
-                <a:latin typeface="Arial" panose="020B0604020202020204" pitchFamily="34" charset="0"/>
-                <a:cs typeface="Arial" panose="020B0604020202020204" pitchFamily="34" charset="0"/>
+                <a:latin typeface="Calibri" panose="020F0502020204030204" pitchFamily="34" charset="0"/>
+                <a:cs typeface="Calibri" panose="020F0502020204030204" pitchFamily="34" charset="0"/>
               </a:rPr>
               <a:t>Job Title Matching</a:t>
             </a:r>
@@ -8696,14 +10644,14 @@
           <a:p>
             <a:fld id="{27B3030E-9675-7D44-A4BE-C7E44D426E4F}" type="slidenum">
               <a:rPr lang="en-US" smtClean="0">
-                <a:latin typeface="Arial" panose="020B0604020202020204" pitchFamily="34" charset="0"/>
-                <a:cs typeface="Arial" panose="020B0604020202020204" pitchFamily="34" charset="0"/>
-              </a:rPr>
-              <a:t>4</a:t>
+                <a:latin typeface="Calibri" panose="020F0502020204030204" pitchFamily="34" charset="0"/>
+                <a:cs typeface="Calibri" panose="020F0502020204030204" pitchFamily="34" charset="0"/>
+              </a:rPr>
+              <a:t>3</a:t>
             </a:fld>
             <a:endParaRPr lang="en-US">
-              <a:latin typeface="Arial" panose="020B0604020202020204" pitchFamily="34" charset="0"/>
-              <a:cs typeface="Arial" panose="020B0604020202020204" pitchFamily="34" charset="0"/>
+              <a:latin typeface="Calibri" panose="020F0502020204030204" pitchFamily="34" charset="0"/>
+              <a:cs typeface="Calibri" panose="020F0502020204030204" pitchFamily="34" charset="0"/>
             </a:endParaRPr>
           </a:p>
         </p:txBody>
@@ -8711,7 +10659,7 @@
     </p:spTree>
     <p:extLst>
       <p:ext uri="{BB962C8B-B14F-4D97-AF65-F5344CB8AC3E}">
-        <p14:creationId xmlns:p14="http://schemas.microsoft.com/office/powerpoint/2010/main" val="473360808"/>
+        <p14:creationId xmlns:p14="http://schemas.microsoft.com/office/powerpoint/2010/main" val="1234065962"/>
       </p:ext>
     </p:extLst>
   </p:cSld>
@@ -8721,7 +10669,7 @@
 </p:sld>
 </file>
 
-<file path=ppt/slides/slide5.xml><?xml version="1.0" encoding="utf-8"?>
+<file path=ppt/slides/slide4.xml><?xml version="1.0" encoding="utf-8"?>
 <p:sld xmlns:a="http://schemas.openxmlformats.org/drawingml/2006/main" xmlns:r="http://schemas.openxmlformats.org/officeDocument/2006/relationships" xmlns:p="http://schemas.openxmlformats.org/presentationml/2006/main">
   <p:cSld>
     <p:spTree>
@@ -8738,50 +10686,6 @@
           <a:chExt cx="0" cy="0"/>
         </a:xfrm>
       </p:grpSpPr>
-      <p:sp>
-        <p:nvSpPr>
-          <p:cNvPr id="3" name="Inhaltsplatzhalter 2">
-            <a:extLst>
-              <a:ext uri="{FF2B5EF4-FFF2-40B4-BE49-F238E27FC236}">
-                <a16:creationId xmlns:a16="http://schemas.microsoft.com/office/drawing/2014/main" id="{82447E3F-1B07-F74A-8D5D-86F34EA8FDCF}"/>
-              </a:ext>
-            </a:extLst>
-          </p:cNvPr>
-          <p:cNvSpPr>
-            <a:spLocks noGrp="1"/>
-          </p:cNvSpPr>
-          <p:nvPr>
-            <p:ph idx="1"/>
-          </p:nvPr>
-        </p:nvSpPr>
-        <p:spPr>
-          <a:xfrm>
-            <a:off x="501316" y="1939925"/>
-            <a:ext cx="10515600" cy="4351338"/>
-          </a:xfrm>
-        </p:spPr>
-        <p:txBody>
-          <a:bodyPr>
-            <a:normAutofit/>
-          </a:bodyPr>
-          <a:lstStyle/>
-          <a:p>
-            <a:pPr marL="0" indent="0">
-              <a:lnSpc>
-                <a:spcPct val="210000"/>
-              </a:lnSpc>
-              <a:buNone/>
-            </a:pPr>
-            <a:r>
-              <a:rPr lang="en-US" dirty="0">
-                <a:latin typeface="Arial" panose="020B0604020202020204" pitchFamily="34" charset="0"/>
-                <a:cs typeface="Arial" panose="020B0604020202020204" pitchFamily="34" charset="0"/>
-              </a:rPr>
-              <a:t>Short </a:t>
-            </a:r>
-          </a:p>
-        </p:txBody>
-      </p:sp>
       <p:sp>
         <p:nvSpPr>
           <p:cNvPr id="4" name="Rechteck 3">
@@ -8834,10 +10738,10 @@
                 <a:solidFill>
                   <a:schemeClr val="tx1"/>
                 </a:solidFill>
-                <a:latin typeface="Arial" panose="020B0604020202020204" pitchFamily="34" charset="0"/>
-                <a:cs typeface="Arial" panose="020B0604020202020204" pitchFamily="34" charset="0"/>
-              </a:rPr>
-              <a:t>   Research Gap</a:t>
+                <a:latin typeface="Calibri" panose="020F0502020204030204" pitchFamily="34" charset="0"/>
+                <a:cs typeface="Calibri" panose="020F0502020204030204" pitchFamily="34" charset="0"/>
+              </a:rPr>
+              <a:t>   Related Work – Challenges </a:t>
             </a:r>
           </a:p>
         </p:txBody>
@@ -8865,14 +10769,14 @@
           <a:p>
             <a:fld id="{224DF8BC-E337-3D43-A838-E92C1E5EB737}" type="datetime1">
               <a:rPr lang="en-US" smtClean="0">
-                <a:latin typeface="Arial" panose="020B0604020202020204" pitchFamily="34" charset="0"/>
-                <a:cs typeface="Arial" panose="020B0604020202020204" pitchFamily="34" charset="0"/>
-              </a:rPr>
-              <a:t>12/4/21</a:t>
+                <a:latin typeface="Calibri" panose="020F0502020204030204" pitchFamily="34" charset="0"/>
+                <a:cs typeface="Calibri" panose="020F0502020204030204" pitchFamily="34" charset="0"/>
+              </a:rPr>
+              <a:t>12/5/21</a:t>
             </a:fld>
             <a:endParaRPr lang="en-US">
-              <a:latin typeface="Arial" panose="020B0604020202020204" pitchFamily="34" charset="0"/>
-              <a:cs typeface="Arial" panose="020B0604020202020204" pitchFamily="34" charset="0"/>
+              <a:latin typeface="Calibri" panose="020F0502020204030204" pitchFamily="34" charset="0"/>
+              <a:cs typeface="Calibri" panose="020F0502020204030204" pitchFamily="34" charset="0"/>
             </a:endParaRPr>
           </a:p>
         </p:txBody>
@@ -8900,8 +10804,8 @@
           <a:p>
             <a:r>
               <a:rPr lang="en-US">
-                <a:latin typeface="Arial" panose="020B0604020202020204" pitchFamily="34" charset="0"/>
-                <a:cs typeface="Arial" panose="020B0604020202020204" pitchFamily="34" charset="0"/>
+                <a:latin typeface="Calibri" panose="020F0502020204030204" pitchFamily="34" charset="0"/>
+                <a:cs typeface="Calibri" panose="020F0502020204030204" pitchFamily="34" charset="0"/>
               </a:rPr>
               <a:t>Job Title Matching</a:t>
             </a:r>
@@ -8931,14 +10835,340 @@
           <a:p>
             <a:fld id="{27B3030E-9675-7D44-A4BE-C7E44D426E4F}" type="slidenum">
               <a:rPr lang="en-US" smtClean="0">
-                <a:latin typeface="Arial" panose="020B0604020202020204" pitchFamily="34" charset="0"/>
-                <a:cs typeface="Arial" panose="020B0604020202020204" pitchFamily="34" charset="0"/>
-              </a:rPr>
-              <a:t>5</a:t>
+                <a:latin typeface="Calibri" panose="020F0502020204030204" pitchFamily="34" charset="0"/>
+                <a:cs typeface="Calibri" panose="020F0502020204030204" pitchFamily="34" charset="0"/>
+              </a:rPr>
+              <a:t>4</a:t>
             </a:fld>
-            <a:endParaRPr lang="en-US">
-              <a:latin typeface="Arial" panose="020B0604020202020204" pitchFamily="34" charset="0"/>
-              <a:cs typeface="Arial" panose="020B0604020202020204" pitchFamily="34" charset="0"/>
+            <a:endParaRPr lang="en-US" dirty="0">
+              <a:latin typeface="Calibri" panose="020F0502020204030204" pitchFamily="34" charset="0"/>
+              <a:cs typeface="Calibri" panose="020F0502020204030204" pitchFamily="34" charset="0"/>
+            </a:endParaRPr>
+          </a:p>
+        </p:txBody>
+      </p:sp>
+      <p:sp>
+        <p:nvSpPr>
+          <p:cNvPr id="2" name="Textfeld 1">
+            <a:extLst>
+              <a:ext uri="{FF2B5EF4-FFF2-40B4-BE49-F238E27FC236}">
+                <a16:creationId xmlns:a16="http://schemas.microsoft.com/office/drawing/2014/main" id="{014EBC7B-97CA-E042-841C-E28C18811CC9}"/>
+              </a:ext>
+            </a:extLst>
+          </p:cNvPr>
+          <p:cNvSpPr txBox="1"/>
+          <p:nvPr/>
+        </p:nvSpPr>
+        <p:spPr>
+          <a:xfrm>
+            <a:off x="444500" y="2032907"/>
+            <a:ext cx="3048000" cy="4247317"/>
+          </a:xfrm>
+          <a:prstGeom prst="rect">
+            <a:avLst/>
+          </a:prstGeom>
+          <a:noFill/>
+          <a:ln w="28575">
+            <a:solidFill>
+              <a:schemeClr val="tx1"/>
+            </a:solidFill>
+          </a:ln>
+        </p:spPr>
+        <p:txBody>
+          <a:bodyPr wrap="square" rtlCol="0">
+            <a:spAutoFit/>
+          </a:bodyPr>
+          <a:lstStyle/>
+          <a:p>
+            <a:r>
+              <a:rPr lang="en-US" sz="2000" b="1" dirty="0">
+                <a:latin typeface="Calibri" panose="020F0502020204030204" pitchFamily="34" charset="0"/>
+                <a:cs typeface="Calibri" panose="020F0502020204030204" pitchFamily="34" charset="0"/>
+              </a:rPr>
+              <a:t>Domain-specific</a:t>
+            </a:r>
+          </a:p>
+          <a:p>
+            <a:r>
+              <a:rPr lang="en-US" dirty="0">
+                <a:latin typeface="Calibri" panose="020F0502020204030204" pitchFamily="34" charset="0"/>
+                <a:cs typeface="Calibri" panose="020F0502020204030204" pitchFamily="34" charset="0"/>
+              </a:rPr>
+              <a:t>some work for the English-speaking job market </a:t>
+            </a:r>
+          </a:p>
+          <a:p>
+            <a:endParaRPr lang="en-US" dirty="0">
+              <a:latin typeface="Calibri" panose="020F0502020204030204" pitchFamily="34" charset="0"/>
+              <a:cs typeface="Calibri" panose="020F0502020204030204" pitchFamily="34" charset="0"/>
+            </a:endParaRPr>
+          </a:p>
+          <a:p>
+            <a:r>
+              <a:rPr lang="en-US" dirty="0">
+                <a:latin typeface="Calibri" panose="020F0502020204030204" pitchFamily="34" charset="0"/>
+                <a:cs typeface="Calibri" panose="020F0502020204030204" pitchFamily="34" charset="0"/>
+              </a:rPr>
+              <a:t>traditional (Zhu et al 2017) vs. Deep Learning Methods (Neculoiu et al 2016)</a:t>
+            </a:r>
+          </a:p>
+          <a:p>
+            <a:endParaRPr lang="en-US" dirty="0">
+              <a:latin typeface="Calibri" panose="020F0502020204030204" pitchFamily="34" charset="0"/>
+              <a:cs typeface="Calibri" panose="020F0502020204030204" pitchFamily="34" charset="0"/>
+            </a:endParaRPr>
+          </a:p>
+          <a:p>
+            <a:r>
+              <a:rPr lang="en-US" dirty="0">
+                <a:latin typeface="Calibri" panose="020F0502020204030204" pitchFamily="34" charset="0"/>
+                <a:cs typeface="Calibri" panose="020F0502020204030204" pitchFamily="34" charset="0"/>
+              </a:rPr>
+              <a:t>framing as classification task (Wang et al. 2019) vs. framing as a string representation approach of similar job titles (Decorte et al. 2021)</a:t>
+            </a:r>
+          </a:p>
+          <a:p>
+            <a:endParaRPr lang="en-US" b="1" dirty="0">
+              <a:latin typeface="Calibri" panose="020F0502020204030204" pitchFamily="34" charset="0"/>
+              <a:cs typeface="Calibri" panose="020F0502020204030204" pitchFamily="34" charset="0"/>
+            </a:endParaRPr>
+          </a:p>
+          <a:p>
+            <a:endParaRPr lang="en-US" b="1" dirty="0">
+              <a:latin typeface="Calibri" panose="020F0502020204030204" pitchFamily="34" charset="0"/>
+              <a:cs typeface="Calibri" panose="020F0502020204030204" pitchFamily="34" charset="0"/>
+            </a:endParaRPr>
+          </a:p>
+        </p:txBody>
+      </p:sp>
+      <p:sp>
+        <p:nvSpPr>
+          <p:cNvPr id="13" name="Textfeld 12">
+            <a:extLst>
+              <a:ext uri="{FF2B5EF4-FFF2-40B4-BE49-F238E27FC236}">
+                <a16:creationId xmlns:a16="http://schemas.microsoft.com/office/drawing/2014/main" id="{4ECAB83D-2554-484C-B408-DE1345841FB1}"/>
+              </a:ext>
+            </a:extLst>
+          </p:cNvPr>
+          <p:cNvSpPr txBox="1"/>
+          <p:nvPr/>
+        </p:nvSpPr>
+        <p:spPr>
+          <a:xfrm>
+            <a:off x="8699500" y="2032907"/>
+            <a:ext cx="3048000" cy="4185761"/>
+          </a:xfrm>
+          <a:prstGeom prst="rect">
+            <a:avLst/>
+          </a:prstGeom>
+          <a:noFill/>
+          <a:ln w="28575">
+            <a:solidFill>
+              <a:schemeClr val="tx1"/>
+            </a:solidFill>
+          </a:ln>
+        </p:spPr>
+        <p:txBody>
+          <a:bodyPr wrap="square" rtlCol="0">
+            <a:spAutoFit/>
+          </a:bodyPr>
+          <a:lstStyle/>
+          <a:p>
+            <a:endParaRPr lang="en-US" sz="2000" b="1" dirty="0">
+              <a:latin typeface="Calibri" panose="020F0502020204030204" pitchFamily="34" charset="0"/>
+              <a:cs typeface="Calibri" panose="020F0502020204030204" pitchFamily="34" charset="0"/>
+            </a:endParaRPr>
+          </a:p>
+          <a:p>
+            <a:endParaRPr lang="en-US" sz="2000" b="1" dirty="0">
+              <a:latin typeface="Calibri" panose="020F0502020204030204" pitchFamily="34" charset="0"/>
+              <a:cs typeface="Calibri" panose="020F0502020204030204" pitchFamily="34" charset="0"/>
+            </a:endParaRPr>
+          </a:p>
+          <a:p>
+            <a:endParaRPr lang="en-US" sz="2000" b="1" dirty="0">
+              <a:latin typeface="Calibri" panose="020F0502020204030204" pitchFamily="34" charset="0"/>
+              <a:cs typeface="Calibri" panose="020F0502020204030204" pitchFamily="34" charset="0"/>
+            </a:endParaRPr>
+          </a:p>
+          <a:p>
+            <a:endParaRPr lang="en-US" sz="2000" b="1" dirty="0">
+              <a:latin typeface="Calibri" panose="020F0502020204030204" pitchFamily="34" charset="0"/>
+              <a:cs typeface="Calibri" panose="020F0502020204030204" pitchFamily="34" charset="0"/>
+            </a:endParaRPr>
+          </a:p>
+          <a:p>
+            <a:endParaRPr lang="en-US" sz="2000" b="1" dirty="0">
+              <a:latin typeface="Calibri" panose="020F0502020204030204" pitchFamily="34" charset="0"/>
+              <a:cs typeface="Calibri" panose="020F0502020204030204" pitchFamily="34" charset="0"/>
+            </a:endParaRPr>
+          </a:p>
+          <a:p>
+            <a:endParaRPr lang="en-US" sz="2000" b="1" dirty="0">
+              <a:latin typeface="Calibri" panose="020F0502020204030204" pitchFamily="34" charset="0"/>
+              <a:cs typeface="Calibri" panose="020F0502020204030204" pitchFamily="34" charset="0"/>
+            </a:endParaRPr>
+          </a:p>
+          <a:p>
+            <a:pPr algn="ctr"/>
+            <a:r>
+              <a:rPr lang="en-US" sz="2000" b="1" dirty="0">
+                <a:latin typeface="Calibri" panose="020F0502020204030204" pitchFamily="34" charset="0"/>
+                <a:cs typeface="Calibri" panose="020F0502020204030204" pitchFamily="34" charset="0"/>
+              </a:rPr>
+              <a:t>Short Text </a:t>
+            </a:r>
+            <a:endParaRPr lang="en-US" dirty="0">
+              <a:latin typeface="Calibri" panose="020F0502020204030204" pitchFamily="34" charset="0"/>
+              <a:cs typeface="Calibri" panose="020F0502020204030204" pitchFamily="34" charset="0"/>
+            </a:endParaRPr>
+          </a:p>
+          <a:p>
+            <a:endParaRPr lang="en-US" b="1" dirty="0">
+              <a:latin typeface="Calibri" panose="020F0502020204030204" pitchFamily="34" charset="0"/>
+              <a:cs typeface="Calibri" panose="020F0502020204030204" pitchFamily="34" charset="0"/>
+            </a:endParaRPr>
+          </a:p>
+          <a:p>
+            <a:endParaRPr lang="en-US" b="1" dirty="0">
+              <a:latin typeface="Calibri" panose="020F0502020204030204" pitchFamily="34" charset="0"/>
+              <a:cs typeface="Calibri" panose="020F0502020204030204" pitchFamily="34" charset="0"/>
+            </a:endParaRPr>
+          </a:p>
+          <a:p>
+            <a:endParaRPr lang="en-US" b="1" dirty="0">
+              <a:latin typeface="Calibri" panose="020F0502020204030204" pitchFamily="34" charset="0"/>
+              <a:cs typeface="Calibri" panose="020F0502020204030204" pitchFamily="34" charset="0"/>
+            </a:endParaRPr>
+          </a:p>
+          <a:p>
+            <a:endParaRPr lang="en-US" b="1" dirty="0">
+              <a:latin typeface="Calibri" panose="020F0502020204030204" pitchFamily="34" charset="0"/>
+              <a:cs typeface="Calibri" panose="020F0502020204030204" pitchFamily="34" charset="0"/>
+            </a:endParaRPr>
+          </a:p>
+          <a:p>
+            <a:endParaRPr lang="en-US" b="1" dirty="0">
+              <a:latin typeface="Calibri" panose="020F0502020204030204" pitchFamily="34" charset="0"/>
+              <a:cs typeface="Calibri" panose="020F0502020204030204" pitchFamily="34" charset="0"/>
+            </a:endParaRPr>
+          </a:p>
+          <a:p>
+            <a:endParaRPr lang="en-US" b="1" dirty="0">
+              <a:latin typeface="Calibri" panose="020F0502020204030204" pitchFamily="34" charset="0"/>
+              <a:cs typeface="Calibri" panose="020F0502020204030204" pitchFamily="34" charset="0"/>
+            </a:endParaRPr>
+          </a:p>
+          <a:p>
+            <a:endParaRPr lang="en-US" b="1" dirty="0">
+              <a:latin typeface="Calibri" panose="020F0502020204030204" pitchFamily="34" charset="0"/>
+              <a:cs typeface="Calibri" panose="020F0502020204030204" pitchFamily="34" charset="0"/>
+            </a:endParaRPr>
+          </a:p>
+        </p:txBody>
+      </p:sp>
+      <p:sp>
+        <p:nvSpPr>
+          <p:cNvPr id="14" name="Textfeld 13">
+            <a:extLst>
+              <a:ext uri="{FF2B5EF4-FFF2-40B4-BE49-F238E27FC236}">
+                <a16:creationId xmlns:a16="http://schemas.microsoft.com/office/drawing/2014/main" id="{A7D6ADEE-34CD-4040-A46B-E10CED1A27FE}"/>
+              </a:ext>
+            </a:extLst>
+          </p:cNvPr>
+          <p:cNvSpPr txBox="1"/>
+          <p:nvPr/>
+        </p:nvSpPr>
+        <p:spPr>
+          <a:xfrm>
+            <a:off x="4572000" y="2032907"/>
+            <a:ext cx="3048000" cy="4247317"/>
+          </a:xfrm>
+          <a:prstGeom prst="rect">
+            <a:avLst/>
+          </a:prstGeom>
+          <a:noFill/>
+          <a:ln w="28575">
+            <a:solidFill>
+              <a:schemeClr val="tx1"/>
+            </a:solidFill>
+          </a:ln>
+        </p:spPr>
+        <p:txBody>
+          <a:bodyPr wrap="square" rtlCol="0">
+            <a:spAutoFit/>
+          </a:bodyPr>
+          <a:lstStyle/>
+          <a:p>
+            <a:r>
+              <a:rPr lang="en-US" sz="2000" b="1" dirty="0">
+                <a:latin typeface="Calibri" panose="020F0502020204030204" pitchFamily="34" charset="0"/>
+                <a:cs typeface="Calibri" panose="020F0502020204030204" pitchFamily="34" charset="0"/>
+              </a:rPr>
+              <a:t>Multiclass</a:t>
+            </a:r>
+          </a:p>
+          <a:p>
+            <a:r>
+              <a:rPr lang="en-US" dirty="0">
+                <a:latin typeface="Calibri" panose="020F0502020204030204" pitchFamily="34" charset="0"/>
+                <a:cs typeface="Calibri" panose="020F0502020204030204" pitchFamily="34" charset="0"/>
+              </a:rPr>
+              <a:t>decomposition into multiple binary problems vs. naturally handling </a:t>
+            </a:r>
+          </a:p>
+          <a:p>
+            <a:endParaRPr lang="en-US" dirty="0">
+              <a:latin typeface="Calibri" panose="020F0502020204030204" pitchFamily="34" charset="0"/>
+              <a:cs typeface="Calibri" panose="020F0502020204030204" pitchFamily="34" charset="0"/>
+            </a:endParaRPr>
+          </a:p>
+          <a:p>
+            <a:r>
+              <a:rPr lang="en-US" dirty="0">
+                <a:latin typeface="Calibri" panose="020F0502020204030204" pitchFamily="34" charset="0"/>
+                <a:cs typeface="Calibri" panose="020F0502020204030204" pitchFamily="34" charset="0"/>
+              </a:rPr>
+              <a:t>no clear answer so far</a:t>
+            </a:r>
+          </a:p>
+          <a:p>
+            <a:endParaRPr lang="en-US" dirty="0">
+              <a:latin typeface="Calibri" panose="020F0502020204030204" pitchFamily="34" charset="0"/>
+              <a:cs typeface="Calibri" panose="020F0502020204030204" pitchFamily="34" charset="0"/>
+            </a:endParaRPr>
+          </a:p>
+          <a:p>
+            <a:r>
+              <a:rPr lang="en-US" dirty="0">
+                <a:latin typeface="Calibri" panose="020F0502020204030204" pitchFamily="34" charset="0"/>
+                <a:cs typeface="Calibri" panose="020F0502020204030204" pitchFamily="34" charset="0"/>
+              </a:rPr>
+              <a:t>different approaches like SVM(Guo and Wang 2015) or Convolutional Neural Networks (Farooq etc. al 2017)</a:t>
+            </a:r>
+          </a:p>
+          <a:p>
+            <a:endParaRPr lang="en-US" b="1" dirty="0">
+              <a:latin typeface="Calibri" panose="020F0502020204030204" pitchFamily="34" charset="0"/>
+              <a:cs typeface="Calibri" panose="020F0502020204030204" pitchFamily="34" charset="0"/>
+            </a:endParaRPr>
+          </a:p>
+          <a:p>
+            <a:endParaRPr lang="en-US" b="1" dirty="0">
+              <a:latin typeface="Calibri" panose="020F0502020204030204" pitchFamily="34" charset="0"/>
+              <a:cs typeface="Calibri" panose="020F0502020204030204" pitchFamily="34" charset="0"/>
+            </a:endParaRPr>
+          </a:p>
+          <a:p>
+            <a:endParaRPr lang="en-US" b="1" dirty="0">
+              <a:latin typeface="Calibri" panose="020F0502020204030204" pitchFamily="34" charset="0"/>
+              <a:cs typeface="Calibri" panose="020F0502020204030204" pitchFamily="34" charset="0"/>
+            </a:endParaRPr>
+          </a:p>
+          <a:p>
+            <a:endParaRPr lang="en-US" b="1" dirty="0">
+              <a:latin typeface="Calibri" panose="020F0502020204030204" pitchFamily="34" charset="0"/>
+              <a:cs typeface="Calibri" panose="020F0502020204030204" pitchFamily="34" charset="0"/>
             </a:endParaRPr>
           </a:p>
         </p:txBody>
@@ -8946,7 +11176,7 @@
     </p:spTree>
     <p:extLst>
       <p:ext uri="{BB962C8B-B14F-4D97-AF65-F5344CB8AC3E}">
-        <p14:creationId xmlns:p14="http://schemas.microsoft.com/office/powerpoint/2010/main" val="2466691207"/>
+        <p14:creationId xmlns:p14="http://schemas.microsoft.com/office/powerpoint/2010/main" val="473360808"/>
       </p:ext>
     </p:extLst>
   </p:cSld>
@@ -8956,7 +11186,7 @@
 </p:sld>
 </file>
 
-<file path=ppt/slides/slide6.xml><?xml version="1.0" encoding="utf-8"?>
+<file path=ppt/slides/slide5.xml><?xml version="1.0" encoding="utf-8"?>
 <p:sld xmlns:a="http://schemas.openxmlformats.org/drawingml/2006/main" xmlns:r="http://schemas.openxmlformats.org/officeDocument/2006/relationships" xmlns:p="http://schemas.openxmlformats.org/presentationml/2006/main">
   <p:cSld>
     <p:spTree>
@@ -8973,50 +11203,6 @@
           <a:chExt cx="0" cy="0"/>
         </a:xfrm>
       </p:grpSpPr>
-      <p:sp>
-        <p:nvSpPr>
-          <p:cNvPr id="3" name="Inhaltsplatzhalter 2">
-            <a:extLst>
-              <a:ext uri="{FF2B5EF4-FFF2-40B4-BE49-F238E27FC236}">
-                <a16:creationId xmlns:a16="http://schemas.microsoft.com/office/drawing/2014/main" id="{82447E3F-1B07-F74A-8D5D-86F34EA8FDCF}"/>
-              </a:ext>
-            </a:extLst>
-          </p:cNvPr>
-          <p:cNvSpPr>
-            <a:spLocks noGrp="1"/>
-          </p:cNvSpPr>
-          <p:nvPr>
-            <p:ph idx="1"/>
-          </p:nvPr>
-        </p:nvSpPr>
-        <p:spPr>
-          <a:xfrm>
-            <a:off x="501316" y="1939925"/>
-            <a:ext cx="10515600" cy="4351338"/>
-          </a:xfrm>
-        </p:spPr>
-        <p:txBody>
-          <a:bodyPr>
-            <a:normAutofit/>
-          </a:bodyPr>
-          <a:lstStyle/>
-          <a:p>
-            <a:pPr marL="0" indent="0">
-              <a:lnSpc>
-                <a:spcPct val="210000"/>
-              </a:lnSpc>
-              <a:buNone/>
-            </a:pPr>
-            <a:r>
-              <a:rPr lang="en-US" dirty="0">
-                <a:latin typeface="Arial" panose="020B0604020202020204" pitchFamily="34" charset="0"/>
-                <a:cs typeface="Arial" panose="020B0604020202020204" pitchFamily="34" charset="0"/>
-              </a:rPr>
-              <a:t> </a:t>
-            </a:r>
-          </a:p>
-        </p:txBody>
-      </p:sp>
       <p:sp>
         <p:nvSpPr>
           <p:cNvPr id="4" name="Rechteck 3">
@@ -9069,10 +11255,10 @@
                 <a:solidFill>
                   <a:schemeClr val="tx1"/>
                 </a:solidFill>
-                <a:latin typeface="Arial" panose="020B0604020202020204" pitchFamily="34" charset="0"/>
-                <a:cs typeface="Arial" panose="020B0604020202020204" pitchFamily="34" charset="0"/>
-              </a:rPr>
-              <a:t>   Method</a:t>
+                <a:latin typeface="Calibri" panose="020F0502020204030204" pitchFamily="34" charset="0"/>
+                <a:cs typeface="Calibri" panose="020F0502020204030204" pitchFamily="34" charset="0"/>
+              </a:rPr>
+              <a:t>   Related Work – Challenges </a:t>
             </a:r>
           </a:p>
         </p:txBody>
@@ -9100,14 +11286,14 @@
           <a:p>
             <a:fld id="{224DF8BC-E337-3D43-A838-E92C1E5EB737}" type="datetime1">
               <a:rPr lang="en-US" smtClean="0">
-                <a:latin typeface="Arial" panose="020B0604020202020204" pitchFamily="34" charset="0"/>
-                <a:cs typeface="Arial" panose="020B0604020202020204" pitchFamily="34" charset="0"/>
-              </a:rPr>
-              <a:t>12/4/21</a:t>
+                <a:latin typeface="Calibri" panose="020F0502020204030204" pitchFamily="34" charset="0"/>
+                <a:cs typeface="Calibri" panose="020F0502020204030204" pitchFamily="34" charset="0"/>
+              </a:rPr>
+              <a:t>12/5/21</a:t>
             </a:fld>
             <a:endParaRPr lang="en-US">
-              <a:latin typeface="Arial" panose="020B0604020202020204" pitchFamily="34" charset="0"/>
-              <a:cs typeface="Arial" panose="020B0604020202020204" pitchFamily="34" charset="0"/>
+              <a:latin typeface="Calibri" panose="020F0502020204030204" pitchFamily="34" charset="0"/>
+              <a:cs typeface="Calibri" panose="020F0502020204030204" pitchFamily="34" charset="0"/>
             </a:endParaRPr>
           </a:p>
         </p:txBody>
@@ -9135,8 +11321,8 @@
           <a:p>
             <a:r>
               <a:rPr lang="en-US">
-                <a:latin typeface="Arial" panose="020B0604020202020204" pitchFamily="34" charset="0"/>
-                <a:cs typeface="Arial" panose="020B0604020202020204" pitchFamily="34" charset="0"/>
+                <a:latin typeface="Calibri" panose="020F0502020204030204" pitchFamily="34" charset="0"/>
+                <a:cs typeface="Calibri" panose="020F0502020204030204" pitchFamily="34" charset="0"/>
               </a:rPr>
               <a:t>Job Title Matching</a:t>
             </a:r>
@@ -9166,24 +11352,24 @@
           <a:p>
             <a:fld id="{27B3030E-9675-7D44-A4BE-C7E44D426E4F}" type="slidenum">
               <a:rPr lang="en-US" smtClean="0">
-                <a:latin typeface="Arial" panose="020B0604020202020204" pitchFamily="34" charset="0"/>
-                <a:cs typeface="Arial" panose="020B0604020202020204" pitchFamily="34" charset="0"/>
-              </a:rPr>
-              <a:t>6</a:t>
+                <a:latin typeface="Calibri" panose="020F0502020204030204" pitchFamily="34" charset="0"/>
+                <a:cs typeface="Calibri" panose="020F0502020204030204" pitchFamily="34" charset="0"/>
+              </a:rPr>
+              <a:t>5</a:t>
             </a:fld>
-            <a:endParaRPr lang="en-US">
-              <a:latin typeface="Arial" panose="020B0604020202020204" pitchFamily="34" charset="0"/>
-              <a:cs typeface="Arial" panose="020B0604020202020204" pitchFamily="34" charset="0"/>
+            <a:endParaRPr lang="en-US" dirty="0">
+              <a:latin typeface="Calibri" panose="020F0502020204030204" pitchFamily="34" charset="0"/>
+              <a:cs typeface="Calibri" panose="020F0502020204030204" pitchFamily="34" charset="0"/>
             </a:endParaRPr>
           </a:p>
         </p:txBody>
       </p:sp>
       <p:sp>
         <p:nvSpPr>
-          <p:cNvPr id="6" name="Textfeld 5">
-            <a:extLst>
-              <a:ext uri="{FF2B5EF4-FFF2-40B4-BE49-F238E27FC236}">
-                <a16:creationId xmlns:a16="http://schemas.microsoft.com/office/drawing/2014/main" id="{684EC650-C4B0-7047-959B-DC7DB94E2731}"/>
+          <p:cNvPr id="2" name="Textfeld 1">
+            <a:extLst>
+              <a:ext uri="{FF2B5EF4-FFF2-40B4-BE49-F238E27FC236}">
+                <a16:creationId xmlns:a16="http://schemas.microsoft.com/office/drawing/2014/main" id="{014EBC7B-97CA-E042-841C-E28C18811CC9}"/>
               </a:ext>
             </a:extLst>
           </p:cNvPr>
@@ -9192,58 +11378,322 @@
         </p:nvSpPr>
         <p:spPr>
           <a:xfrm>
-            <a:off x="3657600" y="4042611"/>
-            <a:ext cx="184731" cy="369332"/>
+            <a:off x="444500" y="2032907"/>
+            <a:ext cx="3048000" cy="4247317"/>
           </a:xfrm>
           <a:prstGeom prst="rect">
             <a:avLst/>
           </a:prstGeom>
           <a:noFill/>
+          <a:ln w="28575">
+            <a:solidFill>
+              <a:schemeClr val="tx1"/>
+            </a:solidFill>
+          </a:ln>
         </p:spPr>
         <p:txBody>
-          <a:bodyPr wrap="none" rtlCol="0">
+          <a:bodyPr wrap="square" rtlCol="0">
             <a:spAutoFit/>
           </a:bodyPr>
           <a:lstStyle/>
           <a:p>
-            <a:endParaRPr lang="de-DE" dirty="0"/>
-          </a:p>
-        </p:txBody>
-      </p:sp>
-      <p:pic>
-        <p:nvPicPr>
-          <p:cNvPr id="12" name="Grafik 11">
-            <a:extLst>
-              <a:ext uri="{FF2B5EF4-FFF2-40B4-BE49-F238E27FC236}">
-                <a16:creationId xmlns:a16="http://schemas.microsoft.com/office/drawing/2014/main" id="{55D5FBEB-0E13-8F4F-B0EF-807DDFF6C7F6}"/>
-              </a:ext>
-            </a:extLst>
-          </p:cNvPr>
-          <p:cNvPicPr>
-            <a:picLocks noChangeAspect="1"/>
-          </p:cNvPicPr>
+            <a:r>
+              <a:rPr lang="en-US" sz="2000" b="1" dirty="0">
+                <a:latin typeface="Calibri" panose="020F0502020204030204" pitchFamily="34" charset="0"/>
+                <a:cs typeface="Calibri" panose="020F0502020204030204" pitchFamily="34" charset="0"/>
+              </a:rPr>
+              <a:t>Domain-specific</a:t>
+            </a:r>
+          </a:p>
+          <a:p>
+            <a:r>
+              <a:rPr lang="en-US" dirty="0">
+                <a:latin typeface="Calibri" panose="020F0502020204030204" pitchFamily="34" charset="0"/>
+                <a:cs typeface="Calibri" panose="020F0502020204030204" pitchFamily="34" charset="0"/>
+              </a:rPr>
+              <a:t>some work for the English-speaking job market </a:t>
+            </a:r>
+          </a:p>
+          <a:p>
+            <a:endParaRPr lang="en-US" dirty="0">
+              <a:latin typeface="Calibri" panose="020F0502020204030204" pitchFamily="34" charset="0"/>
+              <a:cs typeface="Calibri" panose="020F0502020204030204" pitchFamily="34" charset="0"/>
+            </a:endParaRPr>
+          </a:p>
+          <a:p>
+            <a:r>
+              <a:rPr lang="en-US" dirty="0">
+                <a:latin typeface="Calibri" panose="020F0502020204030204" pitchFamily="34" charset="0"/>
+                <a:cs typeface="Calibri" panose="020F0502020204030204" pitchFamily="34" charset="0"/>
+              </a:rPr>
+              <a:t>traditional (Zhu et al 2017) vs. Deep Learning Methods (Neculoiu et al 2016)</a:t>
+            </a:r>
+          </a:p>
+          <a:p>
+            <a:endParaRPr lang="en-US" dirty="0">
+              <a:latin typeface="Calibri" panose="020F0502020204030204" pitchFamily="34" charset="0"/>
+              <a:cs typeface="Calibri" panose="020F0502020204030204" pitchFamily="34" charset="0"/>
+            </a:endParaRPr>
+          </a:p>
+          <a:p>
+            <a:r>
+              <a:rPr lang="en-US" dirty="0">
+                <a:latin typeface="Calibri" panose="020F0502020204030204" pitchFamily="34" charset="0"/>
+                <a:cs typeface="Calibri" panose="020F0502020204030204" pitchFamily="34" charset="0"/>
+              </a:rPr>
+              <a:t>framing as classification task (Wang et al. 2019) vs. framing as a string representation approach of similar job titles (Decorte et al. 2021)</a:t>
+            </a:r>
+          </a:p>
+          <a:p>
+            <a:endParaRPr lang="en-US" b="1" dirty="0">
+              <a:latin typeface="Calibri" panose="020F0502020204030204" pitchFamily="34" charset="0"/>
+              <a:cs typeface="Calibri" panose="020F0502020204030204" pitchFamily="34" charset="0"/>
+            </a:endParaRPr>
+          </a:p>
+          <a:p>
+            <a:endParaRPr lang="en-US" b="1" dirty="0">
+              <a:latin typeface="Calibri" panose="020F0502020204030204" pitchFamily="34" charset="0"/>
+              <a:cs typeface="Calibri" panose="020F0502020204030204" pitchFamily="34" charset="0"/>
+            </a:endParaRPr>
+          </a:p>
+        </p:txBody>
+      </p:sp>
+      <p:sp>
+        <p:nvSpPr>
+          <p:cNvPr id="13" name="Textfeld 12">
+            <a:extLst>
+              <a:ext uri="{FF2B5EF4-FFF2-40B4-BE49-F238E27FC236}">
+                <a16:creationId xmlns:a16="http://schemas.microsoft.com/office/drawing/2014/main" id="{4ECAB83D-2554-484C-B408-DE1345841FB1}"/>
+              </a:ext>
+            </a:extLst>
+          </p:cNvPr>
+          <p:cNvSpPr txBox="1"/>
           <p:nvPr/>
-        </p:nvPicPr>
-        <p:blipFill>
-          <a:blip r:embed="rId2"/>
-          <a:stretch>
-            <a:fillRect/>
-          </a:stretch>
-        </p:blipFill>
+        </p:nvSpPr>
         <p:spPr>
           <a:xfrm>
-            <a:off x="1656460" y="1611747"/>
-            <a:ext cx="8879080" cy="4679516"/>
+            <a:off x="8699500" y="2032907"/>
+            <a:ext cx="3048000" cy="4185761"/>
           </a:xfrm>
           <a:prstGeom prst="rect">
             <a:avLst/>
           </a:prstGeom>
+          <a:noFill/>
+          <a:ln w="28575">
+            <a:solidFill>
+              <a:srgbClr val="FF0000"/>
+            </a:solidFill>
+          </a:ln>
         </p:spPr>
-      </p:pic>
+        <p:txBody>
+          <a:bodyPr wrap="square" rtlCol="0">
+            <a:spAutoFit/>
+          </a:bodyPr>
+          <a:lstStyle/>
+          <a:p>
+            <a:endParaRPr lang="en-US" sz="2000" b="1" dirty="0">
+              <a:latin typeface="Calibri" panose="020F0502020204030204" pitchFamily="34" charset="0"/>
+              <a:cs typeface="Calibri" panose="020F0502020204030204" pitchFamily="34" charset="0"/>
+            </a:endParaRPr>
+          </a:p>
+          <a:p>
+            <a:endParaRPr lang="en-US" sz="2000" b="1" dirty="0">
+              <a:latin typeface="Calibri" panose="020F0502020204030204" pitchFamily="34" charset="0"/>
+              <a:cs typeface="Calibri" panose="020F0502020204030204" pitchFamily="34" charset="0"/>
+            </a:endParaRPr>
+          </a:p>
+          <a:p>
+            <a:endParaRPr lang="en-US" sz="2000" b="1" dirty="0">
+              <a:latin typeface="Calibri" panose="020F0502020204030204" pitchFamily="34" charset="0"/>
+              <a:cs typeface="Calibri" panose="020F0502020204030204" pitchFamily="34" charset="0"/>
+            </a:endParaRPr>
+          </a:p>
+          <a:p>
+            <a:endParaRPr lang="en-US" sz="2000" b="1" dirty="0">
+              <a:latin typeface="Calibri" panose="020F0502020204030204" pitchFamily="34" charset="0"/>
+              <a:cs typeface="Calibri" panose="020F0502020204030204" pitchFamily="34" charset="0"/>
+            </a:endParaRPr>
+          </a:p>
+          <a:p>
+            <a:endParaRPr lang="en-US" sz="2000" b="1" dirty="0">
+              <a:latin typeface="Calibri" panose="020F0502020204030204" pitchFamily="34" charset="0"/>
+              <a:cs typeface="Calibri" panose="020F0502020204030204" pitchFamily="34" charset="0"/>
+            </a:endParaRPr>
+          </a:p>
+          <a:p>
+            <a:endParaRPr lang="en-US" sz="2000" b="1" dirty="0">
+              <a:latin typeface="Calibri" panose="020F0502020204030204" pitchFamily="34" charset="0"/>
+              <a:cs typeface="Calibri" panose="020F0502020204030204" pitchFamily="34" charset="0"/>
+            </a:endParaRPr>
+          </a:p>
+          <a:p>
+            <a:pPr algn="ctr"/>
+            <a:r>
+              <a:rPr lang="en-US" sz="2000" b="1" dirty="0">
+                <a:latin typeface="Calibri" panose="020F0502020204030204" pitchFamily="34" charset="0"/>
+                <a:cs typeface="Calibri" panose="020F0502020204030204" pitchFamily="34" charset="0"/>
+              </a:rPr>
+              <a:t>Short Text </a:t>
+            </a:r>
+            <a:endParaRPr lang="en-US" dirty="0">
+              <a:latin typeface="Calibri" panose="020F0502020204030204" pitchFamily="34" charset="0"/>
+              <a:cs typeface="Calibri" panose="020F0502020204030204" pitchFamily="34" charset="0"/>
+            </a:endParaRPr>
+          </a:p>
+          <a:p>
+            <a:endParaRPr lang="en-US" b="1" dirty="0">
+              <a:latin typeface="Calibri" panose="020F0502020204030204" pitchFamily="34" charset="0"/>
+              <a:cs typeface="Calibri" panose="020F0502020204030204" pitchFamily="34" charset="0"/>
+            </a:endParaRPr>
+          </a:p>
+          <a:p>
+            <a:endParaRPr lang="en-US" b="1" dirty="0">
+              <a:latin typeface="Calibri" panose="020F0502020204030204" pitchFamily="34" charset="0"/>
+              <a:cs typeface="Calibri" panose="020F0502020204030204" pitchFamily="34" charset="0"/>
+            </a:endParaRPr>
+          </a:p>
+          <a:p>
+            <a:endParaRPr lang="en-US" b="1" dirty="0">
+              <a:latin typeface="Calibri" panose="020F0502020204030204" pitchFamily="34" charset="0"/>
+              <a:cs typeface="Calibri" panose="020F0502020204030204" pitchFamily="34" charset="0"/>
+            </a:endParaRPr>
+          </a:p>
+          <a:p>
+            <a:endParaRPr lang="en-US" b="1" dirty="0">
+              <a:latin typeface="Calibri" panose="020F0502020204030204" pitchFamily="34" charset="0"/>
+              <a:cs typeface="Calibri" panose="020F0502020204030204" pitchFamily="34" charset="0"/>
+            </a:endParaRPr>
+          </a:p>
+          <a:p>
+            <a:endParaRPr lang="en-US" b="1" dirty="0">
+              <a:latin typeface="Calibri" panose="020F0502020204030204" pitchFamily="34" charset="0"/>
+              <a:cs typeface="Calibri" panose="020F0502020204030204" pitchFamily="34" charset="0"/>
+            </a:endParaRPr>
+          </a:p>
+          <a:p>
+            <a:endParaRPr lang="en-US" b="1" dirty="0">
+              <a:latin typeface="Calibri" panose="020F0502020204030204" pitchFamily="34" charset="0"/>
+              <a:cs typeface="Calibri" panose="020F0502020204030204" pitchFamily="34" charset="0"/>
+            </a:endParaRPr>
+          </a:p>
+          <a:p>
+            <a:endParaRPr lang="en-US" b="1" dirty="0">
+              <a:latin typeface="Calibri" panose="020F0502020204030204" pitchFamily="34" charset="0"/>
+              <a:cs typeface="Calibri" panose="020F0502020204030204" pitchFamily="34" charset="0"/>
+            </a:endParaRPr>
+          </a:p>
+        </p:txBody>
+      </p:sp>
+      <p:sp>
+        <p:nvSpPr>
+          <p:cNvPr id="14" name="Textfeld 13">
+            <a:extLst>
+              <a:ext uri="{FF2B5EF4-FFF2-40B4-BE49-F238E27FC236}">
+                <a16:creationId xmlns:a16="http://schemas.microsoft.com/office/drawing/2014/main" id="{A7D6ADEE-34CD-4040-A46B-E10CED1A27FE}"/>
+              </a:ext>
+            </a:extLst>
+          </p:cNvPr>
+          <p:cNvSpPr txBox="1"/>
+          <p:nvPr/>
+        </p:nvSpPr>
+        <p:spPr>
+          <a:xfrm>
+            <a:off x="4572000" y="2032907"/>
+            <a:ext cx="3048000" cy="4247317"/>
+          </a:xfrm>
+          <a:prstGeom prst="rect">
+            <a:avLst/>
+          </a:prstGeom>
+          <a:noFill/>
+          <a:ln w="28575">
+            <a:solidFill>
+              <a:schemeClr val="tx1"/>
+            </a:solidFill>
+          </a:ln>
+        </p:spPr>
+        <p:txBody>
+          <a:bodyPr wrap="square" rtlCol="0">
+            <a:spAutoFit/>
+          </a:bodyPr>
+          <a:lstStyle/>
+          <a:p>
+            <a:r>
+              <a:rPr lang="en-US" sz="2000" b="1" dirty="0">
+                <a:latin typeface="Calibri" panose="020F0502020204030204" pitchFamily="34" charset="0"/>
+                <a:cs typeface="Calibri" panose="020F0502020204030204" pitchFamily="34" charset="0"/>
+              </a:rPr>
+              <a:t>Multiclass</a:t>
+            </a:r>
+          </a:p>
+          <a:p>
+            <a:r>
+              <a:rPr lang="en-US" dirty="0">
+                <a:latin typeface="Calibri" panose="020F0502020204030204" pitchFamily="34" charset="0"/>
+                <a:cs typeface="Calibri" panose="020F0502020204030204" pitchFamily="34" charset="0"/>
+              </a:rPr>
+              <a:t>decomposition into multiple binary problems vs. naturally handling </a:t>
+            </a:r>
+          </a:p>
+          <a:p>
+            <a:endParaRPr lang="en-US" dirty="0">
+              <a:latin typeface="Calibri" panose="020F0502020204030204" pitchFamily="34" charset="0"/>
+              <a:cs typeface="Calibri" panose="020F0502020204030204" pitchFamily="34" charset="0"/>
+            </a:endParaRPr>
+          </a:p>
+          <a:p>
+            <a:r>
+              <a:rPr lang="en-US" dirty="0">
+                <a:latin typeface="Calibri" panose="020F0502020204030204" pitchFamily="34" charset="0"/>
+                <a:cs typeface="Calibri" panose="020F0502020204030204" pitchFamily="34" charset="0"/>
+              </a:rPr>
+              <a:t>no clear answer so far</a:t>
+            </a:r>
+          </a:p>
+          <a:p>
+            <a:endParaRPr lang="en-US" dirty="0">
+              <a:latin typeface="Calibri" panose="020F0502020204030204" pitchFamily="34" charset="0"/>
+              <a:cs typeface="Calibri" panose="020F0502020204030204" pitchFamily="34" charset="0"/>
+            </a:endParaRPr>
+          </a:p>
+          <a:p>
+            <a:r>
+              <a:rPr lang="en-US" dirty="0">
+                <a:latin typeface="Calibri" panose="020F0502020204030204" pitchFamily="34" charset="0"/>
+                <a:cs typeface="Calibri" panose="020F0502020204030204" pitchFamily="34" charset="0"/>
+              </a:rPr>
+              <a:t>different approaches like SVM(Guo and Wang 2015) or Convolutional Neural Networks (Farooq etc. al 2017)</a:t>
+            </a:r>
+          </a:p>
+          <a:p>
+            <a:endParaRPr lang="en-US" b="1" dirty="0">
+              <a:latin typeface="Calibri" panose="020F0502020204030204" pitchFamily="34" charset="0"/>
+              <a:cs typeface="Calibri" panose="020F0502020204030204" pitchFamily="34" charset="0"/>
+            </a:endParaRPr>
+          </a:p>
+          <a:p>
+            <a:endParaRPr lang="en-US" b="1" dirty="0">
+              <a:latin typeface="Calibri" panose="020F0502020204030204" pitchFamily="34" charset="0"/>
+              <a:cs typeface="Calibri" panose="020F0502020204030204" pitchFamily="34" charset="0"/>
+            </a:endParaRPr>
+          </a:p>
+          <a:p>
+            <a:endParaRPr lang="en-US" b="1" dirty="0">
+              <a:latin typeface="Calibri" panose="020F0502020204030204" pitchFamily="34" charset="0"/>
+              <a:cs typeface="Calibri" panose="020F0502020204030204" pitchFamily="34" charset="0"/>
+            </a:endParaRPr>
+          </a:p>
+          <a:p>
+            <a:endParaRPr lang="en-US" b="1" dirty="0">
+              <a:latin typeface="Calibri" panose="020F0502020204030204" pitchFamily="34" charset="0"/>
+              <a:cs typeface="Calibri" panose="020F0502020204030204" pitchFamily="34" charset="0"/>
+            </a:endParaRPr>
+          </a:p>
+        </p:txBody>
+      </p:sp>
     </p:spTree>
     <p:extLst>
       <p:ext uri="{BB962C8B-B14F-4D97-AF65-F5344CB8AC3E}">
-        <p14:creationId xmlns:p14="http://schemas.microsoft.com/office/powerpoint/2010/main" val="4079037387"/>
+        <p14:creationId xmlns:p14="http://schemas.microsoft.com/office/powerpoint/2010/main" val="750231092"/>
       </p:ext>
     </p:extLst>
   </p:cSld>
@@ -9253,7 +11703,7 @@
 </p:sld>
 </file>
 
-<file path=ppt/slides/slide7.xml><?xml version="1.0" encoding="utf-8"?>
+<file path=ppt/slides/slide6.xml><?xml version="1.0" encoding="utf-8"?>
 <p:sld xmlns:a="http://schemas.openxmlformats.org/drawingml/2006/main" xmlns:r="http://schemas.openxmlformats.org/officeDocument/2006/relationships" xmlns:p="http://schemas.openxmlformats.org/presentationml/2006/main">
   <p:cSld>
     <p:spTree>
@@ -9298,18 +11748,102 @@
           </a:bodyPr>
           <a:lstStyle/>
           <a:p>
-            <a:pPr marL="0" indent="0">
+            <a:pPr>
               <a:lnSpc>
-                <a:spcPct val="210000"/>
+                <a:spcPct val="100000"/>
               </a:lnSpc>
-              <a:buNone/>
             </a:pPr>
             <a:r>
               <a:rPr lang="en-US" dirty="0">
                 <a:latin typeface="Arial" panose="020B0604020202020204" pitchFamily="34" charset="0"/>
                 <a:cs typeface="Arial" panose="020B0604020202020204" pitchFamily="34" charset="0"/>
               </a:rPr>
-              <a:t> </a:t>
+              <a:t>job titles have often not more than 50 characters </a:t>
+            </a:r>
+          </a:p>
+          <a:p>
+            <a:pPr>
+              <a:lnSpc>
+                <a:spcPct val="100000"/>
+              </a:lnSpc>
+              <a:buFont typeface="Wingdings" pitchFamily="2" charset="2"/>
+              <a:buChar char="à"/>
+            </a:pPr>
+            <a:r>
+              <a:rPr lang="en-US" dirty="0">
+                <a:latin typeface="Arial" panose="020B0604020202020204" pitchFamily="34" charset="0"/>
+                <a:cs typeface="Arial" panose="020B0604020202020204" pitchFamily="34" charset="0"/>
+                <a:sym typeface="Wingdings" pitchFamily="2" charset="2"/>
+              </a:rPr>
+              <a:t>sparseness</a:t>
+            </a:r>
+          </a:p>
+          <a:p>
+            <a:pPr>
+              <a:lnSpc>
+                <a:spcPct val="100000"/>
+              </a:lnSpc>
+              <a:buFont typeface="Wingdings" pitchFamily="2" charset="2"/>
+              <a:buChar char="à"/>
+            </a:pPr>
+            <a:r>
+              <a:rPr lang="en-US" dirty="0">
+                <a:latin typeface="Arial" panose="020B0604020202020204" pitchFamily="34" charset="0"/>
+                <a:cs typeface="Arial" panose="020B0604020202020204" pitchFamily="34" charset="0"/>
+                <a:sym typeface="Wingdings" pitchFamily="2" charset="2"/>
+              </a:rPr>
+              <a:t>few word co-occurrence</a:t>
+            </a:r>
+          </a:p>
+          <a:p>
+            <a:pPr>
+              <a:lnSpc>
+                <a:spcPct val="100000"/>
+              </a:lnSpc>
+              <a:buFont typeface="Wingdings" pitchFamily="2" charset="2"/>
+              <a:buChar char="à"/>
+            </a:pPr>
+            <a:r>
+              <a:rPr lang="en-US" dirty="0">
+                <a:latin typeface="Arial" panose="020B0604020202020204" pitchFamily="34" charset="0"/>
+                <a:cs typeface="Arial" panose="020B0604020202020204" pitchFamily="34" charset="0"/>
+                <a:sym typeface="Wingdings" pitchFamily="2" charset="2"/>
+              </a:rPr>
+              <a:t>missing shared context</a:t>
+            </a:r>
+          </a:p>
+          <a:p>
+            <a:pPr>
+              <a:lnSpc>
+                <a:spcPct val="100000"/>
+              </a:lnSpc>
+              <a:buFont typeface="Wingdings" pitchFamily="2" charset="2"/>
+              <a:buChar char="à"/>
+            </a:pPr>
+            <a:r>
+              <a:rPr lang="en-US" dirty="0">
+                <a:latin typeface="Arial" panose="020B0604020202020204" pitchFamily="34" charset="0"/>
+                <a:cs typeface="Arial" panose="020B0604020202020204" pitchFamily="34" charset="0"/>
+                <a:sym typeface="Wingdings" pitchFamily="2" charset="2"/>
+              </a:rPr>
+              <a:t>noisiness</a:t>
+            </a:r>
+          </a:p>
+          <a:p>
+            <a:pPr>
+              <a:lnSpc>
+                <a:spcPct val="100000"/>
+              </a:lnSpc>
+              <a:buFont typeface="Wingdings" pitchFamily="2" charset="2"/>
+              <a:buChar char="à"/>
+            </a:pPr>
+            <a:r>
+              <a:rPr lang="en-US" dirty="0">
+                <a:latin typeface="Arial" panose="020B0604020202020204" pitchFamily="34" charset="0"/>
+                <a:cs typeface="Arial" panose="020B0604020202020204" pitchFamily="34" charset="0"/>
+                <a:sym typeface="Wingdings" pitchFamily="2" charset="2"/>
+              </a:rPr>
+              <a:t>ambiguity </a:t>
             </a:r>
           </a:p>
         </p:txBody>
@@ -9369,7 +11903,7 @@
                 <a:latin typeface="Arial" panose="020B0604020202020204" pitchFamily="34" charset="0"/>
                 <a:cs typeface="Arial" panose="020B0604020202020204" pitchFamily="34" charset="0"/>
               </a:rPr>
-              <a:t>   Method</a:t>
+              <a:t>   Related Work – Short Text Classification</a:t>
             </a:r>
           </a:p>
         </p:txBody>
@@ -9400,7 +11934,7 @@
                 <a:latin typeface="Arial" panose="020B0604020202020204" pitchFamily="34" charset="0"/>
                 <a:cs typeface="Arial" panose="020B0604020202020204" pitchFamily="34" charset="0"/>
               </a:rPr>
-              <a:t>12/4/21</a:t>
+              <a:t>12/6/21</a:t>
             </a:fld>
             <a:endParaRPr lang="en-US">
               <a:latin typeface="Arial" panose="020B0604020202020204" pitchFamily="34" charset="0"/>
@@ -9466,7 +12000,7 @@
                 <a:latin typeface="Arial" panose="020B0604020202020204" pitchFamily="34" charset="0"/>
                 <a:cs typeface="Arial" panose="020B0604020202020204" pitchFamily="34" charset="0"/>
               </a:rPr>
-              <a:t>7</a:t>
+              <a:t>6</a:t>
             </a:fld>
             <a:endParaRPr lang="en-US">
               <a:latin typeface="Arial" panose="020B0604020202020204" pitchFamily="34" charset="0"/>
@@ -9475,124 +12009,10 @@
           </a:p>
         </p:txBody>
       </p:sp>
-      <p:sp>
-        <p:nvSpPr>
-          <p:cNvPr id="6" name="Textfeld 5">
-            <a:extLst>
-              <a:ext uri="{FF2B5EF4-FFF2-40B4-BE49-F238E27FC236}">
-                <a16:creationId xmlns:a16="http://schemas.microsoft.com/office/drawing/2014/main" id="{684EC650-C4B0-7047-959B-DC7DB94E2731}"/>
-              </a:ext>
-            </a:extLst>
-          </p:cNvPr>
-          <p:cNvSpPr txBox="1"/>
-          <p:nvPr/>
-        </p:nvSpPr>
-        <p:spPr>
-          <a:xfrm>
-            <a:off x="3657600" y="4042611"/>
-            <a:ext cx="184731" cy="369332"/>
-          </a:xfrm>
-          <a:prstGeom prst="rect">
-            <a:avLst/>
-          </a:prstGeom>
-          <a:noFill/>
-        </p:spPr>
-        <p:txBody>
-          <a:bodyPr wrap="none" rtlCol="0">
-            <a:spAutoFit/>
-          </a:bodyPr>
-          <a:lstStyle/>
-          <a:p>
-            <a:endParaRPr lang="de-DE" dirty="0"/>
-          </a:p>
-        </p:txBody>
-      </p:sp>
-      <p:pic>
-        <p:nvPicPr>
-          <p:cNvPr id="12" name="Grafik 11">
-            <a:extLst>
-              <a:ext uri="{FF2B5EF4-FFF2-40B4-BE49-F238E27FC236}">
-                <a16:creationId xmlns:a16="http://schemas.microsoft.com/office/drawing/2014/main" id="{55D5FBEB-0E13-8F4F-B0EF-807DDFF6C7F6}"/>
-              </a:ext>
-            </a:extLst>
-          </p:cNvPr>
-          <p:cNvPicPr>
-            <a:picLocks noChangeAspect="1"/>
-          </p:cNvPicPr>
-          <p:nvPr/>
-        </p:nvPicPr>
-        <p:blipFill>
-          <a:blip r:embed="rId2"/>
-          <a:stretch>
-            <a:fillRect/>
-          </a:stretch>
-        </p:blipFill>
-        <p:spPr>
-          <a:xfrm>
-            <a:off x="1656460" y="1611747"/>
-            <a:ext cx="8879080" cy="4679516"/>
-          </a:xfrm>
-          <a:prstGeom prst="rect">
-            <a:avLst/>
-          </a:prstGeom>
-        </p:spPr>
-      </p:pic>
-      <p:sp>
-        <p:nvSpPr>
-          <p:cNvPr id="10" name="Abgerundetes Rechteck 9">
-            <a:extLst>
-              <a:ext uri="{FF2B5EF4-FFF2-40B4-BE49-F238E27FC236}">
-                <a16:creationId xmlns:a16="http://schemas.microsoft.com/office/drawing/2014/main" id="{A78660FC-969B-3B4C-AFD9-9BC8D95D294C}"/>
-              </a:ext>
-            </a:extLst>
-          </p:cNvPr>
-          <p:cNvSpPr/>
-          <p:nvPr/>
-        </p:nvSpPr>
-        <p:spPr>
-          <a:xfrm>
-            <a:off x="1648933" y="2685164"/>
-            <a:ext cx="1462755" cy="716556"/>
-          </a:xfrm>
-          <a:prstGeom prst="roundRect">
-            <a:avLst/>
-          </a:prstGeom>
-          <a:noFill/>
-          <a:ln w="38100">
-            <a:solidFill>
-              <a:srgbClr val="0070C0"/>
-            </a:solidFill>
-          </a:ln>
-        </p:spPr>
-        <p:style>
-          <a:lnRef idx="2">
-            <a:schemeClr val="accent1">
-              <a:shade val="50000"/>
-            </a:schemeClr>
-          </a:lnRef>
-          <a:fillRef idx="1">
-            <a:schemeClr val="accent1"/>
-          </a:fillRef>
-          <a:effectRef idx="0">
-            <a:schemeClr val="accent1"/>
-          </a:effectRef>
-          <a:fontRef idx="minor">
-            <a:schemeClr val="lt1"/>
-          </a:fontRef>
-        </p:style>
-        <p:txBody>
-          <a:bodyPr rtlCol="0" anchor="ctr"/>
-          <a:lstStyle/>
-          <a:p>
-            <a:pPr algn="ctr"/>
-            <a:endParaRPr lang="de-DE"/>
-          </a:p>
-        </p:txBody>
-      </p:sp>
     </p:spTree>
     <p:extLst>
       <p:ext uri="{BB962C8B-B14F-4D97-AF65-F5344CB8AC3E}">
-        <p14:creationId xmlns:p14="http://schemas.microsoft.com/office/powerpoint/2010/main" val="2506868670"/>
+        <p14:creationId xmlns:p14="http://schemas.microsoft.com/office/powerpoint/2010/main" val="2466691207"/>
       </p:ext>
     </p:extLst>
   </p:cSld>
@@ -9602,7 +12022,7 @@
 </p:sld>
 </file>
 
-<file path=ppt/slides/slide8.xml><?xml version="1.0" encoding="utf-8"?>
+<file path=ppt/slides/slide7.xml><?xml version="1.0" encoding="utf-8"?>
 <p:sld xmlns:a="http://schemas.openxmlformats.org/drawingml/2006/main" xmlns:r="http://schemas.openxmlformats.org/officeDocument/2006/relationships" xmlns:p="http://schemas.openxmlformats.org/presentationml/2006/main">
   <p:cSld>
     <p:spTree>
@@ -9647,18 +12067,132 @@
           </a:bodyPr>
           <a:lstStyle/>
           <a:p>
-            <a:pPr marL="0" indent="0">
+            <a:pPr>
               <a:lnSpc>
-                <a:spcPct val="210000"/>
+                <a:spcPct val="100000"/>
               </a:lnSpc>
-              <a:buNone/>
             </a:pPr>
             <a:r>
               <a:rPr lang="en-US" dirty="0">
                 <a:latin typeface="Arial" panose="020B0604020202020204" pitchFamily="34" charset="0"/>
                 <a:cs typeface="Arial" panose="020B0604020202020204" pitchFamily="34" charset="0"/>
-              </a:rPr>
-              <a:t>Short </a:t>
+                <a:sym typeface="Wingdings" pitchFamily="2" charset="2"/>
+              </a:rPr>
+              <a:t>Approaches</a:t>
+            </a:r>
+          </a:p>
+          <a:p>
+            <a:pPr lvl="1">
+              <a:lnSpc>
+                <a:spcPct val="100000"/>
+              </a:lnSpc>
+            </a:pPr>
+            <a:r>
+              <a:rPr lang="en-US" dirty="0">
+                <a:latin typeface="Arial" panose="020B0604020202020204" pitchFamily="34" charset="0"/>
+                <a:cs typeface="Arial" panose="020B0604020202020204" pitchFamily="34" charset="0"/>
+                <a:sym typeface="Wingdings" pitchFamily="2" charset="2"/>
+              </a:rPr>
+              <a:t>criticism of “Bag of words” context</a:t>
+            </a:r>
+          </a:p>
+          <a:p>
+            <a:pPr lvl="1">
+              <a:lnSpc>
+                <a:spcPct val="100000"/>
+              </a:lnSpc>
+            </a:pPr>
+            <a:r>
+              <a:rPr lang="en-US" dirty="0">
+                <a:latin typeface="Arial" panose="020B0604020202020204" pitchFamily="34" charset="0"/>
+                <a:cs typeface="Arial" panose="020B0604020202020204" pitchFamily="34" charset="0"/>
+                <a:sym typeface="Wingdings" pitchFamily="2" charset="2"/>
+              </a:rPr>
+              <a:t>representation of documents as an extraction of semantic relationships </a:t>
+            </a:r>
+          </a:p>
+          <a:p>
+            <a:pPr lvl="1">
+              <a:lnSpc>
+                <a:spcPct val="100000"/>
+              </a:lnSpc>
+            </a:pPr>
+            <a:r>
+              <a:rPr lang="en-US" b="1" dirty="0">
+                <a:latin typeface="Arial" panose="020B0604020202020204" pitchFamily="34" charset="0"/>
+                <a:cs typeface="Arial" panose="020B0604020202020204" pitchFamily="34" charset="0"/>
+                <a:sym typeface="Wingdings" pitchFamily="2" charset="2"/>
+              </a:rPr>
+              <a:t>dense</a:t>
+            </a:r>
+            <a:r>
+              <a:rPr lang="en-US" dirty="0">
+                <a:latin typeface="Arial" panose="020B0604020202020204" pitchFamily="34" charset="0"/>
+                <a:cs typeface="Arial" panose="020B0604020202020204" pitchFamily="34" charset="0"/>
+                <a:sym typeface="Wingdings" pitchFamily="2" charset="2"/>
+              </a:rPr>
+              <a:t> (Wang et al. 2017b) vs. </a:t>
+            </a:r>
+            <a:r>
+              <a:rPr lang="en-US" b="1" dirty="0">
+                <a:latin typeface="Arial" panose="020B0604020202020204" pitchFamily="34" charset="0"/>
+                <a:cs typeface="Arial" panose="020B0604020202020204" pitchFamily="34" charset="0"/>
+                <a:sym typeface="Wingdings" pitchFamily="2" charset="2"/>
+              </a:rPr>
+              <a:t>sparse vectors </a:t>
+            </a:r>
+            <a:r>
+              <a:rPr lang="en-US" dirty="0">
+                <a:latin typeface="Arial" panose="020B0604020202020204" pitchFamily="34" charset="0"/>
+                <a:cs typeface="Arial" panose="020B0604020202020204" pitchFamily="34" charset="0"/>
+                <a:sym typeface="Wingdings" pitchFamily="2" charset="2"/>
+              </a:rPr>
+              <a:t>(Chen et al. 2019)</a:t>
+            </a:r>
+          </a:p>
+          <a:p>
+            <a:pPr lvl="2">
+              <a:lnSpc>
+                <a:spcPct val="100000"/>
+              </a:lnSpc>
+            </a:pPr>
+            <a:r>
+              <a:rPr lang="en-US" dirty="0">
+                <a:latin typeface="Arial" panose="020B0604020202020204" pitchFamily="34" charset="0"/>
+                <a:cs typeface="Arial" panose="020B0604020202020204" pitchFamily="34" charset="0"/>
+                <a:sym typeface="Wingdings" pitchFamily="2" charset="2"/>
+              </a:rPr>
+              <a:t>sparse: tf-idf and count vectorizer </a:t>
+            </a:r>
+          </a:p>
+          <a:p>
+            <a:pPr lvl="2">
+              <a:lnSpc>
+                <a:spcPct val="100000"/>
+              </a:lnSpc>
+            </a:pPr>
+            <a:r>
+              <a:rPr lang="en-US" dirty="0">
+                <a:latin typeface="Arial" panose="020B0604020202020204" pitchFamily="34" charset="0"/>
+                <a:cs typeface="Arial" panose="020B0604020202020204" pitchFamily="34" charset="0"/>
+                <a:sym typeface="Wingdings" pitchFamily="2" charset="2"/>
+              </a:rPr>
+              <a:t>dense: word2vec, doc2vec etc.</a:t>
+            </a:r>
+          </a:p>
+          <a:p>
+            <a:pPr lvl="1">
+              <a:lnSpc>
+                <a:spcPct val="100000"/>
+              </a:lnSpc>
+            </a:pPr>
+            <a:r>
+              <a:rPr lang="en-US" dirty="0">
+                <a:latin typeface="Arial" panose="020B0604020202020204" pitchFamily="34" charset="0"/>
+                <a:cs typeface="Arial" panose="020B0604020202020204" pitchFamily="34" charset="0"/>
+                <a:sym typeface="Wingdings" pitchFamily="2" charset="2"/>
+              </a:rPr>
+              <a:t>no consensus for classifiers</a:t>
             </a:r>
           </a:p>
         </p:txBody>
@@ -9718,7 +12252,7 @@
                 <a:latin typeface="Arial" panose="020B0604020202020204" pitchFamily="34" charset="0"/>
                 <a:cs typeface="Arial" panose="020B0604020202020204" pitchFamily="34" charset="0"/>
               </a:rPr>
-              <a:t>   Data </a:t>
+              <a:t>   Related Work – Short Text Classification</a:t>
             </a:r>
           </a:p>
         </p:txBody>
@@ -9749,7 +12283,7 @@
                 <a:latin typeface="Arial" panose="020B0604020202020204" pitchFamily="34" charset="0"/>
                 <a:cs typeface="Arial" panose="020B0604020202020204" pitchFamily="34" charset="0"/>
               </a:rPr>
-              <a:t>12/4/21</a:t>
+              <a:t>12/9/21</a:t>
             </a:fld>
             <a:endParaRPr lang="en-US">
               <a:latin typeface="Arial" panose="020B0604020202020204" pitchFamily="34" charset="0"/>
@@ -9815,19 +12349,1276 @@
                 <a:latin typeface="Arial" panose="020B0604020202020204" pitchFamily="34" charset="0"/>
                 <a:cs typeface="Arial" panose="020B0604020202020204" pitchFamily="34" charset="0"/>
               </a:rPr>
-              <a:t>8</a:t>
+              <a:t>7</a:t>
             </a:fld>
-            <a:endParaRPr lang="en-US">
+            <a:endParaRPr lang="en-US" dirty="0">
               <a:latin typeface="Arial" panose="020B0604020202020204" pitchFamily="34" charset="0"/>
               <a:cs typeface="Arial" panose="020B0604020202020204" pitchFamily="34" charset="0"/>
             </a:endParaRPr>
           </a:p>
         </p:txBody>
       </p:sp>
+      <p:grpSp>
+        <p:nvGrpSpPr>
+          <p:cNvPr id="37" name="Gruppieren 36">
+            <a:extLst>
+              <a:ext uri="{FF2B5EF4-FFF2-40B4-BE49-F238E27FC236}">
+                <a16:creationId xmlns:a16="http://schemas.microsoft.com/office/drawing/2014/main" id="{FCA079BB-E647-0245-8983-538B0E304BE5}"/>
+              </a:ext>
+            </a:extLst>
+          </p:cNvPr>
+          <p:cNvGrpSpPr/>
+          <p:nvPr/>
+        </p:nvGrpSpPr>
+        <p:grpSpPr>
+          <a:xfrm>
+            <a:off x="6021371" y="3912730"/>
+            <a:ext cx="2675494" cy="1376369"/>
+            <a:chOff x="779450" y="4584700"/>
+            <a:chExt cx="2026116" cy="1050527"/>
+          </a:xfrm>
+        </p:grpSpPr>
+        <p:grpSp>
+          <p:nvGrpSpPr>
+            <p:cNvPr id="6" name="Gruppieren 5">
+              <a:extLst>
+                <a:ext uri="{FF2B5EF4-FFF2-40B4-BE49-F238E27FC236}">
+                  <a16:creationId xmlns:a16="http://schemas.microsoft.com/office/drawing/2014/main" id="{C5131747-F194-BB47-A77F-2DB57B683DF7}"/>
+                </a:ext>
+              </a:extLst>
+            </p:cNvPr>
+            <p:cNvGrpSpPr/>
+            <p:nvPr/>
+          </p:nvGrpSpPr>
+          <p:grpSpPr>
+            <a:xfrm>
+              <a:off x="818660" y="4584700"/>
+              <a:ext cx="1986906" cy="415009"/>
+              <a:chOff x="818660" y="4584700"/>
+              <a:chExt cx="1986906" cy="415009"/>
+            </a:xfrm>
+          </p:grpSpPr>
+          <p:sp>
+            <p:nvSpPr>
+              <p:cNvPr id="2" name="Rechteck 1">
+                <a:extLst>
+                  <a:ext uri="{FF2B5EF4-FFF2-40B4-BE49-F238E27FC236}">
+                    <a16:creationId xmlns:a16="http://schemas.microsoft.com/office/drawing/2014/main" id="{2FB8A0D0-8B68-BC46-80D5-FD97B82B12DE}"/>
+                  </a:ext>
+                </a:extLst>
+              </p:cNvPr>
+              <p:cNvSpPr/>
+              <p:nvPr/>
+            </p:nvSpPr>
+            <p:spPr>
+              <a:xfrm>
+                <a:off x="838200" y="4584700"/>
+                <a:ext cx="252000" cy="252000"/>
+              </a:xfrm>
+              <a:prstGeom prst="rect">
+                <a:avLst/>
+              </a:prstGeom>
+              <a:gradFill flip="none" rotWithShape="1">
+                <a:gsLst>
+                  <a:gs pos="0">
+                    <a:schemeClr val="bg1">
+                      <a:lumMod val="65000"/>
+                      <a:tint val="66000"/>
+                      <a:satMod val="160000"/>
+                    </a:schemeClr>
+                  </a:gs>
+                  <a:gs pos="50000">
+                    <a:schemeClr val="bg1">
+                      <a:lumMod val="65000"/>
+                      <a:tint val="44500"/>
+                      <a:satMod val="160000"/>
+                    </a:schemeClr>
+                  </a:gs>
+                  <a:gs pos="100000">
+                    <a:schemeClr val="bg1">
+                      <a:lumMod val="65000"/>
+                      <a:tint val="23500"/>
+                      <a:satMod val="160000"/>
+                    </a:schemeClr>
+                  </a:gs>
+                </a:gsLst>
+                <a:path path="circle">
+                  <a:fillToRect l="100000" t="100000"/>
+                </a:path>
+                <a:tileRect r="-100000" b="-100000"/>
+              </a:gradFill>
+              <a:ln>
+                <a:noFill/>
+              </a:ln>
+            </p:spPr>
+            <p:style>
+              <a:lnRef idx="2">
+                <a:schemeClr val="accent1">
+                  <a:shade val="50000"/>
+                </a:schemeClr>
+              </a:lnRef>
+              <a:fillRef idx="1">
+                <a:schemeClr val="accent1"/>
+              </a:fillRef>
+              <a:effectRef idx="0">
+                <a:schemeClr val="accent1"/>
+              </a:effectRef>
+              <a:fontRef idx="minor">
+                <a:schemeClr val="lt1"/>
+              </a:fontRef>
+            </p:style>
+            <p:txBody>
+              <a:bodyPr rtlCol="0" anchor="ctr"/>
+              <a:lstStyle/>
+              <a:p>
+                <a:pPr algn="ctr"/>
+                <a:r>
+                  <a:rPr lang="de-DE" dirty="0">
+                    <a:solidFill>
+                      <a:schemeClr val="tx1"/>
+                    </a:solidFill>
+                  </a:rPr>
+                  <a:t>0</a:t>
+                </a:r>
+              </a:p>
+            </p:txBody>
+          </p:sp>
+          <p:sp>
+            <p:nvSpPr>
+              <p:cNvPr id="11" name="Rechteck 10">
+                <a:extLst>
+                  <a:ext uri="{FF2B5EF4-FFF2-40B4-BE49-F238E27FC236}">
+                    <a16:creationId xmlns:a16="http://schemas.microsoft.com/office/drawing/2014/main" id="{FB12CD4A-821F-964A-813F-6384313D5670}"/>
+                  </a:ext>
+                </a:extLst>
+              </p:cNvPr>
+              <p:cNvSpPr/>
+              <p:nvPr/>
+            </p:nvSpPr>
+            <p:spPr>
+              <a:xfrm>
+                <a:off x="1342200" y="4584700"/>
+                <a:ext cx="252000" cy="252000"/>
+              </a:xfrm>
+              <a:prstGeom prst="rect">
+                <a:avLst/>
+              </a:prstGeom>
+              <a:gradFill flip="none" rotWithShape="1">
+                <a:gsLst>
+                  <a:gs pos="0">
+                    <a:schemeClr val="bg1">
+                      <a:lumMod val="65000"/>
+                      <a:tint val="66000"/>
+                      <a:satMod val="160000"/>
+                    </a:schemeClr>
+                  </a:gs>
+                  <a:gs pos="50000">
+                    <a:schemeClr val="bg1">
+                      <a:lumMod val="65000"/>
+                      <a:tint val="44500"/>
+                      <a:satMod val="160000"/>
+                    </a:schemeClr>
+                  </a:gs>
+                  <a:gs pos="100000">
+                    <a:schemeClr val="bg1">
+                      <a:lumMod val="65000"/>
+                      <a:tint val="23500"/>
+                      <a:satMod val="160000"/>
+                    </a:schemeClr>
+                  </a:gs>
+                </a:gsLst>
+                <a:path path="circle">
+                  <a:fillToRect l="100000" t="100000"/>
+                </a:path>
+                <a:tileRect r="-100000" b="-100000"/>
+              </a:gradFill>
+              <a:ln>
+                <a:noFill/>
+              </a:ln>
+            </p:spPr>
+            <p:style>
+              <a:lnRef idx="2">
+                <a:schemeClr val="accent1">
+                  <a:shade val="50000"/>
+                </a:schemeClr>
+              </a:lnRef>
+              <a:fillRef idx="1">
+                <a:schemeClr val="accent1"/>
+              </a:fillRef>
+              <a:effectRef idx="0">
+                <a:schemeClr val="accent1"/>
+              </a:effectRef>
+              <a:fontRef idx="minor">
+                <a:schemeClr val="lt1"/>
+              </a:fontRef>
+            </p:style>
+            <p:txBody>
+              <a:bodyPr rtlCol="0" anchor="ctr"/>
+              <a:lstStyle/>
+              <a:p>
+                <a:pPr algn="ctr"/>
+                <a:r>
+                  <a:rPr lang="de-DE" dirty="0">
+                    <a:solidFill>
+                      <a:schemeClr val="tx1"/>
+                    </a:solidFill>
+                  </a:rPr>
+                  <a:t>0</a:t>
+                </a:r>
+              </a:p>
+            </p:txBody>
+          </p:sp>
+          <p:sp>
+            <p:nvSpPr>
+              <p:cNvPr id="13" name="Rechteck 12">
+                <a:extLst>
+                  <a:ext uri="{FF2B5EF4-FFF2-40B4-BE49-F238E27FC236}">
+                    <a16:creationId xmlns:a16="http://schemas.microsoft.com/office/drawing/2014/main" id="{DCCDA110-180D-3748-9C41-C57FCEF9570A}"/>
+                  </a:ext>
+                </a:extLst>
+              </p:cNvPr>
+              <p:cNvSpPr/>
+              <p:nvPr/>
+            </p:nvSpPr>
+            <p:spPr>
+              <a:xfrm>
+                <a:off x="1846200" y="4584700"/>
+                <a:ext cx="252000" cy="252000"/>
+              </a:xfrm>
+              <a:prstGeom prst="rect">
+                <a:avLst/>
+              </a:prstGeom>
+              <a:gradFill flip="none" rotWithShape="1">
+                <a:gsLst>
+                  <a:gs pos="0">
+                    <a:schemeClr val="bg1">
+                      <a:lumMod val="65000"/>
+                      <a:tint val="66000"/>
+                      <a:satMod val="160000"/>
+                    </a:schemeClr>
+                  </a:gs>
+                  <a:gs pos="50000">
+                    <a:schemeClr val="bg1">
+                      <a:lumMod val="65000"/>
+                      <a:tint val="44500"/>
+                      <a:satMod val="160000"/>
+                    </a:schemeClr>
+                  </a:gs>
+                  <a:gs pos="100000">
+                    <a:schemeClr val="bg1">
+                      <a:lumMod val="65000"/>
+                      <a:tint val="23500"/>
+                      <a:satMod val="160000"/>
+                    </a:schemeClr>
+                  </a:gs>
+                </a:gsLst>
+                <a:path path="circle">
+                  <a:fillToRect l="100000" t="100000"/>
+                </a:path>
+                <a:tileRect r="-100000" b="-100000"/>
+              </a:gradFill>
+              <a:ln>
+                <a:noFill/>
+              </a:ln>
+            </p:spPr>
+            <p:style>
+              <a:lnRef idx="2">
+                <a:schemeClr val="accent1">
+                  <a:shade val="50000"/>
+                </a:schemeClr>
+              </a:lnRef>
+              <a:fillRef idx="1">
+                <a:schemeClr val="accent1"/>
+              </a:fillRef>
+              <a:effectRef idx="0">
+                <a:schemeClr val="accent1"/>
+              </a:effectRef>
+              <a:fontRef idx="minor">
+                <a:schemeClr val="lt1"/>
+              </a:fontRef>
+            </p:style>
+            <p:txBody>
+              <a:bodyPr rtlCol="0" anchor="ctr"/>
+              <a:lstStyle/>
+              <a:p>
+                <a:pPr algn="ctr"/>
+                <a:r>
+                  <a:rPr lang="de-DE" dirty="0">
+                    <a:solidFill>
+                      <a:schemeClr val="tx1"/>
+                    </a:solidFill>
+                  </a:rPr>
+                  <a:t>0</a:t>
+                </a:r>
+              </a:p>
+            </p:txBody>
+          </p:sp>
+          <p:sp>
+            <p:nvSpPr>
+              <p:cNvPr id="15" name="Rechteck 14">
+                <a:extLst>
+                  <a:ext uri="{FF2B5EF4-FFF2-40B4-BE49-F238E27FC236}">
+                    <a16:creationId xmlns:a16="http://schemas.microsoft.com/office/drawing/2014/main" id="{F9E71D65-A093-D74A-8A56-76F24DC4DC98}"/>
+                  </a:ext>
+                </a:extLst>
+              </p:cNvPr>
+              <p:cNvSpPr/>
+              <p:nvPr/>
+            </p:nvSpPr>
+            <p:spPr>
+              <a:xfrm>
+                <a:off x="2350200" y="4584700"/>
+                <a:ext cx="252000" cy="252000"/>
+              </a:xfrm>
+              <a:prstGeom prst="rect">
+                <a:avLst/>
+              </a:prstGeom>
+              <a:gradFill flip="none" rotWithShape="1">
+                <a:gsLst>
+                  <a:gs pos="0">
+                    <a:schemeClr val="bg1">
+                      <a:lumMod val="65000"/>
+                      <a:tint val="66000"/>
+                      <a:satMod val="160000"/>
+                    </a:schemeClr>
+                  </a:gs>
+                  <a:gs pos="50000">
+                    <a:schemeClr val="bg1">
+                      <a:lumMod val="65000"/>
+                      <a:tint val="44500"/>
+                      <a:satMod val="160000"/>
+                    </a:schemeClr>
+                  </a:gs>
+                  <a:gs pos="100000">
+                    <a:schemeClr val="bg1">
+                      <a:lumMod val="65000"/>
+                      <a:tint val="23500"/>
+                      <a:satMod val="160000"/>
+                    </a:schemeClr>
+                  </a:gs>
+                </a:gsLst>
+                <a:path path="circle">
+                  <a:fillToRect l="100000" t="100000"/>
+                </a:path>
+                <a:tileRect r="-100000" b="-100000"/>
+              </a:gradFill>
+              <a:ln>
+                <a:noFill/>
+              </a:ln>
+            </p:spPr>
+            <p:style>
+              <a:lnRef idx="2">
+                <a:schemeClr val="accent1">
+                  <a:shade val="50000"/>
+                </a:schemeClr>
+              </a:lnRef>
+              <a:fillRef idx="1">
+                <a:schemeClr val="accent1"/>
+              </a:fillRef>
+              <a:effectRef idx="0">
+                <a:schemeClr val="accent1"/>
+              </a:effectRef>
+              <a:fontRef idx="minor">
+                <a:schemeClr val="lt1"/>
+              </a:fontRef>
+            </p:style>
+            <p:txBody>
+              <a:bodyPr rtlCol="0" anchor="ctr"/>
+              <a:lstStyle/>
+              <a:p>
+                <a:pPr algn="ctr"/>
+                <a:r>
+                  <a:rPr lang="de-DE" dirty="0">
+                    <a:solidFill>
+                      <a:schemeClr val="tx1"/>
+                    </a:solidFill>
+                  </a:rPr>
+                  <a:t>0</a:t>
+                </a:r>
+              </a:p>
+            </p:txBody>
+          </p:sp>
+          <p:sp>
+            <p:nvSpPr>
+              <p:cNvPr id="5" name="Textfeld 4">
+                <a:extLst>
+                  <a:ext uri="{FF2B5EF4-FFF2-40B4-BE49-F238E27FC236}">
+                    <a16:creationId xmlns:a16="http://schemas.microsoft.com/office/drawing/2014/main" id="{25CA911F-F24A-C445-BB68-B63D19307821}"/>
+                  </a:ext>
+                </a:extLst>
+              </p:cNvPr>
+              <p:cNvSpPr txBox="1"/>
+              <p:nvPr/>
+            </p:nvSpPr>
+            <p:spPr>
+              <a:xfrm>
+                <a:off x="818660" y="4809454"/>
+                <a:ext cx="442980" cy="184666"/>
+              </a:xfrm>
+              <a:prstGeom prst="rect">
+                <a:avLst/>
+              </a:prstGeom>
+              <a:noFill/>
+            </p:spPr>
+            <p:txBody>
+              <a:bodyPr wrap="square" rtlCol="0">
+                <a:spAutoFit/>
+              </a:bodyPr>
+              <a:lstStyle/>
+              <a:p>
+                <a:r>
+                  <a:rPr lang="de-DE" sz="600" dirty="0"/>
+                  <a:t>Java</a:t>
+                </a:r>
+              </a:p>
+            </p:txBody>
+          </p:sp>
+          <p:sp>
+            <p:nvSpPr>
+              <p:cNvPr id="23" name="Textfeld 22">
+                <a:extLst>
+                  <a:ext uri="{FF2B5EF4-FFF2-40B4-BE49-F238E27FC236}">
+                    <a16:creationId xmlns:a16="http://schemas.microsoft.com/office/drawing/2014/main" id="{A2ACDA72-D1CF-224F-A7BE-A09C51E7528D}"/>
+                  </a:ext>
+                </a:extLst>
+              </p:cNvPr>
+              <p:cNvSpPr txBox="1"/>
+              <p:nvPr/>
+            </p:nvSpPr>
+            <p:spPr>
+              <a:xfrm>
+                <a:off x="1300668" y="4809454"/>
+                <a:ext cx="442980" cy="184666"/>
+              </a:xfrm>
+              <a:prstGeom prst="rect">
+                <a:avLst/>
+              </a:prstGeom>
+              <a:noFill/>
+            </p:spPr>
+            <p:txBody>
+              <a:bodyPr wrap="square" rtlCol="0">
+                <a:spAutoFit/>
+              </a:bodyPr>
+              <a:lstStyle/>
+              <a:p>
+                <a:r>
+                  <a:rPr lang="de-DE" sz="600" dirty="0"/>
+                  <a:t>Python</a:t>
+                </a:r>
+              </a:p>
+            </p:txBody>
+          </p:sp>
+          <p:sp>
+            <p:nvSpPr>
+              <p:cNvPr id="24" name="Textfeld 23">
+                <a:extLst>
+                  <a:ext uri="{FF2B5EF4-FFF2-40B4-BE49-F238E27FC236}">
+                    <a16:creationId xmlns:a16="http://schemas.microsoft.com/office/drawing/2014/main" id="{77E28499-726F-9A40-BC90-A9D853623FA6}"/>
+                  </a:ext>
+                </a:extLst>
+              </p:cNvPr>
+              <p:cNvSpPr txBox="1"/>
+              <p:nvPr/>
+            </p:nvSpPr>
+            <p:spPr>
+              <a:xfrm>
+                <a:off x="1725188" y="4809454"/>
+                <a:ext cx="533104" cy="184666"/>
+              </a:xfrm>
+              <a:prstGeom prst="rect">
+                <a:avLst/>
+              </a:prstGeom>
+              <a:noFill/>
+            </p:spPr>
+            <p:txBody>
+              <a:bodyPr wrap="square" rtlCol="0">
+                <a:spAutoFit/>
+              </a:bodyPr>
+              <a:lstStyle/>
+              <a:p>
+                <a:r>
+                  <a:rPr lang="de-DE" sz="600" dirty="0"/>
+                  <a:t>developer</a:t>
+                </a:r>
+              </a:p>
+            </p:txBody>
+          </p:sp>
+          <p:sp>
+            <p:nvSpPr>
+              <p:cNvPr id="25" name="Textfeld 24">
+                <a:extLst>
+                  <a:ext uri="{FF2B5EF4-FFF2-40B4-BE49-F238E27FC236}">
+                    <a16:creationId xmlns:a16="http://schemas.microsoft.com/office/drawing/2014/main" id="{F4922E9D-3095-F844-A508-660F4009ED3B}"/>
+                  </a:ext>
+                </a:extLst>
+              </p:cNvPr>
+              <p:cNvSpPr txBox="1"/>
+              <p:nvPr/>
+            </p:nvSpPr>
+            <p:spPr>
+              <a:xfrm>
+                <a:off x="2256924" y="4815043"/>
+                <a:ext cx="548642" cy="184666"/>
+              </a:xfrm>
+              <a:prstGeom prst="rect">
+                <a:avLst/>
+              </a:prstGeom>
+              <a:noFill/>
+            </p:spPr>
+            <p:txBody>
+              <a:bodyPr wrap="square" rtlCol="0">
+                <a:spAutoFit/>
+              </a:bodyPr>
+              <a:lstStyle/>
+              <a:p>
+                <a:r>
+                  <a:rPr lang="de-DE" sz="600" dirty="0"/>
+                  <a:t>Entwickler</a:t>
+                </a:r>
+              </a:p>
+            </p:txBody>
+          </p:sp>
+        </p:grpSp>
+        <p:sp>
+          <p:nvSpPr>
+            <p:cNvPr id="26" name="Textfeld 25">
+              <a:extLst>
+                <a:ext uri="{FF2B5EF4-FFF2-40B4-BE49-F238E27FC236}">
+                  <a16:creationId xmlns:a16="http://schemas.microsoft.com/office/drawing/2014/main" id="{4D8736C3-1F31-824A-BC91-478C5C5EFA70}"/>
+                </a:ext>
+              </a:extLst>
+            </p:cNvPr>
+            <p:cNvSpPr txBox="1"/>
+            <p:nvPr/>
+          </p:nvSpPr>
+          <p:spPr>
+            <a:xfrm>
+              <a:off x="779450" y="5019753"/>
+              <a:ext cx="2006602" cy="461665"/>
+            </a:xfrm>
+            <a:prstGeom prst="rect">
+              <a:avLst/>
+            </a:prstGeom>
+            <a:noFill/>
+          </p:spPr>
+          <p:txBody>
+            <a:bodyPr wrap="square" rtlCol="0">
+              <a:spAutoFit/>
+            </a:bodyPr>
+            <a:lstStyle/>
+            <a:p>
+              <a:r>
+                <a:rPr lang="de-DE" sz="600" dirty="0"/>
+                <a:t>Example 1: „Java developer“</a:t>
+              </a:r>
+            </a:p>
+            <a:p>
+              <a:endParaRPr lang="de-DE" sz="600" dirty="0"/>
+            </a:p>
+            <a:p>
+              <a:endParaRPr lang="de-DE" sz="600" dirty="0"/>
+            </a:p>
+            <a:p>
+              <a:r>
+                <a:rPr lang="de-DE" sz="600" dirty="0"/>
+                <a:t> </a:t>
+              </a:r>
+            </a:p>
+          </p:txBody>
+        </p:sp>
+        <p:grpSp>
+          <p:nvGrpSpPr>
+            <p:cNvPr id="27" name="Gruppieren 26">
+              <a:extLst>
+                <a:ext uri="{FF2B5EF4-FFF2-40B4-BE49-F238E27FC236}">
+                  <a16:creationId xmlns:a16="http://schemas.microsoft.com/office/drawing/2014/main" id="{9AA4EA30-2322-F343-A80E-8A86FDB1272A}"/>
+                </a:ext>
+              </a:extLst>
+            </p:cNvPr>
+            <p:cNvGrpSpPr/>
+            <p:nvPr/>
+          </p:nvGrpSpPr>
+          <p:grpSpPr>
+            <a:xfrm>
+              <a:off x="818660" y="5225807"/>
+              <a:ext cx="1783540" cy="409420"/>
+              <a:chOff x="818660" y="4584700"/>
+              <a:chExt cx="1783540" cy="409420"/>
+            </a:xfrm>
+          </p:grpSpPr>
+          <p:sp>
+            <p:nvSpPr>
+              <p:cNvPr id="28" name="Rechteck 27">
+                <a:extLst>
+                  <a:ext uri="{FF2B5EF4-FFF2-40B4-BE49-F238E27FC236}">
+                    <a16:creationId xmlns:a16="http://schemas.microsoft.com/office/drawing/2014/main" id="{A8F6EBFC-36F8-474E-A936-FF40331D58AA}"/>
+                  </a:ext>
+                </a:extLst>
+              </p:cNvPr>
+              <p:cNvSpPr/>
+              <p:nvPr/>
+            </p:nvSpPr>
+            <p:spPr>
+              <a:xfrm>
+                <a:off x="838200" y="4584700"/>
+                <a:ext cx="252000" cy="252000"/>
+              </a:xfrm>
+              <a:prstGeom prst="rect">
+                <a:avLst/>
+              </a:prstGeom>
+              <a:gradFill flip="none" rotWithShape="1">
+                <a:gsLst>
+                  <a:gs pos="0">
+                    <a:srgbClr val="8AAEE4">
+                      <a:tint val="66000"/>
+                      <a:satMod val="160000"/>
+                    </a:srgbClr>
+                  </a:gs>
+                  <a:gs pos="50000">
+                    <a:srgbClr val="8AAEE4">
+                      <a:tint val="44500"/>
+                      <a:satMod val="160000"/>
+                    </a:srgbClr>
+                  </a:gs>
+                  <a:gs pos="100000">
+                    <a:srgbClr val="8AAEE4">
+                      <a:tint val="23500"/>
+                      <a:satMod val="160000"/>
+                    </a:srgbClr>
+                  </a:gs>
+                </a:gsLst>
+                <a:path path="circle">
+                  <a:fillToRect l="100000" t="100000"/>
+                </a:path>
+                <a:tileRect r="-100000" b="-100000"/>
+              </a:gradFill>
+              <a:ln>
+                <a:noFill/>
+              </a:ln>
+            </p:spPr>
+            <p:style>
+              <a:lnRef idx="2">
+                <a:schemeClr val="accent1">
+                  <a:shade val="50000"/>
+                </a:schemeClr>
+              </a:lnRef>
+              <a:fillRef idx="1">
+                <a:schemeClr val="accent1"/>
+              </a:fillRef>
+              <a:effectRef idx="0">
+                <a:schemeClr val="accent1"/>
+              </a:effectRef>
+              <a:fontRef idx="minor">
+                <a:schemeClr val="lt1"/>
+              </a:fontRef>
+            </p:style>
+            <p:txBody>
+              <a:bodyPr rtlCol="0" anchor="ctr"/>
+              <a:lstStyle/>
+              <a:p>
+                <a:pPr algn="ctr"/>
+                <a:r>
+                  <a:rPr lang="de-DE" dirty="0">
+                    <a:solidFill>
+                      <a:schemeClr val="tx1"/>
+                    </a:solidFill>
+                  </a:rPr>
+                  <a:t>0</a:t>
+                </a:r>
+              </a:p>
+            </p:txBody>
+          </p:sp>
+          <p:sp>
+            <p:nvSpPr>
+              <p:cNvPr id="29" name="Rechteck 28">
+                <a:extLst>
+                  <a:ext uri="{FF2B5EF4-FFF2-40B4-BE49-F238E27FC236}">
+                    <a16:creationId xmlns:a16="http://schemas.microsoft.com/office/drawing/2014/main" id="{9DD2A066-6F3B-8A4F-9CDF-53AC67C02636}"/>
+                  </a:ext>
+                </a:extLst>
+              </p:cNvPr>
+              <p:cNvSpPr/>
+              <p:nvPr/>
+            </p:nvSpPr>
+            <p:spPr>
+              <a:xfrm>
+                <a:off x="1342200" y="4584700"/>
+                <a:ext cx="252000" cy="252000"/>
+              </a:xfrm>
+              <a:prstGeom prst="rect">
+                <a:avLst/>
+              </a:prstGeom>
+              <a:gradFill flip="none" rotWithShape="1">
+                <a:gsLst>
+                  <a:gs pos="0">
+                    <a:schemeClr val="bg1">
+                      <a:lumMod val="65000"/>
+                      <a:tint val="66000"/>
+                      <a:satMod val="160000"/>
+                    </a:schemeClr>
+                  </a:gs>
+                  <a:gs pos="50000">
+                    <a:schemeClr val="bg1">
+                      <a:lumMod val="65000"/>
+                      <a:tint val="44500"/>
+                      <a:satMod val="160000"/>
+                    </a:schemeClr>
+                  </a:gs>
+                  <a:gs pos="100000">
+                    <a:schemeClr val="bg1">
+                      <a:lumMod val="65000"/>
+                      <a:tint val="23500"/>
+                      <a:satMod val="160000"/>
+                    </a:schemeClr>
+                  </a:gs>
+                </a:gsLst>
+                <a:path path="circle">
+                  <a:fillToRect l="100000" t="100000"/>
+                </a:path>
+                <a:tileRect r="-100000" b="-100000"/>
+              </a:gradFill>
+              <a:ln>
+                <a:noFill/>
+              </a:ln>
+            </p:spPr>
+            <p:style>
+              <a:lnRef idx="2">
+                <a:schemeClr val="accent1">
+                  <a:shade val="50000"/>
+                </a:schemeClr>
+              </a:lnRef>
+              <a:fillRef idx="1">
+                <a:schemeClr val="accent1"/>
+              </a:fillRef>
+              <a:effectRef idx="0">
+                <a:schemeClr val="accent1"/>
+              </a:effectRef>
+              <a:fontRef idx="minor">
+                <a:schemeClr val="lt1"/>
+              </a:fontRef>
+            </p:style>
+            <p:txBody>
+              <a:bodyPr rtlCol="0" anchor="ctr"/>
+              <a:lstStyle/>
+              <a:p>
+                <a:pPr algn="ctr"/>
+                <a:r>
+                  <a:rPr lang="de-DE" dirty="0">
+                    <a:solidFill>
+                      <a:schemeClr val="tx1"/>
+                    </a:solidFill>
+                  </a:rPr>
+                  <a:t>0</a:t>
+                </a:r>
+              </a:p>
+            </p:txBody>
+          </p:sp>
+          <p:sp>
+            <p:nvSpPr>
+              <p:cNvPr id="30" name="Rechteck 29">
+                <a:extLst>
+                  <a:ext uri="{FF2B5EF4-FFF2-40B4-BE49-F238E27FC236}">
+                    <a16:creationId xmlns:a16="http://schemas.microsoft.com/office/drawing/2014/main" id="{698EE2DC-663F-3648-AAB6-6CD2A455EFCD}"/>
+                  </a:ext>
+                </a:extLst>
+              </p:cNvPr>
+              <p:cNvSpPr/>
+              <p:nvPr/>
+            </p:nvSpPr>
+            <p:spPr>
+              <a:xfrm>
+                <a:off x="1846200" y="4584700"/>
+                <a:ext cx="252000" cy="252000"/>
+              </a:xfrm>
+              <a:prstGeom prst="rect">
+                <a:avLst/>
+              </a:prstGeom>
+              <a:gradFill flip="none" rotWithShape="1">
+                <a:gsLst>
+                  <a:gs pos="0">
+                    <a:srgbClr val="8AAEE4">
+                      <a:tint val="66000"/>
+                      <a:satMod val="160000"/>
+                    </a:srgbClr>
+                  </a:gs>
+                  <a:gs pos="50000">
+                    <a:srgbClr val="8AAEE4">
+                      <a:tint val="44500"/>
+                      <a:satMod val="160000"/>
+                    </a:srgbClr>
+                  </a:gs>
+                  <a:gs pos="100000">
+                    <a:srgbClr val="8AAEE4">
+                      <a:tint val="23500"/>
+                      <a:satMod val="160000"/>
+                    </a:srgbClr>
+                  </a:gs>
+                </a:gsLst>
+                <a:path path="circle">
+                  <a:fillToRect l="100000" t="100000"/>
+                </a:path>
+                <a:tileRect r="-100000" b="-100000"/>
+              </a:gradFill>
+              <a:ln>
+                <a:noFill/>
+              </a:ln>
+            </p:spPr>
+            <p:style>
+              <a:lnRef idx="2">
+                <a:schemeClr val="accent1">
+                  <a:shade val="50000"/>
+                </a:schemeClr>
+              </a:lnRef>
+              <a:fillRef idx="1">
+                <a:schemeClr val="accent1"/>
+              </a:fillRef>
+              <a:effectRef idx="0">
+                <a:schemeClr val="accent1"/>
+              </a:effectRef>
+              <a:fontRef idx="minor">
+                <a:schemeClr val="lt1"/>
+              </a:fontRef>
+            </p:style>
+            <p:txBody>
+              <a:bodyPr rtlCol="0" anchor="ctr"/>
+              <a:lstStyle/>
+              <a:p>
+                <a:pPr algn="ctr"/>
+                <a:r>
+                  <a:rPr lang="de-DE" dirty="0">
+                    <a:solidFill>
+                      <a:schemeClr val="tx1"/>
+                    </a:solidFill>
+                  </a:rPr>
+                  <a:t>0</a:t>
+                </a:r>
+              </a:p>
+            </p:txBody>
+          </p:sp>
+          <p:sp>
+            <p:nvSpPr>
+              <p:cNvPr id="31" name="Rechteck 30">
+                <a:extLst>
+                  <a:ext uri="{FF2B5EF4-FFF2-40B4-BE49-F238E27FC236}">
+                    <a16:creationId xmlns:a16="http://schemas.microsoft.com/office/drawing/2014/main" id="{E1B09FAE-E8FE-2B4F-A82D-AC59E356DA0F}"/>
+                  </a:ext>
+                </a:extLst>
+              </p:cNvPr>
+              <p:cNvSpPr/>
+              <p:nvPr/>
+            </p:nvSpPr>
+            <p:spPr>
+              <a:xfrm>
+                <a:off x="2350200" y="4584700"/>
+                <a:ext cx="252000" cy="252000"/>
+              </a:xfrm>
+              <a:prstGeom prst="rect">
+                <a:avLst/>
+              </a:prstGeom>
+              <a:gradFill flip="none" rotWithShape="1">
+                <a:gsLst>
+                  <a:gs pos="0">
+                    <a:schemeClr val="bg1">
+                      <a:lumMod val="65000"/>
+                      <a:tint val="66000"/>
+                      <a:satMod val="160000"/>
+                    </a:schemeClr>
+                  </a:gs>
+                  <a:gs pos="50000">
+                    <a:schemeClr val="bg1">
+                      <a:lumMod val="65000"/>
+                      <a:tint val="44500"/>
+                      <a:satMod val="160000"/>
+                    </a:schemeClr>
+                  </a:gs>
+                  <a:gs pos="100000">
+                    <a:schemeClr val="bg1">
+                      <a:lumMod val="65000"/>
+                      <a:tint val="23500"/>
+                      <a:satMod val="160000"/>
+                    </a:schemeClr>
+                  </a:gs>
+                </a:gsLst>
+                <a:path path="circle">
+                  <a:fillToRect l="100000" t="100000"/>
+                </a:path>
+                <a:tileRect r="-100000" b="-100000"/>
+              </a:gradFill>
+              <a:ln>
+                <a:noFill/>
+              </a:ln>
+            </p:spPr>
+            <p:style>
+              <a:lnRef idx="2">
+                <a:schemeClr val="accent1">
+                  <a:shade val="50000"/>
+                </a:schemeClr>
+              </a:lnRef>
+              <a:fillRef idx="1">
+                <a:schemeClr val="accent1"/>
+              </a:fillRef>
+              <a:effectRef idx="0">
+                <a:schemeClr val="accent1"/>
+              </a:effectRef>
+              <a:fontRef idx="minor">
+                <a:schemeClr val="lt1"/>
+              </a:fontRef>
+            </p:style>
+            <p:txBody>
+              <a:bodyPr rtlCol="0" anchor="ctr"/>
+              <a:lstStyle/>
+              <a:p>
+                <a:pPr algn="ctr"/>
+                <a:r>
+                  <a:rPr lang="de-DE" dirty="0">
+                    <a:solidFill>
+                      <a:schemeClr val="tx1"/>
+                    </a:solidFill>
+                  </a:rPr>
+                  <a:t>0</a:t>
+                </a:r>
+              </a:p>
+            </p:txBody>
+          </p:sp>
+          <p:sp>
+            <p:nvSpPr>
+              <p:cNvPr id="32" name="Textfeld 31">
+                <a:extLst>
+                  <a:ext uri="{FF2B5EF4-FFF2-40B4-BE49-F238E27FC236}">
+                    <a16:creationId xmlns:a16="http://schemas.microsoft.com/office/drawing/2014/main" id="{74CD895B-15C3-2D40-9C0C-4431B813F888}"/>
+                  </a:ext>
+                </a:extLst>
+              </p:cNvPr>
+              <p:cNvSpPr txBox="1"/>
+              <p:nvPr/>
+            </p:nvSpPr>
+            <p:spPr>
+              <a:xfrm>
+                <a:off x="818660" y="4809454"/>
+                <a:ext cx="442980" cy="184666"/>
+              </a:xfrm>
+              <a:prstGeom prst="rect">
+                <a:avLst/>
+              </a:prstGeom>
+              <a:noFill/>
+            </p:spPr>
+            <p:txBody>
+              <a:bodyPr wrap="square" rtlCol="0">
+                <a:spAutoFit/>
+              </a:bodyPr>
+              <a:lstStyle/>
+              <a:p>
+                <a:r>
+                  <a:rPr lang="de-DE" sz="600" dirty="0"/>
+                  <a:t>Java</a:t>
+                </a:r>
+              </a:p>
+            </p:txBody>
+          </p:sp>
+          <p:sp>
+            <p:nvSpPr>
+              <p:cNvPr id="33" name="Textfeld 32">
+                <a:extLst>
+                  <a:ext uri="{FF2B5EF4-FFF2-40B4-BE49-F238E27FC236}">
+                    <a16:creationId xmlns:a16="http://schemas.microsoft.com/office/drawing/2014/main" id="{D36483F0-9A9E-814F-9ED0-268FAD81E951}"/>
+                  </a:ext>
+                </a:extLst>
+              </p:cNvPr>
+              <p:cNvSpPr txBox="1"/>
+              <p:nvPr/>
+            </p:nvSpPr>
+            <p:spPr>
+              <a:xfrm>
+                <a:off x="1300668" y="4809454"/>
+                <a:ext cx="442980" cy="184666"/>
+              </a:xfrm>
+              <a:prstGeom prst="rect">
+                <a:avLst/>
+              </a:prstGeom>
+              <a:noFill/>
+            </p:spPr>
+            <p:txBody>
+              <a:bodyPr wrap="square" rtlCol="0">
+                <a:spAutoFit/>
+              </a:bodyPr>
+              <a:lstStyle/>
+              <a:p>
+                <a:r>
+                  <a:rPr lang="de-DE" sz="600" dirty="0"/>
+                  <a:t>Python</a:t>
+                </a:r>
+              </a:p>
+            </p:txBody>
+          </p:sp>
+          <p:sp>
+            <p:nvSpPr>
+              <p:cNvPr id="34" name="Textfeld 33">
+                <a:extLst>
+                  <a:ext uri="{FF2B5EF4-FFF2-40B4-BE49-F238E27FC236}">
+                    <a16:creationId xmlns:a16="http://schemas.microsoft.com/office/drawing/2014/main" id="{18FA9AD4-AA5A-4D42-B4C7-66C010EAF8C5}"/>
+                  </a:ext>
+                </a:extLst>
+              </p:cNvPr>
+              <p:cNvSpPr txBox="1"/>
+              <p:nvPr/>
+            </p:nvSpPr>
+            <p:spPr>
+              <a:xfrm>
+                <a:off x="1725188" y="4809454"/>
+                <a:ext cx="533104" cy="184666"/>
+              </a:xfrm>
+              <a:prstGeom prst="rect">
+                <a:avLst/>
+              </a:prstGeom>
+              <a:noFill/>
+            </p:spPr>
+            <p:txBody>
+              <a:bodyPr wrap="square" rtlCol="0">
+                <a:spAutoFit/>
+              </a:bodyPr>
+              <a:lstStyle/>
+              <a:p>
+                <a:r>
+                  <a:rPr lang="de-DE" sz="600" dirty="0"/>
+                  <a:t>developer</a:t>
+                </a:r>
+              </a:p>
+            </p:txBody>
+          </p:sp>
+        </p:grpSp>
+        <p:sp>
+          <p:nvSpPr>
+            <p:cNvPr id="36" name="Textfeld 35">
+              <a:extLst>
+                <a:ext uri="{FF2B5EF4-FFF2-40B4-BE49-F238E27FC236}">
+                  <a16:creationId xmlns:a16="http://schemas.microsoft.com/office/drawing/2014/main" id="{6B7B04DC-5FCB-F345-9B35-91F70FDAF9E3}"/>
+                </a:ext>
+              </a:extLst>
+            </p:cNvPr>
+            <p:cNvSpPr txBox="1"/>
+            <p:nvPr/>
+          </p:nvSpPr>
+          <p:spPr>
+            <a:xfrm>
+              <a:off x="2256924" y="5450561"/>
+              <a:ext cx="548642" cy="184666"/>
+            </a:xfrm>
+            <a:prstGeom prst="rect">
+              <a:avLst/>
+            </a:prstGeom>
+            <a:noFill/>
+          </p:spPr>
+          <p:txBody>
+            <a:bodyPr wrap="square" rtlCol="0">
+              <a:spAutoFit/>
+            </a:bodyPr>
+            <a:lstStyle/>
+            <a:p>
+              <a:r>
+                <a:rPr lang="de-DE" sz="600" dirty="0"/>
+                <a:t>Entwickler</a:t>
+              </a:r>
+            </a:p>
+          </p:txBody>
+        </p:sp>
+      </p:grpSp>
+      <p:pic>
+        <p:nvPicPr>
+          <p:cNvPr id="1026" name="Picture 2">
+            <a:extLst>
+              <a:ext uri="{FF2B5EF4-FFF2-40B4-BE49-F238E27FC236}">
+                <a16:creationId xmlns:a16="http://schemas.microsoft.com/office/drawing/2014/main" id="{AD0C6BAE-5BCA-0241-A2C4-D4FAEBFB5823}"/>
+              </a:ext>
+            </a:extLst>
+          </p:cNvPr>
+          <p:cNvPicPr>
+            <a:picLocks noChangeAspect="1" noChangeArrowheads="1"/>
+          </p:cNvPicPr>
+          <p:nvPr/>
+        </p:nvPicPr>
+        <p:blipFill>
+          <a:blip r:embed="rId3">
+            <a:extLst>
+              <a:ext uri="{28A0092B-C50C-407E-A947-70E740481C1C}">
+                <a14:useLocalDpi xmlns:a14="http://schemas.microsoft.com/office/drawing/2010/main" val="0"/>
+              </a:ext>
+            </a:extLst>
+          </a:blip>
+          <a:srcRect/>
+          <a:stretch>
+            <a:fillRect/>
+          </a:stretch>
+        </p:blipFill>
+        <p:spPr bwMode="auto">
+          <a:xfrm>
+            <a:off x="8933197" y="3898564"/>
+            <a:ext cx="2597740" cy="1390535"/>
+          </a:xfrm>
+          <a:prstGeom prst="rect">
+            <a:avLst/>
+          </a:prstGeom>
+          <a:noFill/>
+          <a:extLst>
+            <a:ext uri="{909E8E84-426E-40DD-AFC4-6F175D3DCCD1}">
+              <a14:hiddenFill xmlns:a14="http://schemas.microsoft.com/office/drawing/2010/main">
+                <a:solidFill>
+                  <a:srgbClr val="FFFFFF"/>
+                </a:solidFill>
+              </a14:hiddenFill>
+            </a:ext>
+          </a:extLst>
+        </p:spPr>
+      </p:pic>
+      <p:sp>
+        <p:nvSpPr>
+          <p:cNvPr id="38" name="Textfeld 37">
+            <a:extLst>
+              <a:ext uri="{FF2B5EF4-FFF2-40B4-BE49-F238E27FC236}">
+                <a16:creationId xmlns:a16="http://schemas.microsoft.com/office/drawing/2014/main" id="{89572BB8-E096-7949-8D9C-9AA4349116FD}"/>
+              </a:ext>
+            </a:extLst>
+          </p:cNvPr>
+          <p:cNvSpPr txBox="1"/>
+          <p:nvPr/>
+        </p:nvSpPr>
+        <p:spPr>
+          <a:xfrm>
+            <a:off x="6839130" y="5320091"/>
+            <a:ext cx="788229" cy="369332"/>
+          </a:xfrm>
+          <a:prstGeom prst="rect">
+            <a:avLst/>
+          </a:prstGeom>
+          <a:noFill/>
+        </p:spPr>
+        <p:txBody>
+          <a:bodyPr wrap="none" rtlCol="0">
+            <a:spAutoFit/>
+          </a:bodyPr>
+          <a:lstStyle/>
+          <a:p>
+            <a:r>
+              <a:rPr lang="de-DE" dirty="0" err="1"/>
+              <a:t>sparse</a:t>
+            </a:r>
+            <a:endParaRPr lang="de-DE" dirty="0"/>
+          </a:p>
+        </p:txBody>
+      </p:sp>
+      <p:sp>
+        <p:nvSpPr>
+          <p:cNvPr id="40" name="Textfeld 39">
+            <a:extLst>
+              <a:ext uri="{FF2B5EF4-FFF2-40B4-BE49-F238E27FC236}">
+                <a16:creationId xmlns:a16="http://schemas.microsoft.com/office/drawing/2014/main" id="{64368E8E-AF48-7742-8267-4437F2CE8F98}"/>
+              </a:ext>
+            </a:extLst>
+          </p:cNvPr>
+          <p:cNvSpPr txBox="1"/>
+          <p:nvPr/>
+        </p:nvSpPr>
+        <p:spPr>
+          <a:xfrm>
+            <a:off x="9982200" y="5320091"/>
+            <a:ext cx="801823" cy="369332"/>
+          </a:xfrm>
+          <a:prstGeom prst="rect">
+            <a:avLst/>
+          </a:prstGeom>
+          <a:noFill/>
+        </p:spPr>
+        <p:txBody>
+          <a:bodyPr wrap="none" rtlCol="0">
+            <a:spAutoFit/>
+          </a:bodyPr>
+          <a:lstStyle/>
+          <a:p>
+            <a:r>
+              <a:rPr lang="de-DE" dirty="0" err="1"/>
+              <a:t>dense</a:t>
+            </a:r>
+            <a:r>
+              <a:rPr lang="de-DE" dirty="0"/>
+              <a:t> </a:t>
+            </a:r>
+          </a:p>
+        </p:txBody>
+      </p:sp>
+      <p:sp>
+        <p:nvSpPr>
+          <p:cNvPr id="41" name="Textfeld 40">
+            <a:extLst>
+              <a:ext uri="{FF2B5EF4-FFF2-40B4-BE49-F238E27FC236}">
+                <a16:creationId xmlns:a16="http://schemas.microsoft.com/office/drawing/2014/main" id="{D7561AEE-821E-9749-B989-639FDD3C3725}"/>
+              </a:ext>
+            </a:extLst>
+          </p:cNvPr>
+          <p:cNvSpPr txBox="1"/>
+          <p:nvPr/>
+        </p:nvSpPr>
+        <p:spPr>
+          <a:xfrm>
+            <a:off x="3019245" y="5597090"/>
+            <a:ext cx="8912902" cy="184666"/>
+          </a:xfrm>
+          <a:prstGeom prst="rect">
+            <a:avLst/>
+          </a:prstGeom>
+          <a:noFill/>
+        </p:spPr>
+        <p:txBody>
+          <a:bodyPr wrap="square" rtlCol="0">
+            <a:spAutoFit/>
+          </a:bodyPr>
+          <a:lstStyle/>
+          <a:p>
+            <a:r>
+              <a:rPr lang="de-DE" sz="600" dirty="0" err="1"/>
+              <a:t>source</a:t>
+            </a:r>
+            <a:r>
+              <a:rPr lang="de-DE" sz="600" dirty="0"/>
+              <a:t>: </a:t>
+            </a:r>
+            <a:r>
+              <a:rPr lang="de-DE" sz="600" dirty="0" err="1"/>
+              <a:t>Alammar</a:t>
+            </a:r>
+            <a:r>
+              <a:rPr lang="de-DE" sz="600" dirty="0"/>
+              <a:t>, J. The </a:t>
+            </a:r>
+            <a:r>
+              <a:rPr lang="de-DE" sz="600" dirty="0" err="1"/>
+              <a:t>illustrated</a:t>
+            </a:r>
+            <a:r>
+              <a:rPr lang="de-DE" sz="600" dirty="0"/>
+              <a:t> Word2vec. 2019 &lt;https://</a:t>
+            </a:r>
+            <a:r>
+              <a:rPr lang="de-DE" sz="600" dirty="0" err="1"/>
+              <a:t>jalammar.github.io</a:t>
+            </a:r>
+            <a:r>
+              <a:rPr lang="de-DE" sz="600" dirty="0"/>
+              <a:t>/illustrated-word2vec/.&gt; </a:t>
+            </a:r>
+            <a:r>
+              <a:rPr lang="de-DE" sz="600" dirty="0" err="1"/>
+              <a:t>Accessed</a:t>
+            </a:r>
+            <a:r>
+              <a:rPr lang="de-DE" sz="600" dirty="0"/>
+              <a:t>: 09.12.2021 </a:t>
+            </a:r>
+          </a:p>
+        </p:txBody>
+      </p:sp>
     </p:spTree>
     <p:extLst>
       <p:ext uri="{BB962C8B-B14F-4D97-AF65-F5344CB8AC3E}">
-        <p14:creationId xmlns:p14="http://schemas.microsoft.com/office/powerpoint/2010/main" val="3289629726"/>
+        <p14:creationId xmlns:p14="http://schemas.microsoft.com/office/powerpoint/2010/main" val="1507988059"/>
       </p:ext>
     </p:extLst>
   </p:cSld>
@@ -9837,7 +13628,7 @@
 </p:sld>
 </file>
 
-<file path=ppt/slides/slide9.xml><?xml version="1.0" encoding="utf-8"?>
+<file path=ppt/slides/slide8.xml><?xml version="1.0" encoding="utf-8"?>
 <p:sld xmlns:a="http://schemas.openxmlformats.org/drawingml/2006/main" xmlns:r="http://schemas.openxmlformats.org/officeDocument/2006/relationships" xmlns:p="http://schemas.openxmlformats.org/presentationml/2006/main">
   <p:cSld>
     <p:spTree>
@@ -9873,7 +13664,7 @@
         <p:spPr>
           <a:xfrm>
             <a:off x="501316" y="1939925"/>
-            <a:ext cx="10515600" cy="4351338"/>
+            <a:ext cx="8756984" cy="4351338"/>
           </a:xfrm>
         </p:spPr>
         <p:txBody>
@@ -9882,19 +13673,98 @@
           </a:bodyPr>
           <a:lstStyle/>
           <a:p>
+            <a:pPr>
+              <a:lnSpc>
+                <a:spcPct val="170000"/>
+              </a:lnSpc>
+            </a:pPr>
+            <a:r>
+              <a:rPr lang="en-US" dirty="0">
+                <a:latin typeface="Arial" panose="020B0604020202020204" pitchFamily="34" charset="0"/>
+                <a:cs typeface="Arial" panose="020B0604020202020204" pitchFamily="34" charset="0"/>
+              </a:rPr>
+              <a:t>no classification attempts for the German job market</a:t>
+            </a:r>
+          </a:p>
+          <a:p>
+            <a:pPr>
+              <a:lnSpc>
+                <a:spcPct val="170000"/>
+              </a:lnSpc>
+            </a:pPr>
+            <a:r>
+              <a:rPr lang="en-US" dirty="0">
+                <a:latin typeface="Arial" panose="020B0604020202020204" pitchFamily="34" charset="0"/>
+                <a:cs typeface="Arial" panose="020B0604020202020204" pitchFamily="34" charset="0"/>
+                <a:sym typeface="Wingdings" pitchFamily="2" charset="2"/>
+              </a:rPr>
+              <a:t>but would facilitate several downstream tasks:</a:t>
+            </a:r>
+          </a:p>
+          <a:p>
             <a:pPr marL="0" indent="0">
+              <a:lnSpc>
+                <a:spcPct val="170000"/>
+              </a:lnSpc>
+              <a:buNone/>
+            </a:pPr>
+            <a:endParaRPr lang="en-US" dirty="0">
+              <a:latin typeface="Arial" panose="020B0604020202020204" pitchFamily="34" charset="0"/>
+              <a:cs typeface="Arial" panose="020B0604020202020204" pitchFamily="34" charset="0"/>
+              <a:sym typeface="Wingdings" pitchFamily="2" charset="2"/>
+            </a:endParaRPr>
+          </a:p>
+          <a:p>
+            <a:pPr marL="0" indent="0">
+              <a:lnSpc>
+                <a:spcPct val="170000"/>
+              </a:lnSpc>
+              <a:buNone/>
+            </a:pPr>
+            <a:endParaRPr lang="en-US" sz="2000" dirty="0">
+              <a:latin typeface="Arial" panose="020B0604020202020204" pitchFamily="34" charset="0"/>
+              <a:cs typeface="Arial" panose="020B0604020202020204" pitchFamily="34" charset="0"/>
+              <a:sym typeface="Wingdings" pitchFamily="2" charset="2"/>
+            </a:endParaRPr>
+          </a:p>
+          <a:p>
+            <a:pPr>
+              <a:lnSpc>
+                <a:spcPct val="170000"/>
+              </a:lnSpc>
+            </a:pPr>
+            <a:r>
+              <a:rPr lang="en-US" dirty="0">
+                <a:latin typeface="Arial" panose="020B0604020202020204" pitchFamily="34" charset="0"/>
+                <a:cs typeface="Arial" panose="020B0604020202020204" pitchFamily="34" charset="0"/>
+                <a:sym typeface="Wingdings" pitchFamily="2" charset="2"/>
+              </a:rPr>
+              <a:t>solid database </a:t>
+            </a:r>
+          </a:p>
+          <a:p>
+            <a:pPr marL="0" indent="0">
+              <a:lnSpc>
+                <a:spcPct val="170000"/>
+              </a:lnSpc>
+              <a:buNone/>
+            </a:pPr>
+            <a:endParaRPr lang="en-US" dirty="0">
+              <a:latin typeface="Arial" panose="020B0604020202020204" pitchFamily="34" charset="0"/>
+              <a:cs typeface="Arial" panose="020B0604020202020204" pitchFamily="34" charset="0"/>
+              <a:sym typeface="Wingdings" pitchFamily="2" charset="2"/>
+            </a:endParaRPr>
+          </a:p>
+          <a:p>
+            <a:pPr lvl="1">
               <a:lnSpc>
                 <a:spcPct val="210000"/>
               </a:lnSpc>
-              <a:buNone/>
             </a:pPr>
-            <a:r>
-              <a:rPr lang="en-US" dirty="0">
-                <a:latin typeface="Arial" panose="020B0604020202020204" pitchFamily="34" charset="0"/>
-                <a:cs typeface="Arial" panose="020B0604020202020204" pitchFamily="34" charset="0"/>
-              </a:rPr>
-              <a:t> </a:t>
-            </a:r>
+            <a:endParaRPr lang="en-US" dirty="0">
+              <a:latin typeface="Arial" panose="020B0604020202020204" pitchFamily="34" charset="0"/>
+              <a:cs typeface="Arial" panose="020B0604020202020204" pitchFamily="34" charset="0"/>
+            </a:endParaRPr>
           </a:p>
         </p:txBody>
       </p:sp>
@@ -9953,6 +13823,478 @@
                 <a:latin typeface="Arial" panose="020B0604020202020204" pitchFamily="34" charset="0"/>
                 <a:cs typeface="Arial" panose="020B0604020202020204" pitchFamily="34" charset="0"/>
               </a:rPr>
+              <a:t>   Research Gap</a:t>
+            </a:r>
+          </a:p>
+        </p:txBody>
+      </p:sp>
+      <p:sp>
+        <p:nvSpPr>
+          <p:cNvPr id="7" name="Datumsplatzhalter 6">
+            <a:extLst>
+              <a:ext uri="{FF2B5EF4-FFF2-40B4-BE49-F238E27FC236}">
+                <a16:creationId xmlns:a16="http://schemas.microsoft.com/office/drawing/2014/main" id="{2A152AE2-5324-114B-88A4-F99CB344B8DF}"/>
+              </a:ext>
+            </a:extLst>
+          </p:cNvPr>
+          <p:cNvSpPr>
+            <a:spLocks noGrp="1"/>
+          </p:cNvSpPr>
+          <p:nvPr>
+            <p:ph type="dt" sz="half" idx="10"/>
+          </p:nvPr>
+        </p:nvSpPr>
+        <p:spPr/>
+        <p:txBody>
+          <a:bodyPr/>
+          <a:lstStyle/>
+          <a:p>
+            <a:fld id="{224DF8BC-E337-3D43-A838-E92C1E5EB737}" type="datetime1">
+              <a:rPr lang="en-US" smtClean="0">
+                <a:latin typeface="Arial" panose="020B0604020202020204" pitchFamily="34" charset="0"/>
+                <a:cs typeface="Arial" panose="020B0604020202020204" pitchFamily="34" charset="0"/>
+              </a:rPr>
+              <a:t>12/6/21</a:t>
+            </a:fld>
+            <a:endParaRPr lang="en-US">
+              <a:latin typeface="Arial" panose="020B0604020202020204" pitchFamily="34" charset="0"/>
+              <a:cs typeface="Arial" panose="020B0604020202020204" pitchFamily="34" charset="0"/>
+            </a:endParaRPr>
+          </a:p>
+        </p:txBody>
+      </p:sp>
+      <p:sp>
+        <p:nvSpPr>
+          <p:cNvPr id="8" name="Fußzeilenplatzhalter 7">
+            <a:extLst>
+              <a:ext uri="{FF2B5EF4-FFF2-40B4-BE49-F238E27FC236}">
+                <a16:creationId xmlns:a16="http://schemas.microsoft.com/office/drawing/2014/main" id="{913C50C9-A33D-4041-AB1A-D4A8B33F9554}"/>
+              </a:ext>
+            </a:extLst>
+          </p:cNvPr>
+          <p:cNvSpPr>
+            <a:spLocks noGrp="1"/>
+          </p:cNvSpPr>
+          <p:nvPr>
+            <p:ph type="ftr" sz="quarter" idx="11"/>
+          </p:nvPr>
+        </p:nvSpPr>
+        <p:spPr/>
+        <p:txBody>
+          <a:bodyPr/>
+          <a:lstStyle/>
+          <a:p>
+            <a:r>
+              <a:rPr lang="en-US">
+                <a:latin typeface="Arial" panose="020B0604020202020204" pitchFamily="34" charset="0"/>
+                <a:cs typeface="Arial" panose="020B0604020202020204" pitchFamily="34" charset="0"/>
+              </a:rPr>
+              <a:t>Job Title Matching</a:t>
+            </a:r>
+          </a:p>
+        </p:txBody>
+      </p:sp>
+      <p:sp>
+        <p:nvSpPr>
+          <p:cNvPr id="9" name="Foliennummernplatzhalter 8">
+            <a:extLst>
+              <a:ext uri="{FF2B5EF4-FFF2-40B4-BE49-F238E27FC236}">
+                <a16:creationId xmlns:a16="http://schemas.microsoft.com/office/drawing/2014/main" id="{12340E6D-B84A-A64B-8D5D-D8F188CD5B48}"/>
+              </a:ext>
+            </a:extLst>
+          </p:cNvPr>
+          <p:cNvSpPr>
+            <a:spLocks noGrp="1"/>
+          </p:cNvSpPr>
+          <p:nvPr>
+            <p:ph type="sldNum" sz="quarter" idx="12"/>
+          </p:nvPr>
+        </p:nvSpPr>
+        <p:spPr/>
+        <p:txBody>
+          <a:bodyPr/>
+          <a:lstStyle/>
+          <a:p>
+            <a:fld id="{27B3030E-9675-7D44-A4BE-C7E44D426E4F}" type="slidenum">
+              <a:rPr lang="en-US" smtClean="0">
+                <a:latin typeface="Arial" panose="020B0604020202020204" pitchFamily="34" charset="0"/>
+                <a:cs typeface="Arial" panose="020B0604020202020204" pitchFamily="34" charset="0"/>
+              </a:rPr>
+              <a:t>8</a:t>
+            </a:fld>
+            <a:endParaRPr lang="en-US">
+              <a:latin typeface="Arial" panose="020B0604020202020204" pitchFamily="34" charset="0"/>
+              <a:cs typeface="Arial" panose="020B0604020202020204" pitchFamily="34" charset="0"/>
+            </a:endParaRPr>
+          </a:p>
+        </p:txBody>
+      </p:sp>
+      <p:sp>
+        <p:nvSpPr>
+          <p:cNvPr id="5" name="Rechteck 4">
+            <a:extLst>
+              <a:ext uri="{FF2B5EF4-FFF2-40B4-BE49-F238E27FC236}">
+                <a16:creationId xmlns:a16="http://schemas.microsoft.com/office/drawing/2014/main" id="{97C7AC1B-99D1-F040-BDFF-179BB1D0CAB9}"/>
+              </a:ext>
+            </a:extLst>
+          </p:cNvPr>
+          <p:cNvSpPr/>
+          <p:nvPr/>
+        </p:nvSpPr>
+        <p:spPr>
+          <a:xfrm>
+            <a:off x="838200" y="3772694"/>
+            <a:ext cx="2743200" cy="1244600"/>
+          </a:xfrm>
+          <a:prstGeom prst="rect">
+            <a:avLst/>
+          </a:prstGeom>
+          <a:gradFill flip="none" rotWithShape="1">
+            <a:gsLst>
+              <a:gs pos="0">
+                <a:srgbClr val="8AAEE4">
+                  <a:tint val="66000"/>
+                  <a:satMod val="160000"/>
+                </a:srgbClr>
+              </a:gs>
+              <a:gs pos="50000">
+                <a:srgbClr val="8AAEE4">
+                  <a:tint val="44500"/>
+                  <a:satMod val="160000"/>
+                </a:srgbClr>
+              </a:gs>
+              <a:gs pos="100000">
+                <a:srgbClr val="8AAEE4">
+                  <a:tint val="23500"/>
+                  <a:satMod val="160000"/>
+                </a:srgbClr>
+              </a:gs>
+            </a:gsLst>
+            <a:path path="circle">
+              <a:fillToRect l="100000" t="100000"/>
+            </a:path>
+            <a:tileRect r="-100000" b="-100000"/>
+          </a:gradFill>
+        </p:spPr>
+        <p:style>
+          <a:lnRef idx="2">
+            <a:schemeClr val="accent1">
+              <a:shade val="50000"/>
+            </a:schemeClr>
+          </a:lnRef>
+          <a:fillRef idx="1">
+            <a:schemeClr val="accent1"/>
+          </a:fillRef>
+          <a:effectRef idx="0">
+            <a:schemeClr val="accent1"/>
+          </a:effectRef>
+          <a:fontRef idx="minor">
+            <a:schemeClr val="lt1"/>
+          </a:fontRef>
+        </p:style>
+        <p:txBody>
+          <a:bodyPr rtlCol="0" anchor="ctr"/>
+          <a:lstStyle/>
+          <a:p>
+            <a:pPr algn="ctr"/>
+            <a:r>
+              <a:rPr lang="en-GB" b="1" dirty="0">
+                <a:solidFill>
+                  <a:schemeClr val="tx1"/>
+                </a:solidFill>
+              </a:rPr>
+              <a:t>job market analyses</a:t>
+            </a:r>
+          </a:p>
+        </p:txBody>
+      </p:sp>
+      <p:sp>
+        <p:nvSpPr>
+          <p:cNvPr id="10" name="Rechteck 9">
+            <a:extLst>
+              <a:ext uri="{FF2B5EF4-FFF2-40B4-BE49-F238E27FC236}">
+                <a16:creationId xmlns:a16="http://schemas.microsoft.com/office/drawing/2014/main" id="{1ABD3F9C-A220-114C-9DE8-6993C843CF08}"/>
+              </a:ext>
+            </a:extLst>
+          </p:cNvPr>
+          <p:cNvSpPr/>
+          <p:nvPr/>
+        </p:nvSpPr>
+        <p:spPr>
+          <a:xfrm>
+            <a:off x="4724400" y="3772694"/>
+            <a:ext cx="2743200" cy="1244600"/>
+          </a:xfrm>
+          <a:prstGeom prst="rect">
+            <a:avLst/>
+          </a:prstGeom>
+          <a:gradFill flip="none" rotWithShape="1">
+            <a:gsLst>
+              <a:gs pos="0">
+                <a:srgbClr val="8AAEE4">
+                  <a:tint val="66000"/>
+                  <a:satMod val="160000"/>
+                </a:srgbClr>
+              </a:gs>
+              <a:gs pos="50000">
+                <a:srgbClr val="8AAEE4">
+                  <a:tint val="44500"/>
+                  <a:satMod val="160000"/>
+                </a:srgbClr>
+              </a:gs>
+              <a:gs pos="100000">
+                <a:srgbClr val="8AAEE4">
+                  <a:tint val="23500"/>
+                  <a:satMod val="160000"/>
+                </a:srgbClr>
+              </a:gs>
+            </a:gsLst>
+            <a:path path="circle">
+              <a:fillToRect l="100000" t="100000"/>
+            </a:path>
+            <a:tileRect r="-100000" b="-100000"/>
+          </a:gradFill>
+        </p:spPr>
+        <p:style>
+          <a:lnRef idx="2">
+            <a:schemeClr val="accent1">
+              <a:shade val="50000"/>
+            </a:schemeClr>
+          </a:lnRef>
+          <a:fillRef idx="1">
+            <a:schemeClr val="accent1"/>
+          </a:fillRef>
+          <a:effectRef idx="0">
+            <a:schemeClr val="accent1"/>
+          </a:effectRef>
+          <a:fontRef idx="minor">
+            <a:schemeClr val="lt1"/>
+          </a:fontRef>
+        </p:style>
+        <p:txBody>
+          <a:bodyPr rtlCol="0" anchor="ctr"/>
+          <a:lstStyle/>
+          <a:p>
+            <a:pPr algn="ctr"/>
+            <a:r>
+              <a:rPr lang="en-GB" b="1" dirty="0">
+                <a:solidFill>
+                  <a:schemeClr val="tx1"/>
+                </a:solidFill>
+              </a:rPr>
+              <a:t>improvement of job search engines</a:t>
+            </a:r>
+          </a:p>
+        </p:txBody>
+      </p:sp>
+      <p:sp>
+        <p:nvSpPr>
+          <p:cNvPr id="11" name="Rechteck 10">
+            <a:extLst>
+              <a:ext uri="{FF2B5EF4-FFF2-40B4-BE49-F238E27FC236}">
+                <a16:creationId xmlns:a16="http://schemas.microsoft.com/office/drawing/2014/main" id="{0EF004B4-8A4C-A148-8358-DA1023C78E25}"/>
+              </a:ext>
+            </a:extLst>
+          </p:cNvPr>
+          <p:cNvSpPr/>
+          <p:nvPr/>
+        </p:nvSpPr>
+        <p:spPr>
+          <a:xfrm>
+            <a:off x="8610600" y="3772694"/>
+            <a:ext cx="2743200" cy="1244600"/>
+          </a:xfrm>
+          <a:prstGeom prst="rect">
+            <a:avLst/>
+          </a:prstGeom>
+          <a:gradFill flip="none" rotWithShape="1">
+            <a:gsLst>
+              <a:gs pos="0">
+                <a:srgbClr val="8AAEE4">
+                  <a:tint val="66000"/>
+                  <a:satMod val="160000"/>
+                </a:srgbClr>
+              </a:gs>
+              <a:gs pos="50000">
+                <a:srgbClr val="8AAEE4">
+                  <a:tint val="44500"/>
+                  <a:satMod val="160000"/>
+                </a:srgbClr>
+              </a:gs>
+              <a:gs pos="100000">
+                <a:srgbClr val="8AAEE4">
+                  <a:tint val="23500"/>
+                  <a:satMod val="160000"/>
+                </a:srgbClr>
+              </a:gs>
+            </a:gsLst>
+            <a:path path="circle">
+              <a:fillToRect l="100000" t="100000"/>
+            </a:path>
+            <a:tileRect r="-100000" b="-100000"/>
+          </a:gradFill>
+        </p:spPr>
+        <p:style>
+          <a:lnRef idx="2">
+            <a:schemeClr val="accent1">
+              <a:shade val="50000"/>
+            </a:schemeClr>
+          </a:lnRef>
+          <a:fillRef idx="1">
+            <a:schemeClr val="accent1"/>
+          </a:fillRef>
+          <a:effectRef idx="0">
+            <a:schemeClr val="accent1"/>
+          </a:effectRef>
+          <a:fontRef idx="minor">
+            <a:schemeClr val="lt1"/>
+          </a:fontRef>
+        </p:style>
+        <p:txBody>
+          <a:bodyPr rtlCol="0" anchor="ctr"/>
+          <a:lstStyle/>
+          <a:p>
+            <a:pPr algn="ctr"/>
+            <a:r>
+              <a:rPr lang="en-GB" b="1" dirty="0">
+                <a:solidFill>
+                  <a:schemeClr val="tx1"/>
+                </a:solidFill>
+              </a:rPr>
+              <a:t>improvement of job recommendation systems</a:t>
+            </a:r>
+          </a:p>
+        </p:txBody>
+      </p:sp>
+    </p:spTree>
+    <p:extLst>
+      <p:ext uri="{BB962C8B-B14F-4D97-AF65-F5344CB8AC3E}">
+        <p14:creationId xmlns:p14="http://schemas.microsoft.com/office/powerpoint/2010/main" val="3110944243"/>
+      </p:ext>
+    </p:extLst>
+  </p:cSld>
+  <p:clrMapOvr>
+    <a:masterClrMapping/>
+  </p:clrMapOvr>
+</p:sld>
+</file>
+
+<file path=ppt/slides/slide9.xml><?xml version="1.0" encoding="utf-8"?>
+<p:sld xmlns:a="http://schemas.openxmlformats.org/drawingml/2006/main" xmlns:r="http://schemas.openxmlformats.org/officeDocument/2006/relationships" xmlns:p="http://schemas.openxmlformats.org/presentationml/2006/main">
+  <p:cSld>
+    <p:spTree>
+      <p:nvGrpSpPr>
+        <p:cNvPr id="1" name=""/>
+        <p:cNvGrpSpPr/>
+        <p:nvPr/>
+      </p:nvGrpSpPr>
+      <p:grpSpPr>
+        <a:xfrm>
+          <a:off x="0" y="0"/>
+          <a:ext cx="0" cy="0"/>
+          <a:chOff x="0" y="0"/>
+          <a:chExt cx="0" cy="0"/>
+        </a:xfrm>
+      </p:grpSpPr>
+      <p:sp>
+        <p:nvSpPr>
+          <p:cNvPr id="3" name="Inhaltsplatzhalter 2">
+            <a:extLst>
+              <a:ext uri="{FF2B5EF4-FFF2-40B4-BE49-F238E27FC236}">
+                <a16:creationId xmlns:a16="http://schemas.microsoft.com/office/drawing/2014/main" id="{82447E3F-1B07-F74A-8D5D-86F34EA8FDCF}"/>
+              </a:ext>
+            </a:extLst>
+          </p:cNvPr>
+          <p:cNvSpPr>
+            <a:spLocks noGrp="1"/>
+          </p:cNvSpPr>
+          <p:nvPr>
+            <p:ph idx="1"/>
+          </p:nvPr>
+        </p:nvSpPr>
+        <p:spPr>
+          <a:xfrm>
+            <a:off x="501316" y="1939925"/>
+            <a:ext cx="10515600" cy="4351338"/>
+          </a:xfrm>
+        </p:spPr>
+        <p:txBody>
+          <a:bodyPr>
+            <a:normAutofit/>
+          </a:bodyPr>
+          <a:lstStyle/>
+          <a:p>
+            <a:pPr marL="0" indent="0">
+              <a:lnSpc>
+                <a:spcPct val="210000"/>
+              </a:lnSpc>
+              <a:buNone/>
+            </a:pPr>
+            <a:r>
+              <a:rPr lang="en-US" dirty="0">
+                <a:latin typeface="Arial" panose="020B0604020202020204" pitchFamily="34" charset="0"/>
+                <a:cs typeface="Arial" panose="020B0604020202020204" pitchFamily="34" charset="0"/>
+              </a:rPr>
+              <a:t> </a:t>
+            </a:r>
+          </a:p>
+        </p:txBody>
+      </p:sp>
+      <p:sp>
+        <p:nvSpPr>
+          <p:cNvPr id="4" name="Rechteck 3">
+            <a:extLst>
+              <a:ext uri="{FF2B5EF4-FFF2-40B4-BE49-F238E27FC236}">
+                <a16:creationId xmlns:a16="http://schemas.microsoft.com/office/drawing/2014/main" id="{3D453608-4FEF-6F4A-AC80-3124CE49AE26}"/>
+              </a:ext>
+            </a:extLst>
+          </p:cNvPr>
+          <p:cNvSpPr/>
+          <p:nvPr/>
+        </p:nvSpPr>
+        <p:spPr>
+          <a:xfrm>
+            <a:off x="0" y="703897"/>
+            <a:ext cx="12192000" cy="884271"/>
+          </a:xfrm>
+          <a:prstGeom prst="rect">
+            <a:avLst/>
+          </a:prstGeom>
+          <a:solidFill>
+            <a:srgbClr val="01ACE8"/>
+          </a:solidFill>
+          <a:ln>
+            <a:noFill/>
+          </a:ln>
+        </p:spPr>
+        <p:style>
+          <a:lnRef idx="2">
+            <a:schemeClr val="accent1">
+              <a:shade val="50000"/>
+            </a:schemeClr>
+          </a:lnRef>
+          <a:fillRef idx="1">
+            <a:schemeClr val="accent1"/>
+          </a:fillRef>
+          <a:effectRef idx="0">
+            <a:schemeClr val="accent1"/>
+          </a:effectRef>
+          <a:fontRef idx="minor">
+            <a:schemeClr val="lt1"/>
+          </a:fontRef>
+        </p:style>
+        <p:txBody>
+          <a:bodyPr rtlCol="0" anchor="ctr"/>
+          <a:lstStyle/>
+          <a:p>
+            <a:r>
+              <a:rPr lang="en-US" sz="4000" dirty="0">
+                <a:solidFill>
+                  <a:schemeClr val="tx1"/>
+                </a:solidFill>
+                <a:latin typeface="Arial" panose="020B0604020202020204" pitchFamily="34" charset="0"/>
+                <a:cs typeface="Arial" panose="020B0604020202020204" pitchFamily="34" charset="0"/>
+              </a:rPr>
               <a:t>   Method</a:t>
             </a:r>
           </a:p>
@@ -10121,62 +14463,10 @@
           </a:prstGeom>
         </p:spPr>
       </p:pic>
-      <p:sp>
-        <p:nvSpPr>
-          <p:cNvPr id="10" name="Abgerundetes Rechteck 9">
-            <a:extLst>
-              <a:ext uri="{FF2B5EF4-FFF2-40B4-BE49-F238E27FC236}">
-                <a16:creationId xmlns:a16="http://schemas.microsoft.com/office/drawing/2014/main" id="{548BAC53-0F91-EF4F-81A0-A428FE010344}"/>
-              </a:ext>
-            </a:extLst>
-          </p:cNvPr>
-          <p:cNvSpPr/>
-          <p:nvPr/>
-        </p:nvSpPr>
-        <p:spPr>
-          <a:xfrm>
-            <a:off x="4522762" y="2696116"/>
-            <a:ext cx="1462755" cy="716556"/>
-          </a:xfrm>
-          <a:prstGeom prst="roundRect">
-            <a:avLst/>
-          </a:prstGeom>
-          <a:noFill/>
-          <a:ln w="38100">
-            <a:solidFill>
-              <a:srgbClr val="0070C0"/>
-            </a:solidFill>
-          </a:ln>
-        </p:spPr>
-        <p:style>
-          <a:lnRef idx="2">
-            <a:schemeClr val="accent1">
-              <a:shade val="50000"/>
-            </a:schemeClr>
-          </a:lnRef>
-          <a:fillRef idx="1">
-            <a:schemeClr val="accent1"/>
-          </a:fillRef>
-          <a:effectRef idx="0">
-            <a:schemeClr val="accent1"/>
-          </a:effectRef>
-          <a:fontRef idx="minor">
-            <a:schemeClr val="lt1"/>
-          </a:fontRef>
-        </p:style>
-        <p:txBody>
-          <a:bodyPr rtlCol="0" anchor="ctr"/>
-          <a:lstStyle/>
-          <a:p>
-            <a:pPr algn="ctr"/>
-            <a:endParaRPr lang="de-DE"/>
-          </a:p>
-        </p:txBody>
-      </p:sp>
     </p:spTree>
     <p:extLst>
       <p:ext uri="{BB962C8B-B14F-4D97-AF65-F5344CB8AC3E}">
-        <p14:creationId xmlns:p14="http://schemas.microsoft.com/office/powerpoint/2010/main" val="3817733264"/>
+        <p14:creationId xmlns:p14="http://schemas.microsoft.com/office/powerpoint/2010/main" val="4079037387"/>
       </p:ext>
     </p:extLst>
   </p:cSld>
